--- a/docs/Examples/Engines/Transient/O360-turbocharged-vs-mech.supercharged-vs-none/makeFig_O360-turbocharged-vs-mech.supercharged-vs-none.pptx
+++ b/docs/Examples/Engines/Transient/O360-turbocharged-vs-mech.supercharged-vs-none/makeFig_O360-turbocharged-vs-mech.supercharged-vs-none.pptx
@@ -1,13 +1,15 @@
 
 <file path=ppt/presentation.xml><?xml version="1.0" encoding="utf-8"?>
-<p:presentation xmlns:a="http://schemas.openxmlformats.org/drawingml/2006/main" xmlns:r="http://schemas.openxmlformats.org/officeDocument/2006/relationships" xmlns:p="http://schemas.openxmlformats.org/presentationml/2006/main" saveSubsetFonts="1">
+<p:presentation xmlns:a="http://schemas.openxmlformats.org/drawingml/2006/main" xmlns:r="http://schemas.openxmlformats.org/officeDocument/2006/relationships" xmlns:p="http://schemas.openxmlformats.org/presentationml/2006/main">
   <p:sldMasterIdLst>
     <p:sldMasterId id="2147483648" r:id="rId1"/>
+    <p:sldMasterId id="2147483660" r:id="rId3"/>
   </p:sldMasterIdLst>
   <p:sldIdLst>
-    <p:sldId id="347" r:id="rId2"/>
-    <p:sldId id="345" r:id="rId3"/>
-    <p:sldId id="346" r:id="rId4"/>
+    <p:sldId id="347" r:id="rId4"/>
+    <p:sldId id="345" r:id="rId5"/>
+    <p:sldId id="346" r:id="rId6"/>
+    <p:sldId id="350" r:id="rId7"/>
   </p:sldIdLst>
   <p:sldSz cx="12192000" cy="6858000"/>
   <p:notesSz cx="6858000" cy="9144000"/>
@@ -114,12 +116,10 @@
             <p14:sldId id="347"/>
             <p14:sldId id="345"/>
             <p14:sldId id="346"/>
+            <p14:sldId id="350"/>
           </p14:sldIdLst>
         </p14:section>
       </p14:sectionLst>
-    </p:ext>
-    <p:ext uri="{EFAFB233-063F-42B5-8137-9DF3F51BA10A}">
-      <p15:sldGuideLst xmlns:p15="http://schemas.microsoft.com/office/powerpoint/2012/main"/>
     </p:ext>
   </p:extLst>
 </p:presentation>
@@ -144,13 +144,7 @@
       </p:grpSpPr>
       <p:sp>
         <p:nvSpPr>
-          <p:cNvPr id="2" name="タイトル 1">
-            <a:extLst>
-              <a:ext uri="{FF2B5EF4-FFF2-40B4-BE49-F238E27FC236}">
-                <a16:creationId xmlns:a16="http://schemas.microsoft.com/office/drawing/2014/main" id="{E3930F10-4276-461B-B41B-E326B9365CBB}"/>
-              </a:ext>
-            </a:extLst>
-          </p:cNvPr>
+          <p:cNvPr id="2" name="タイトル 1"/>
           <p:cNvSpPr>
             <a:spLocks noGrp="1"/>
           </p:cNvSpPr>
@@ -176,18 +170,13 @@
               <a:rPr kumimoji="1" lang="ja-JP" altLang="en-US"/>
               <a:t>マスター タイトルの書式設定</a:t>
             </a:r>
-          </a:p>
-        </p:txBody>
-      </p:sp>
-      <p:sp>
-        <p:nvSpPr>
-          <p:cNvPr id="3" name="字幕 2">
-            <a:extLst>
-              <a:ext uri="{FF2B5EF4-FFF2-40B4-BE49-F238E27FC236}">
-                <a16:creationId xmlns:a16="http://schemas.microsoft.com/office/drawing/2014/main" id="{80F7FC7F-9984-4696-8E29-F99575BB1CB1}"/>
-              </a:ext>
-            </a:extLst>
-          </p:cNvPr>
+            <a:endParaRPr kumimoji="1" lang="ja-JP" altLang="en-US"/>
+          </a:p>
+        </p:txBody>
+      </p:sp>
+      <p:sp>
+        <p:nvSpPr>
+          <p:cNvPr id="3" name="字幕 2"/>
           <p:cNvSpPr>
             <a:spLocks noGrp="1"/>
           </p:cNvSpPr>
@@ -246,18 +235,13 @@
               <a:rPr kumimoji="1" lang="ja-JP" altLang="en-US"/>
               <a:t>マスター サブタイトルの書式設定</a:t>
             </a:r>
-          </a:p>
-        </p:txBody>
-      </p:sp>
-      <p:sp>
-        <p:nvSpPr>
-          <p:cNvPr id="4" name="日付プレースホルダー 3">
-            <a:extLst>
-              <a:ext uri="{FF2B5EF4-FFF2-40B4-BE49-F238E27FC236}">
-                <a16:creationId xmlns:a16="http://schemas.microsoft.com/office/drawing/2014/main" id="{41D3EA16-9AF4-41D0-8563-A640CE0A89C5}"/>
-              </a:ext>
-            </a:extLst>
-          </p:cNvPr>
+            <a:endParaRPr kumimoji="1" lang="ja-JP" altLang="en-US"/>
+          </a:p>
+        </p:txBody>
+      </p:sp>
+      <p:sp>
+        <p:nvSpPr>
+          <p:cNvPr id="4" name="日付プレースホルダー 3"/>
           <p:cNvSpPr>
             <a:spLocks noGrp="1"/>
           </p:cNvSpPr>
@@ -272,7 +256,6 @@
           <a:p>
             <a:fld id="{EF01AC3F-5B2B-4265-BEF4-31326588BC24}" type="datetimeFigureOut">
               <a:rPr kumimoji="1" lang="ja-JP" altLang="en-US" smtClean="0"/>
-              <a:t>2021/10/21</a:t>
             </a:fld>
             <a:endParaRPr kumimoji="1" lang="ja-JP" altLang="en-US"/>
           </a:p>
@@ -280,13 +263,7 @@
       </p:sp>
       <p:sp>
         <p:nvSpPr>
-          <p:cNvPr id="5" name="フッター プレースホルダー 4">
-            <a:extLst>
-              <a:ext uri="{FF2B5EF4-FFF2-40B4-BE49-F238E27FC236}">
-                <a16:creationId xmlns:a16="http://schemas.microsoft.com/office/drawing/2014/main" id="{D43032B3-A358-49A7-A81E-F321BEA4EEDA}"/>
-              </a:ext>
-            </a:extLst>
-          </p:cNvPr>
+          <p:cNvPr id="5" name="フッター プレースホルダー 4"/>
           <p:cNvSpPr>
             <a:spLocks noGrp="1"/>
           </p:cNvSpPr>
@@ -305,13 +282,7 @@
       </p:sp>
       <p:sp>
         <p:nvSpPr>
-          <p:cNvPr id="6" name="スライド番号プレースホルダー 5">
-            <a:extLst>
-              <a:ext uri="{FF2B5EF4-FFF2-40B4-BE49-F238E27FC236}">
-                <a16:creationId xmlns:a16="http://schemas.microsoft.com/office/drawing/2014/main" id="{EC197416-7D6C-4B76-94C0-5C2346830BD0}"/>
-              </a:ext>
-            </a:extLst>
-          </p:cNvPr>
+          <p:cNvPr id="6" name="スライド番号プレースホルダー 5"/>
           <p:cNvSpPr>
             <a:spLocks noGrp="1"/>
           </p:cNvSpPr>
@@ -326,18 +297,12 @@
           <a:p>
             <a:fld id="{55416541-5EAB-4E31-BA93-A38D44E03098}" type="slidenum">
               <a:rPr kumimoji="1" lang="ja-JP" altLang="en-US" smtClean="0"/>
-              <a:t>‹#›</a:t>
             </a:fld>
             <a:endParaRPr kumimoji="1" lang="ja-JP" altLang="en-US"/>
           </a:p>
         </p:txBody>
       </p:sp>
     </p:spTree>
-    <p:extLst>
-      <p:ext uri="{BB962C8B-B14F-4D97-AF65-F5344CB8AC3E}">
-        <p14:creationId xmlns:p14="http://schemas.microsoft.com/office/powerpoint/2010/main" val="1441670174"/>
-      </p:ext>
-    </p:extLst>
   </p:cSld>
   <p:clrMapOvr>
     <a:masterClrMapping/>
@@ -364,13 +329,7 @@
       </p:grpSpPr>
       <p:sp>
         <p:nvSpPr>
-          <p:cNvPr id="2" name="タイトル 1">
-            <a:extLst>
-              <a:ext uri="{FF2B5EF4-FFF2-40B4-BE49-F238E27FC236}">
-                <a16:creationId xmlns:a16="http://schemas.microsoft.com/office/drawing/2014/main" id="{75CE84A8-C69E-495C-9CCC-7390A7E5A4BC}"/>
-              </a:ext>
-            </a:extLst>
-          </p:cNvPr>
+          <p:cNvPr id="2" name="タイトル 1"/>
           <p:cNvSpPr>
             <a:spLocks noGrp="1"/>
           </p:cNvSpPr>
@@ -387,18 +346,13 @@
               <a:rPr kumimoji="1" lang="ja-JP" altLang="en-US"/>
               <a:t>マスター タイトルの書式設定</a:t>
             </a:r>
-          </a:p>
-        </p:txBody>
-      </p:sp>
-      <p:sp>
-        <p:nvSpPr>
-          <p:cNvPr id="3" name="縦書きテキスト プレースホルダー 2">
-            <a:extLst>
-              <a:ext uri="{FF2B5EF4-FFF2-40B4-BE49-F238E27FC236}">
-                <a16:creationId xmlns:a16="http://schemas.microsoft.com/office/drawing/2014/main" id="{4531AF6F-7C8D-4CD9-B7D5-93254AFCD432}"/>
-              </a:ext>
-            </a:extLst>
-          </p:cNvPr>
+            <a:endParaRPr kumimoji="1" lang="ja-JP" altLang="en-US"/>
+          </a:p>
+        </p:txBody>
+      </p:sp>
+      <p:sp>
+        <p:nvSpPr>
+          <p:cNvPr id="3" name="縦書きテキスト プレースホルダー 2"/>
           <p:cNvSpPr>
             <a:spLocks noGrp="1"/>
           </p:cNvSpPr>
@@ -416,6 +370,7 @@
               <a:rPr kumimoji="1" lang="ja-JP" altLang="en-US"/>
               <a:t>マスター テキストの書式設定</a:t>
             </a:r>
+            <a:endParaRPr kumimoji="1" lang="ja-JP" altLang="en-US"/>
           </a:p>
           <a:p>
             <a:pPr lvl="1"/>
@@ -431,6 +386,7 @@
               <a:rPr kumimoji="1" lang="ja-JP" altLang="en-US"/>
               <a:t>レベル</a:t>
             </a:r>
+            <a:endParaRPr kumimoji="1" lang="ja-JP" altLang="en-US"/>
           </a:p>
           <a:p>
             <a:pPr lvl="2"/>
@@ -446,6 +402,7 @@
               <a:rPr kumimoji="1" lang="ja-JP" altLang="en-US"/>
               <a:t>レベル</a:t>
             </a:r>
+            <a:endParaRPr kumimoji="1" lang="ja-JP" altLang="en-US"/>
           </a:p>
           <a:p>
             <a:pPr lvl="3"/>
@@ -461,6 +418,7 @@
               <a:rPr kumimoji="1" lang="ja-JP" altLang="en-US"/>
               <a:t>レベル</a:t>
             </a:r>
+            <a:endParaRPr kumimoji="1" lang="ja-JP" altLang="en-US"/>
           </a:p>
           <a:p>
             <a:pPr lvl="4"/>
@@ -476,18 +434,13 @@
               <a:rPr kumimoji="1" lang="ja-JP" altLang="en-US"/>
               <a:t>レベル</a:t>
             </a:r>
-          </a:p>
-        </p:txBody>
-      </p:sp>
-      <p:sp>
-        <p:nvSpPr>
-          <p:cNvPr id="4" name="日付プレースホルダー 3">
-            <a:extLst>
-              <a:ext uri="{FF2B5EF4-FFF2-40B4-BE49-F238E27FC236}">
-                <a16:creationId xmlns:a16="http://schemas.microsoft.com/office/drawing/2014/main" id="{7B71F7B8-9257-4281-B21B-9CB4733E03D5}"/>
-              </a:ext>
-            </a:extLst>
-          </p:cNvPr>
+            <a:endParaRPr kumimoji="1" lang="ja-JP" altLang="en-US"/>
+          </a:p>
+        </p:txBody>
+      </p:sp>
+      <p:sp>
+        <p:nvSpPr>
+          <p:cNvPr id="4" name="日付プレースホルダー 3"/>
           <p:cNvSpPr>
             <a:spLocks noGrp="1"/>
           </p:cNvSpPr>
@@ -502,7 +455,6 @@
           <a:p>
             <a:fld id="{EF01AC3F-5B2B-4265-BEF4-31326588BC24}" type="datetimeFigureOut">
               <a:rPr kumimoji="1" lang="ja-JP" altLang="en-US" smtClean="0"/>
-              <a:t>2021/10/21</a:t>
             </a:fld>
             <a:endParaRPr kumimoji="1" lang="ja-JP" altLang="en-US"/>
           </a:p>
@@ -510,13 +462,7 @@
       </p:sp>
       <p:sp>
         <p:nvSpPr>
-          <p:cNvPr id="5" name="フッター プレースホルダー 4">
-            <a:extLst>
-              <a:ext uri="{FF2B5EF4-FFF2-40B4-BE49-F238E27FC236}">
-                <a16:creationId xmlns:a16="http://schemas.microsoft.com/office/drawing/2014/main" id="{E8D5D73C-6312-41E1-8A2A-3B6C901E131D}"/>
-              </a:ext>
-            </a:extLst>
-          </p:cNvPr>
+          <p:cNvPr id="5" name="フッター プレースホルダー 4"/>
           <p:cNvSpPr>
             <a:spLocks noGrp="1"/>
           </p:cNvSpPr>
@@ -535,13 +481,7 @@
       </p:sp>
       <p:sp>
         <p:nvSpPr>
-          <p:cNvPr id="6" name="スライド番号プレースホルダー 5">
-            <a:extLst>
-              <a:ext uri="{FF2B5EF4-FFF2-40B4-BE49-F238E27FC236}">
-                <a16:creationId xmlns:a16="http://schemas.microsoft.com/office/drawing/2014/main" id="{FE8EDAD9-90BD-4047-B983-15DD790843B9}"/>
-              </a:ext>
-            </a:extLst>
-          </p:cNvPr>
+          <p:cNvPr id="6" name="スライド番号プレースホルダー 5"/>
           <p:cNvSpPr>
             <a:spLocks noGrp="1"/>
           </p:cNvSpPr>
@@ -556,18 +496,12 @@
           <a:p>
             <a:fld id="{55416541-5EAB-4E31-BA93-A38D44E03098}" type="slidenum">
               <a:rPr kumimoji="1" lang="ja-JP" altLang="en-US" smtClean="0"/>
-              <a:t>‹#›</a:t>
             </a:fld>
             <a:endParaRPr kumimoji="1" lang="ja-JP" altLang="en-US"/>
           </a:p>
         </p:txBody>
       </p:sp>
     </p:spTree>
-    <p:extLst>
-      <p:ext uri="{BB962C8B-B14F-4D97-AF65-F5344CB8AC3E}">
-        <p14:creationId xmlns:p14="http://schemas.microsoft.com/office/powerpoint/2010/main" val="902254229"/>
-      </p:ext>
-    </p:extLst>
   </p:cSld>
   <p:clrMapOvr>
     <a:masterClrMapping/>
@@ -594,13 +528,7 @@
       </p:grpSpPr>
       <p:sp>
         <p:nvSpPr>
-          <p:cNvPr id="2" name="縦書きタイトル 1">
-            <a:extLst>
-              <a:ext uri="{FF2B5EF4-FFF2-40B4-BE49-F238E27FC236}">
-                <a16:creationId xmlns:a16="http://schemas.microsoft.com/office/drawing/2014/main" id="{2FF7FDD1-F62B-4A64-8471-7220AFB2E3D6}"/>
-              </a:ext>
-            </a:extLst>
-          </p:cNvPr>
+          <p:cNvPr id="2" name="縦書きタイトル 1"/>
           <p:cNvSpPr>
             <a:spLocks noGrp="1"/>
           </p:cNvSpPr>
@@ -622,18 +550,13 @@
               <a:rPr kumimoji="1" lang="ja-JP" altLang="en-US"/>
               <a:t>マスター タイトルの書式設定</a:t>
             </a:r>
-          </a:p>
-        </p:txBody>
-      </p:sp>
-      <p:sp>
-        <p:nvSpPr>
-          <p:cNvPr id="3" name="縦書きテキスト プレースホルダー 2">
-            <a:extLst>
-              <a:ext uri="{FF2B5EF4-FFF2-40B4-BE49-F238E27FC236}">
-                <a16:creationId xmlns:a16="http://schemas.microsoft.com/office/drawing/2014/main" id="{2DDF9275-5424-4E1F-B29A-CE73FF26D714}"/>
-              </a:ext>
-            </a:extLst>
-          </p:cNvPr>
+            <a:endParaRPr kumimoji="1" lang="ja-JP" altLang="en-US"/>
+          </a:p>
+        </p:txBody>
+      </p:sp>
+      <p:sp>
+        <p:nvSpPr>
+          <p:cNvPr id="3" name="縦書きテキスト プレースホルダー 2"/>
           <p:cNvSpPr>
             <a:spLocks noGrp="1"/>
           </p:cNvSpPr>
@@ -656,6 +579,7 @@
               <a:rPr kumimoji="1" lang="ja-JP" altLang="en-US"/>
               <a:t>マスター テキストの書式設定</a:t>
             </a:r>
+            <a:endParaRPr kumimoji="1" lang="ja-JP" altLang="en-US"/>
           </a:p>
           <a:p>
             <a:pPr lvl="1"/>
@@ -671,6 +595,7 @@
               <a:rPr kumimoji="1" lang="ja-JP" altLang="en-US"/>
               <a:t>レベル</a:t>
             </a:r>
+            <a:endParaRPr kumimoji="1" lang="ja-JP" altLang="en-US"/>
           </a:p>
           <a:p>
             <a:pPr lvl="2"/>
@@ -686,6 +611,7 @@
               <a:rPr kumimoji="1" lang="ja-JP" altLang="en-US"/>
               <a:t>レベル</a:t>
             </a:r>
+            <a:endParaRPr kumimoji="1" lang="ja-JP" altLang="en-US"/>
           </a:p>
           <a:p>
             <a:pPr lvl="3"/>
@@ -701,6 +627,7 @@
               <a:rPr kumimoji="1" lang="ja-JP" altLang="en-US"/>
               <a:t>レベル</a:t>
             </a:r>
+            <a:endParaRPr kumimoji="1" lang="ja-JP" altLang="en-US"/>
           </a:p>
           <a:p>
             <a:pPr lvl="4"/>
@@ -716,18 +643,13 @@
               <a:rPr kumimoji="1" lang="ja-JP" altLang="en-US"/>
               <a:t>レベル</a:t>
             </a:r>
-          </a:p>
-        </p:txBody>
-      </p:sp>
-      <p:sp>
-        <p:nvSpPr>
-          <p:cNvPr id="4" name="日付プレースホルダー 3">
-            <a:extLst>
-              <a:ext uri="{FF2B5EF4-FFF2-40B4-BE49-F238E27FC236}">
-                <a16:creationId xmlns:a16="http://schemas.microsoft.com/office/drawing/2014/main" id="{DCC078C3-726C-417A-A9ED-CC0C5599C815}"/>
-              </a:ext>
-            </a:extLst>
-          </p:cNvPr>
+            <a:endParaRPr kumimoji="1" lang="ja-JP" altLang="en-US"/>
+          </a:p>
+        </p:txBody>
+      </p:sp>
+      <p:sp>
+        <p:nvSpPr>
+          <p:cNvPr id="4" name="日付プレースホルダー 3"/>
           <p:cNvSpPr>
             <a:spLocks noGrp="1"/>
           </p:cNvSpPr>
@@ -742,7 +664,6 @@
           <a:p>
             <a:fld id="{EF01AC3F-5B2B-4265-BEF4-31326588BC24}" type="datetimeFigureOut">
               <a:rPr kumimoji="1" lang="ja-JP" altLang="en-US" smtClean="0"/>
-              <a:t>2021/10/21</a:t>
             </a:fld>
             <a:endParaRPr kumimoji="1" lang="ja-JP" altLang="en-US"/>
           </a:p>
@@ -750,13 +671,7 @@
       </p:sp>
       <p:sp>
         <p:nvSpPr>
-          <p:cNvPr id="5" name="フッター プレースホルダー 4">
-            <a:extLst>
-              <a:ext uri="{FF2B5EF4-FFF2-40B4-BE49-F238E27FC236}">
-                <a16:creationId xmlns:a16="http://schemas.microsoft.com/office/drawing/2014/main" id="{6BA14DE9-0D1A-43DB-95C3-A53EE06A4689}"/>
-              </a:ext>
-            </a:extLst>
-          </p:cNvPr>
+          <p:cNvPr id="5" name="フッター プレースホルダー 4"/>
           <p:cNvSpPr>
             <a:spLocks noGrp="1"/>
           </p:cNvSpPr>
@@ -775,13 +690,7 @@
       </p:sp>
       <p:sp>
         <p:nvSpPr>
-          <p:cNvPr id="6" name="スライド番号プレースホルダー 5">
-            <a:extLst>
-              <a:ext uri="{FF2B5EF4-FFF2-40B4-BE49-F238E27FC236}">
-                <a16:creationId xmlns:a16="http://schemas.microsoft.com/office/drawing/2014/main" id="{DA38EC76-199F-460D-9641-F9662790092F}"/>
-              </a:ext>
-            </a:extLst>
-          </p:cNvPr>
+          <p:cNvPr id="6" name="スライド番号プレースホルダー 5"/>
           <p:cNvSpPr>
             <a:spLocks noGrp="1"/>
           </p:cNvSpPr>
@@ -796,18 +705,12 @@
           <a:p>
             <a:fld id="{55416541-5EAB-4E31-BA93-A38D44E03098}" type="slidenum">
               <a:rPr kumimoji="1" lang="ja-JP" altLang="en-US" smtClean="0"/>
-              <a:t>‹#›</a:t>
             </a:fld>
             <a:endParaRPr kumimoji="1" lang="ja-JP" altLang="en-US"/>
           </a:p>
         </p:txBody>
       </p:sp>
     </p:spTree>
-    <p:extLst>
-      <p:ext uri="{BB962C8B-B14F-4D97-AF65-F5344CB8AC3E}">
-        <p14:creationId xmlns:p14="http://schemas.microsoft.com/office/powerpoint/2010/main" val="1787940079"/>
-      </p:ext>
-    </p:extLst>
   </p:cSld>
   <p:clrMapOvr>
     <a:masterClrMapping/>
@@ -815,7 +718,192 @@
 </p:sldLayout>
 </file>
 
-<file path=ppt/slideLayouts/slideLayout2.xml><?xml version="1.0" encoding="utf-8"?>
+<file path=ppt/slideLayouts/slideLayout12.xml><?xml version="1.0" encoding="utf-8"?>
+<p:sldLayout xmlns:a="http://schemas.openxmlformats.org/drawingml/2006/main" xmlns:r="http://schemas.openxmlformats.org/officeDocument/2006/relationships" xmlns:p="http://schemas.openxmlformats.org/presentationml/2006/main" type="title" preserve="1">
+  <p:cSld name="タイトル スライド">
+    <p:spTree>
+      <p:nvGrpSpPr>
+        <p:cNvPr id="1" name=""/>
+        <p:cNvGrpSpPr/>
+        <p:nvPr/>
+      </p:nvGrpSpPr>
+      <p:grpSpPr>
+        <a:xfrm>
+          <a:off x="0" y="0"/>
+          <a:ext cx="0" cy="0"/>
+          <a:chOff x="0" y="0"/>
+          <a:chExt cx="0" cy="0"/>
+        </a:xfrm>
+      </p:grpSpPr>
+      <p:sp>
+        <p:nvSpPr>
+          <p:cNvPr id="2" name="タイトル 1"/>
+          <p:cNvSpPr>
+            <a:spLocks noGrp="1"/>
+          </p:cNvSpPr>
+          <p:nvPr>
+            <p:ph type="ctrTitle"/>
+          </p:nvPr>
+        </p:nvSpPr>
+        <p:spPr>
+          <a:xfrm>
+            <a:off x="1524000" y="1122363"/>
+            <a:ext cx="9144000" cy="2387600"/>
+          </a:xfrm>
+        </p:spPr>
+        <p:txBody>
+          <a:bodyPr anchor="b"/>
+          <a:lstStyle>
+            <a:lvl1pPr algn="ctr">
+              <a:defRPr sz="6000"/>
+            </a:lvl1pPr>
+          </a:lstStyle>
+          <a:p>
+            <a:r>
+              <a:rPr kumimoji="1" lang="ja-JP" altLang="en-US"/>
+              <a:t>マスター タイトルの書式設定</a:t>
+            </a:r>
+            <a:endParaRPr kumimoji="1" lang="ja-JP" altLang="en-US"/>
+          </a:p>
+        </p:txBody>
+      </p:sp>
+      <p:sp>
+        <p:nvSpPr>
+          <p:cNvPr id="3" name="字幕 2"/>
+          <p:cNvSpPr>
+            <a:spLocks noGrp="1"/>
+          </p:cNvSpPr>
+          <p:nvPr>
+            <p:ph type="subTitle" idx="1"/>
+          </p:nvPr>
+        </p:nvSpPr>
+        <p:spPr>
+          <a:xfrm>
+            <a:off x="1524000" y="3602038"/>
+            <a:ext cx="9144000" cy="1655762"/>
+          </a:xfrm>
+        </p:spPr>
+        <p:txBody>
+          <a:bodyPr/>
+          <a:lstStyle>
+            <a:lvl1pPr marL="0" indent="0" algn="ctr">
+              <a:buNone/>
+              <a:defRPr sz="2400"/>
+            </a:lvl1pPr>
+            <a:lvl2pPr marL="457200" indent="0" algn="ctr">
+              <a:buNone/>
+              <a:defRPr sz="2000"/>
+            </a:lvl2pPr>
+            <a:lvl3pPr marL="914400" indent="0" algn="ctr">
+              <a:buNone/>
+              <a:defRPr sz="1800"/>
+            </a:lvl3pPr>
+            <a:lvl4pPr marL="1371600" indent="0" algn="ctr">
+              <a:buNone/>
+              <a:defRPr sz="1600"/>
+            </a:lvl4pPr>
+            <a:lvl5pPr marL="1828800" indent="0" algn="ctr">
+              <a:buNone/>
+              <a:defRPr sz="1600"/>
+            </a:lvl5pPr>
+            <a:lvl6pPr marL="2286000" indent="0" algn="ctr">
+              <a:buNone/>
+              <a:defRPr sz="1600"/>
+            </a:lvl6pPr>
+            <a:lvl7pPr marL="2743200" indent="0" algn="ctr">
+              <a:buNone/>
+              <a:defRPr sz="1600"/>
+            </a:lvl7pPr>
+            <a:lvl8pPr marL="3200400" indent="0" algn="ctr">
+              <a:buNone/>
+              <a:defRPr sz="1600"/>
+            </a:lvl8pPr>
+            <a:lvl9pPr marL="3657600" indent="0" algn="ctr">
+              <a:buNone/>
+              <a:defRPr sz="1600"/>
+            </a:lvl9pPr>
+          </a:lstStyle>
+          <a:p>
+            <a:r>
+              <a:rPr kumimoji="1" lang="ja-JP" altLang="en-US"/>
+              <a:t>マスター サブタイトルの書式設定</a:t>
+            </a:r>
+            <a:endParaRPr kumimoji="1" lang="ja-JP" altLang="en-US"/>
+          </a:p>
+        </p:txBody>
+      </p:sp>
+      <p:sp>
+        <p:nvSpPr>
+          <p:cNvPr id="4" name="日付プレースホルダー 3"/>
+          <p:cNvSpPr>
+            <a:spLocks noGrp="1"/>
+          </p:cNvSpPr>
+          <p:nvPr>
+            <p:ph type="dt" sz="half" idx="10"/>
+          </p:nvPr>
+        </p:nvSpPr>
+        <p:spPr/>
+        <p:txBody>
+          <a:bodyPr/>
+          <a:lstStyle/>
+          <a:p>
+            <a:fld id="{EF01AC3F-5B2B-4265-BEF4-31326588BC24}" type="datetimeFigureOut">
+              <a:rPr kumimoji="1" lang="ja-JP" altLang="en-US" smtClean="0"/>
+            </a:fld>
+            <a:endParaRPr kumimoji="1" lang="ja-JP" altLang="en-US"/>
+          </a:p>
+        </p:txBody>
+      </p:sp>
+      <p:sp>
+        <p:nvSpPr>
+          <p:cNvPr id="5" name="フッター プレースホルダー 4"/>
+          <p:cNvSpPr>
+            <a:spLocks noGrp="1"/>
+          </p:cNvSpPr>
+          <p:nvPr>
+            <p:ph type="ftr" sz="quarter" idx="11"/>
+          </p:nvPr>
+        </p:nvSpPr>
+        <p:spPr/>
+        <p:txBody>
+          <a:bodyPr/>
+          <a:lstStyle/>
+          <a:p>
+            <a:endParaRPr kumimoji="1" lang="ja-JP" altLang="en-US"/>
+          </a:p>
+        </p:txBody>
+      </p:sp>
+      <p:sp>
+        <p:nvSpPr>
+          <p:cNvPr id="6" name="スライド番号プレースホルダー 5"/>
+          <p:cNvSpPr>
+            <a:spLocks noGrp="1"/>
+          </p:cNvSpPr>
+          <p:nvPr>
+            <p:ph type="sldNum" sz="quarter" idx="12"/>
+          </p:nvPr>
+        </p:nvSpPr>
+        <p:spPr/>
+        <p:txBody>
+          <a:bodyPr/>
+          <a:lstStyle/>
+          <a:p>
+            <a:fld id="{55416541-5EAB-4E31-BA93-A38D44E03098}" type="slidenum">
+              <a:rPr kumimoji="1" lang="ja-JP" altLang="en-US" smtClean="0"/>
+            </a:fld>
+            <a:endParaRPr kumimoji="1" lang="ja-JP" altLang="en-US"/>
+          </a:p>
+        </p:txBody>
+      </p:sp>
+    </p:spTree>
+  </p:cSld>
+  <p:clrMapOvr>
+    <a:masterClrMapping/>
+  </p:clrMapOvr>
+</p:sldLayout>
+</file>
+
+<file path=ppt/slideLayouts/slideLayout13.xml><?xml version="1.0" encoding="utf-8"?>
 <p:sldLayout xmlns:a="http://schemas.openxmlformats.org/drawingml/2006/main" xmlns:r="http://schemas.openxmlformats.org/officeDocument/2006/relationships" xmlns:p="http://schemas.openxmlformats.org/presentationml/2006/main" type="obj" preserve="1">
   <p:cSld name="タイトルとコンテンツ">
     <p:spTree>
@@ -834,13 +922,7 @@
       </p:grpSpPr>
       <p:sp>
         <p:nvSpPr>
-          <p:cNvPr id="2" name="タイトル 1">
-            <a:extLst>
-              <a:ext uri="{FF2B5EF4-FFF2-40B4-BE49-F238E27FC236}">
-                <a16:creationId xmlns:a16="http://schemas.microsoft.com/office/drawing/2014/main" id="{474BD025-E95A-4A87-A0A1-6065940DA06C}"/>
-              </a:ext>
-            </a:extLst>
-          </p:cNvPr>
+          <p:cNvPr id="2" name="タイトル 1"/>
           <p:cNvSpPr>
             <a:spLocks noGrp="1"/>
           </p:cNvSpPr>
@@ -857,18 +939,13 @@
               <a:rPr kumimoji="1" lang="ja-JP" altLang="en-US"/>
               <a:t>マスター タイトルの書式設定</a:t>
             </a:r>
-          </a:p>
-        </p:txBody>
-      </p:sp>
-      <p:sp>
-        <p:nvSpPr>
-          <p:cNvPr id="3" name="コンテンツ プレースホルダー 2">
-            <a:extLst>
-              <a:ext uri="{FF2B5EF4-FFF2-40B4-BE49-F238E27FC236}">
-                <a16:creationId xmlns:a16="http://schemas.microsoft.com/office/drawing/2014/main" id="{AC0BCDD6-5616-4A5A-A4AE-A3BF6A6367F1}"/>
-              </a:ext>
-            </a:extLst>
-          </p:cNvPr>
+            <a:endParaRPr kumimoji="1" lang="ja-JP" altLang="en-US"/>
+          </a:p>
+        </p:txBody>
+      </p:sp>
+      <p:sp>
+        <p:nvSpPr>
+          <p:cNvPr id="3" name="コンテンツ プレースホルダー 2"/>
           <p:cNvSpPr>
             <a:spLocks noGrp="1"/>
           </p:cNvSpPr>
@@ -886,6 +963,7 @@
               <a:rPr kumimoji="1" lang="ja-JP" altLang="en-US"/>
               <a:t>マスター テキストの書式設定</a:t>
             </a:r>
+            <a:endParaRPr kumimoji="1" lang="ja-JP" altLang="en-US"/>
           </a:p>
           <a:p>
             <a:pPr lvl="1"/>
@@ -901,6 +979,7 @@
               <a:rPr kumimoji="1" lang="ja-JP" altLang="en-US"/>
               <a:t>レベル</a:t>
             </a:r>
+            <a:endParaRPr kumimoji="1" lang="ja-JP" altLang="en-US"/>
           </a:p>
           <a:p>
             <a:pPr lvl="2"/>
@@ -916,6 +995,7 @@
               <a:rPr kumimoji="1" lang="ja-JP" altLang="en-US"/>
               <a:t>レベル</a:t>
             </a:r>
+            <a:endParaRPr kumimoji="1" lang="ja-JP" altLang="en-US"/>
           </a:p>
           <a:p>
             <a:pPr lvl="3"/>
@@ -931,6 +1011,7 @@
               <a:rPr kumimoji="1" lang="ja-JP" altLang="en-US"/>
               <a:t>レベル</a:t>
             </a:r>
+            <a:endParaRPr kumimoji="1" lang="ja-JP" altLang="en-US"/>
           </a:p>
           <a:p>
             <a:pPr lvl="4"/>
@@ -946,18 +1027,13 @@
               <a:rPr kumimoji="1" lang="ja-JP" altLang="en-US"/>
               <a:t>レベル</a:t>
             </a:r>
-          </a:p>
-        </p:txBody>
-      </p:sp>
-      <p:sp>
-        <p:nvSpPr>
-          <p:cNvPr id="4" name="日付プレースホルダー 3">
-            <a:extLst>
-              <a:ext uri="{FF2B5EF4-FFF2-40B4-BE49-F238E27FC236}">
-                <a16:creationId xmlns:a16="http://schemas.microsoft.com/office/drawing/2014/main" id="{66C49778-9813-47B8-8370-FD1E0BDCC888}"/>
-              </a:ext>
-            </a:extLst>
-          </p:cNvPr>
+            <a:endParaRPr kumimoji="1" lang="ja-JP" altLang="en-US"/>
+          </a:p>
+        </p:txBody>
+      </p:sp>
+      <p:sp>
+        <p:nvSpPr>
+          <p:cNvPr id="4" name="日付プレースホルダー 3"/>
           <p:cNvSpPr>
             <a:spLocks noGrp="1"/>
           </p:cNvSpPr>
@@ -972,7 +1048,6 @@
           <a:p>
             <a:fld id="{EF01AC3F-5B2B-4265-BEF4-31326588BC24}" type="datetimeFigureOut">
               <a:rPr kumimoji="1" lang="ja-JP" altLang="en-US" smtClean="0"/>
-              <a:t>2021/10/21</a:t>
             </a:fld>
             <a:endParaRPr kumimoji="1" lang="ja-JP" altLang="en-US"/>
           </a:p>
@@ -980,13 +1055,7 @@
       </p:sp>
       <p:sp>
         <p:nvSpPr>
-          <p:cNvPr id="5" name="フッター プレースホルダー 4">
-            <a:extLst>
-              <a:ext uri="{FF2B5EF4-FFF2-40B4-BE49-F238E27FC236}">
-                <a16:creationId xmlns:a16="http://schemas.microsoft.com/office/drawing/2014/main" id="{728048C4-1001-4D0E-9F3C-1520B2718F54}"/>
-              </a:ext>
-            </a:extLst>
-          </p:cNvPr>
+          <p:cNvPr id="5" name="フッター プレースホルダー 4"/>
           <p:cNvSpPr>
             <a:spLocks noGrp="1"/>
           </p:cNvSpPr>
@@ -1005,13 +1074,7 @@
       </p:sp>
       <p:sp>
         <p:nvSpPr>
-          <p:cNvPr id="6" name="スライド番号プレースホルダー 5">
-            <a:extLst>
-              <a:ext uri="{FF2B5EF4-FFF2-40B4-BE49-F238E27FC236}">
-                <a16:creationId xmlns:a16="http://schemas.microsoft.com/office/drawing/2014/main" id="{6AFDEB64-0881-4707-A5F6-63CA5597FB2B}"/>
-              </a:ext>
-            </a:extLst>
-          </p:cNvPr>
+          <p:cNvPr id="6" name="スライド番号プレースホルダー 5"/>
           <p:cNvSpPr>
             <a:spLocks noGrp="1"/>
           </p:cNvSpPr>
@@ -1026,18 +1089,12 @@
           <a:p>
             <a:fld id="{55416541-5EAB-4E31-BA93-A38D44E03098}" type="slidenum">
               <a:rPr kumimoji="1" lang="ja-JP" altLang="en-US" smtClean="0"/>
-              <a:t>‹#›</a:t>
             </a:fld>
             <a:endParaRPr kumimoji="1" lang="ja-JP" altLang="en-US"/>
           </a:p>
         </p:txBody>
       </p:sp>
     </p:spTree>
-    <p:extLst>
-      <p:ext uri="{BB962C8B-B14F-4D97-AF65-F5344CB8AC3E}">
-        <p14:creationId xmlns:p14="http://schemas.microsoft.com/office/powerpoint/2010/main" val="2153014112"/>
-      </p:ext>
-    </p:extLst>
   </p:cSld>
   <p:clrMapOvr>
     <a:masterClrMapping/>
@@ -1045,7 +1102,7 @@
 </p:sldLayout>
 </file>
 
-<file path=ppt/slideLayouts/slideLayout3.xml><?xml version="1.0" encoding="utf-8"?>
+<file path=ppt/slideLayouts/slideLayout14.xml><?xml version="1.0" encoding="utf-8"?>
 <p:sldLayout xmlns:a="http://schemas.openxmlformats.org/drawingml/2006/main" xmlns:r="http://schemas.openxmlformats.org/officeDocument/2006/relationships" xmlns:p="http://schemas.openxmlformats.org/presentationml/2006/main" type="secHead" preserve="1">
   <p:cSld name="セクション見出し">
     <p:spTree>
@@ -1064,13 +1121,7 @@
       </p:grpSpPr>
       <p:sp>
         <p:nvSpPr>
-          <p:cNvPr id="2" name="タイトル 1">
-            <a:extLst>
-              <a:ext uri="{FF2B5EF4-FFF2-40B4-BE49-F238E27FC236}">
-                <a16:creationId xmlns:a16="http://schemas.microsoft.com/office/drawing/2014/main" id="{E1A9F66D-7138-4A30-BAF3-F7BAF3398534}"/>
-              </a:ext>
-            </a:extLst>
-          </p:cNvPr>
+          <p:cNvPr id="2" name="タイトル 1"/>
           <p:cNvSpPr>
             <a:spLocks noGrp="1"/>
           </p:cNvSpPr>
@@ -1096,18 +1147,13 @@
               <a:rPr kumimoji="1" lang="ja-JP" altLang="en-US"/>
               <a:t>マスター タイトルの書式設定</a:t>
             </a:r>
-          </a:p>
-        </p:txBody>
-      </p:sp>
-      <p:sp>
-        <p:nvSpPr>
-          <p:cNvPr id="3" name="テキスト プレースホルダー 2">
-            <a:extLst>
-              <a:ext uri="{FF2B5EF4-FFF2-40B4-BE49-F238E27FC236}">
-                <a16:creationId xmlns:a16="http://schemas.microsoft.com/office/drawing/2014/main" id="{002F5D23-C4D0-4C3F-80E2-F65AE8D285CF}"/>
-              </a:ext>
-            </a:extLst>
-          </p:cNvPr>
+            <a:endParaRPr kumimoji="1" lang="ja-JP" altLang="en-US"/>
+          </a:p>
+        </p:txBody>
+      </p:sp>
+      <p:sp>
+        <p:nvSpPr>
+          <p:cNvPr id="3" name="テキスト プレースホルダー 2"/>
           <p:cNvSpPr>
             <a:spLocks noGrp="1"/>
           </p:cNvSpPr>
@@ -1221,18 +1267,13 @@
               <a:rPr kumimoji="1" lang="ja-JP" altLang="en-US"/>
               <a:t>マスター テキストの書式設定</a:t>
             </a:r>
-          </a:p>
-        </p:txBody>
-      </p:sp>
-      <p:sp>
-        <p:nvSpPr>
-          <p:cNvPr id="4" name="日付プレースホルダー 3">
-            <a:extLst>
-              <a:ext uri="{FF2B5EF4-FFF2-40B4-BE49-F238E27FC236}">
-                <a16:creationId xmlns:a16="http://schemas.microsoft.com/office/drawing/2014/main" id="{BEE23366-5D6B-46AE-9D84-925BDD36E73C}"/>
-              </a:ext>
-            </a:extLst>
-          </p:cNvPr>
+            <a:endParaRPr kumimoji="1" lang="ja-JP" altLang="en-US"/>
+          </a:p>
+        </p:txBody>
+      </p:sp>
+      <p:sp>
+        <p:nvSpPr>
+          <p:cNvPr id="4" name="日付プレースホルダー 3"/>
           <p:cNvSpPr>
             <a:spLocks noGrp="1"/>
           </p:cNvSpPr>
@@ -1247,7 +1288,6 @@
           <a:p>
             <a:fld id="{EF01AC3F-5B2B-4265-BEF4-31326588BC24}" type="datetimeFigureOut">
               <a:rPr kumimoji="1" lang="ja-JP" altLang="en-US" smtClean="0"/>
-              <a:t>2021/10/21</a:t>
             </a:fld>
             <a:endParaRPr kumimoji="1" lang="ja-JP" altLang="en-US"/>
           </a:p>
@@ -1255,13 +1295,7 @@
       </p:sp>
       <p:sp>
         <p:nvSpPr>
-          <p:cNvPr id="5" name="フッター プレースホルダー 4">
-            <a:extLst>
-              <a:ext uri="{FF2B5EF4-FFF2-40B4-BE49-F238E27FC236}">
-                <a16:creationId xmlns:a16="http://schemas.microsoft.com/office/drawing/2014/main" id="{4C743A1F-1C09-4A0D-B7E2-D92525A6111E}"/>
-              </a:ext>
-            </a:extLst>
-          </p:cNvPr>
+          <p:cNvPr id="5" name="フッター プレースホルダー 4"/>
           <p:cNvSpPr>
             <a:spLocks noGrp="1"/>
           </p:cNvSpPr>
@@ -1280,13 +1314,7 @@
       </p:sp>
       <p:sp>
         <p:nvSpPr>
-          <p:cNvPr id="6" name="スライド番号プレースホルダー 5">
-            <a:extLst>
-              <a:ext uri="{FF2B5EF4-FFF2-40B4-BE49-F238E27FC236}">
-                <a16:creationId xmlns:a16="http://schemas.microsoft.com/office/drawing/2014/main" id="{C49ABAED-0F28-4950-ADE4-7ABDAA396601}"/>
-              </a:ext>
-            </a:extLst>
-          </p:cNvPr>
+          <p:cNvPr id="6" name="スライド番号プレースホルダー 5"/>
           <p:cNvSpPr>
             <a:spLocks noGrp="1"/>
           </p:cNvSpPr>
@@ -1301,18 +1329,12 @@
           <a:p>
             <a:fld id="{55416541-5EAB-4E31-BA93-A38D44E03098}" type="slidenum">
               <a:rPr kumimoji="1" lang="ja-JP" altLang="en-US" smtClean="0"/>
-              <a:t>‹#›</a:t>
             </a:fld>
             <a:endParaRPr kumimoji="1" lang="ja-JP" altLang="en-US"/>
           </a:p>
         </p:txBody>
       </p:sp>
     </p:spTree>
-    <p:extLst>
-      <p:ext uri="{BB962C8B-B14F-4D97-AF65-F5344CB8AC3E}">
-        <p14:creationId xmlns:p14="http://schemas.microsoft.com/office/powerpoint/2010/main" val="1401786651"/>
-      </p:ext>
-    </p:extLst>
   </p:cSld>
   <p:clrMapOvr>
     <a:masterClrMapping/>
@@ -1320,7 +1342,7 @@
 </p:sldLayout>
 </file>
 
-<file path=ppt/slideLayouts/slideLayout4.xml><?xml version="1.0" encoding="utf-8"?>
+<file path=ppt/slideLayouts/slideLayout15.xml><?xml version="1.0" encoding="utf-8"?>
 <p:sldLayout xmlns:a="http://schemas.openxmlformats.org/drawingml/2006/main" xmlns:r="http://schemas.openxmlformats.org/officeDocument/2006/relationships" xmlns:p="http://schemas.openxmlformats.org/presentationml/2006/main" type="twoObj" preserve="1">
   <p:cSld name="2 つのコンテンツ">
     <p:spTree>
@@ -1339,13 +1361,7 @@
       </p:grpSpPr>
       <p:sp>
         <p:nvSpPr>
-          <p:cNvPr id="2" name="タイトル 1">
-            <a:extLst>
-              <a:ext uri="{FF2B5EF4-FFF2-40B4-BE49-F238E27FC236}">
-                <a16:creationId xmlns:a16="http://schemas.microsoft.com/office/drawing/2014/main" id="{19D86A5D-B516-443B-A9C8-9B030843715A}"/>
-              </a:ext>
-            </a:extLst>
-          </p:cNvPr>
+          <p:cNvPr id="2" name="タイトル 1"/>
           <p:cNvSpPr>
             <a:spLocks noGrp="1"/>
           </p:cNvSpPr>
@@ -1362,18 +1378,13 @@
               <a:rPr kumimoji="1" lang="ja-JP" altLang="en-US"/>
               <a:t>マスター タイトルの書式設定</a:t>
             </a:r>
-          </a:p>
-        </p:txBody>
-      </p:sp>
-      <p:sp>
-        <p:nvSpPr>
-          <p:cNvPr id="3" name="コンテンツ プレースホルダー 2">
-            <a:extLst>
-              <a:ext uri="{FF2B5EF4-FFF2-40B4-BE49-F238E27FC236}">
-                <a16:creationId xmlns:a16="http://schemas.microsoft.com/office/drawing/2014/main" id="{12F877F6-602B-4278-880F-8725842A1069}"/>
-              </a:ext>
-            </a:extLst>
-          </p:cNvPr>
+            <a:endParaRPr kumimoji="1" lang="ja-JP" altLang="en-US"/>
+          </a:p>
+        </p:txBody>
+      </p:sp>
+      <p:sp>
+        <p:nvSpPr>
+          <p:cNvPr id="3" name="コンテンツ プレースホルダー 2"/>
           <p:cNvSpPr>
             <a:spLocks noGrp="1"/>
           </p:cNvSpPr>
@@ -1396,6 +1407,7 @@
               <a:rPr kumimoji="1" lang="ja-JP" altLang="en-US"/>
               <a:t>マスター テキストの書式設定</a:t>
             </a:r>
+            <a:endParaRPr kumimoji="1" lang="ja-JP" altLang="en-US"/>
           </a:p>
           <a:p>
             <a:pPr lvl="1"/>
@@ -1411,6 +1423,7 @@
               <a:rPr kumimoji="1" lang="ja-JP" altLang="en-US"/>
               <a:t>レベル</a:t>
             </a:r>
+            <a:endParaRPr kumimoji="1" lang="ja-JP" altLang="en-US"/>
           </a:p>
           <a:p>
             <a:pPr lvl="2"/>
@@ -1426,6 +1439,7 @@
               <a:rPr kumimoji="1" lang="ja-JP" altLang="en-US"/>
               <a:t>レベル</a:t>
             </a:r>
+            <a:endParaRPr kumimoji="1" lang="ja-JP" altLang="en-US"/>
           </a:p>
           <a:p>
             <a:pPr lvl="3"/>
@@ -1441,6 +1455,7 @@
               <a:rPr kumimoji="1" lang="ja-JP" altLang="en-US"/>
               <a:t>レベル</a:t>
             </a:r>
+            <a:endParaRPr kumimoji="1" lang="ja-JP" altLang="en-US"/>
           </a:p>
           <a:p>
             <a:pPr lvl="4"/>
@@ -1456,18 +1471,13 @@
               <a:rPr kumimoji="1" lang="ja-JP" altLang="en-US"/>
               <a:t>レベル</a:t>
             </a:r>
-          </a:p>
-        </p:txBody>
-      </p:sp>
-      <p:sp>
-        <p:nvSpPr>
-          <p:cNvPr id="4" name="コンテンツ プレースホルダー 3">
-            <a:extLst>
-              <a:ext uri="{FF2B5EF4-FFF2-40B4-BE49-F238E27FC236}">
-                <a16:creationId xmlns:a16="http://schemas.microsoft.com/office/drawing/2014/main" id="{93878E6C-3799-4802-BEEA-636F0B21CA46}"/>
-              </a:ext>
-            </a:extLst>
-          </p:cNvPr>
+            <a:endParaRPr kumimoji="1" lang="ja-JP" altLang="en-US"/>
+          </a:p>
+        </p:txBody>
+      </p:sp>
+      <p:sp>
+        <p:nvSpPr>
+          <p:cNvPr id="4" name="コンテンツ プレースホルダー 3"/>
           <p:cNvSpPr>
             <a:spLocks noGrp="1"/>
           </p:cNvSpPr>
@@ -1490,6 +1500,7 @@
               <a:rPr kumimoji="1" lang="ja-JP" altLang="en-US"/>
               <a:t>マスター テキストの書式設定</a:t>
             </a:r>
+            <a:endParaRPr kumimoji="1" lang="ja-JP" altLang="en-US"/>
           </a:p>
           <a:p>
             <a:pPr lvl="1"/>
@@ -1505,6 +1516,7 @@
               <a:rPr kumimoji="1" lang="ja-JP" altLang="en-US"/>
               <a:t>レベル</a:t>
             </a:r>
+            <a:endParaRPr kumimoji="1" lang="ja-JP" altLang="en-US"/>
           </a:p>
           <a:p>
             <a:pPr lvl="2"/>
@@ -1520,6 +1532,7 @@
               <a:rPr kumimoji="1" lang="ja-JP" altLang="en-US"/>
               <a:t>レベル</a:t>
             </a:r>
+            <a:endParaRPr kumimoji="1" lang="ja-JP" altLang="en-US"/>
           </a:p>
           <a:p>
             <a:pPr lvl="3"/>
@@ -1535,6 +1548,7 @@
               <a:rPr kumimoji="1" lang="ja-JP" altLang="en-US"/>
               <a:t>レベル</a:t>
             </a:r>
+            <a:endParaRPr kumimoji="1" lang="ja-JP" altLang="en-US"/>
           </a:p>
           <a:p>
             <a:pPr lvl="4"/>
@@ -1550,18 +1564,13 @@
               <a:rPr kumimoji="1" lang="ja-JP" altLang="en-US"/>
               <a:t>レベル</a:t>
             </a:r>
-          </a:p>
-        </p:txBody>
-      </p:sp>
-      <p:sp>
-        <p:nvSpPr>
-          <p:cNvPr id="5" name="日付プレースホルダー 4">
-            <a:extLst>
-              <a:ext uri="{FF2B5EF4-FFF2-40B4-BE49-F238E27FC236}">
-                <a16:creationId xmlns:a16="http://schemas.microsoft.com/office/drawing/2014/main" id="{ABD1674B-1F99-432C-8F0F-41904FC4319F}"/>
-              </a:ext>
-            </a:extLst>
-          </p:cNvPr>
+            <a:endParaRPr kumimoji="1" lang="ja-JP" altLang="en-US"/>
+          </a:p>
+        </p:txBody>
+      </p:sp>
+      <p:sp>
+        <p:nvSpPr>
+          <p:cNvPr id="5" name="日付プレースホルダー 4"/>
           <p:cNvSpPr>
             <a:spLocks noGrp="1"/>
           </p:cNvSpPr>
@@ -1576,7 +1585,6 @@
           <a:p>
             <a:fld id="{EF01AC3F-5B2B-4265-BEF4-31326588BC24}" type="datetimeFigureOut">
               <a:rPr kumimoji="1" lang="ja-JP" altLang="en-US" smtClean="0"/>
-              <a:t>2021/10/21</a:t>
             </a:fld>
             <a:endParaRPr kumimoji="1" lang="ja-JP" altLang="en-US"/>
           </a:p>
@@ -1584,13 +1592,7 @@
       </p:sp>
       <p:sp>
         <p:nvSpPr>
-          <p:cNvPr id="6" name="フッター プレースホルダー 5">
-            <a:extLst>
-              <a:ext uri="{FF2B5EF4-FFF2-40B4-BE49-F238E27FC236}">
-                <a16:creationId xmlns:a16="http://schemas.microsoft.com/office/drawing/2014/main" id="{4ADE2ADA-5DB2-4881-9ABC-7FD0DBFEE7E1}"/>
-              </a:ext>
-            </a:extLst>
-          </p:cNvPr>
+          <p:cNvPr id="6" name="フッター プレースホルダー 5"/>
           <p:cNvSpPr>
             <a:spLocks noGrp="1"/>
           </p:cNvSpPr>
@@ -1609,13 +1611,7 @@
       </p:sp>
       <p:sp>
         <p:nvSpPr>
-          <p:cNvPr id="7" name="スライド番号プレースホルダー 6">
-            <a:extLst>
-              <a:ext uri="{FF2B5EF4-FFF2-40B4-BE49-F238E27FC236}">
-                <a16:creationId xmlns:a16="http://schemas.microsoft.com/office/drawing/2014/main" id="{A114D901-B9E5-4460-AB01-8178FBAC1730}"/>
-              </a:ext>
-            </a:extLst>
-          </p:cNvPr>
+          <p:cNvPr id="7" name="スライド番号プレースホルダー 6"/>
           <p:cNvSpPr>
             <a:spLocks noGrp="1"/>
           </p:cNvSpPr>
@@ -1630,18 +1626,12 @@
           <a:p>
             <a:fld id="{55416541-5EAB-4E31-BA93-A38D44E03098}" type="slidenum">
               <a:rPr kumimoji="1" lang="ja-JP" altLang="en-US" smtClean="0"/>
-              <a:t>‹#›</a:t>
             </a:fld>
             <a:endParaRPr kumimoji="1" lang="ja-JP" altLang="en-US"/>
           </a:p>
         </p:txBody>
       </p:sp>
     </p:spTree>
-    <p:extLst>
-      <p:ext uri="{BB962C8B-B14F-4D97-AF65-F5344CB8AC3E}">
-        <p14:creationId xmlns:p14="http://schemas.microsoft.com/office/powerpoint/2010/main" val="1442368152"/>
-      </p:ext>
-    </p:extLst>
   </p:cSld>
   <p:clrMapOvr>
     <a:masterClrMapping/>
@@ -1649,7 +1639,7 @@
 </p:sldLayout>
 </file>
 
-<file path=ppt/slideLayouts/slideLayout5.xml><?xml version="1.0" encoding="utf-8"?>
+<file path=ppt/slideLayouts/slideLayout16.xml><?xml version="1.0" encoding="utf-8"?>
 <p:sldLayout xmlns:a="http://schemas.openxmlformats.org/drawingml/2006/main" xmlns:r="http://schemas.openxmlformats.org/officeDocument/2006/relationships" xmlns:p="http://schemas.openxmlformats.org/presentationml/2006/main" type="twoTxTwoObj" preserve="1">
   <p:cSld name="比較">
     <p:spTree>
@@ -1668,13 +1658,7 @@
       </p:grpSpPr>
       <p:sp>
         <p:nvSpPr>
-          <p:cNvPr id="2" name="タイトル 1">
-            <a:extLst>
-              <a:ext uri="{FF2B5EF4-FFF2-40B4-BE49-F238E27FC236}">
-                <a16:creationId xmlns:a16="http://schemas.microsoft.com/office/drawing/2014/main" id="{01A21EC2-944D-479B-BD7E-34C6F418EDF7}"/>
-              </a:ext>
-            </a:extLst>
-          </p:cNvPr>
+          <p:cNvPr id="2" name="タイトル 1"/>
           <p:cNvSpPr>
             <a:spLocks noGrp="1"/>
           </p:cNvSpPr>
@@ -1696,18 +1680,13 @@
               <a:rPr kumimoji="1" lang="ja-JP" altLang="en-US"/>
               <a:t>マスター タイトルの書式設定</a:t>
             </a:r>
-          </a:p>
-        </p:txBody>
-      </p:sp>
-      <p:sp>
-        <p:nvSpPr>
-          <p:cNvPr id="3" name="テキスト プレースホルダー 2">
-            <a:extLst>
-              <a:ext uri="{FF2B5EF4-FFF2-40B4-BE49-F238E27FC236}">
-                <a16:creationId xmlns:a16="http://schemas.microsoft.com/office/drawing/2014/main" id="{01192651-8F5C-4CBB-B164-D68E5908865E}"/>
-              </a:ext>
-            </a:extLst>
-          </p:cNvPr>
+            <a:endParaRPr kumimoji="1" lang="ja-JP" altLang="en-US"/>
+          </a:p>
+        </p:txBody>
+      </p:sp>
+      <p:sp>
+        <p:nvSpPr>
+          <p:cNvPr id="3" name="テキスト プレースホルダー 2"/>
           <p:cNvSpPr>
             <a:spLocks noGrp="1"/>
           </p:cNvSpPr>
@@ -1767,18 +1746,13 @@
               <a:rPr kumimoji="1" lang="ja-JP" altLang="en-US"/>
               <a:t>マスター テキストの書式設定</a:t>
             </a:r>
-          </a:p>
-        </p:txBody>
-      </p:sp>
-      <p:sp>
-        <p:nvSpPr>
-          <p:cNvPr id="4" name="コンテンツ プレースホルダー 3">
-            <a:extLst>
-              <a:ext uri="{FF2B5EF4-FFF2-40B4-BE49-F238E27FC236}">
-                <a16:creationId xmlns:a16="http://schemas.microsoft.com/office/drawing/2014/main" id="{D4F8AF05-CB96-4D7A-95D0-6E547B160927}"/>
-              </a:ext>
-            </a:extLst>
-          </p:cNvPr>
+            <a:endParaRPr kumimoji="1" lang="ja-JP" altLang="en-US"/>
+          </a:p>
+        </p:txBody>
+      </p:sp>
+      <p:sp>
+        <p:nvSpPr>
+          <p:cNvPr id="4" name="コンテンツ プレースホルダー 3"/>
           <p:cNvSpPr>
             <a:spLocks noGrp="1"/>
           </p:cNvSpPr>
@@ -1801,6 +1775,7 @@
               <a:rPr kumimoji="1" lang="ja-JP" altLang="en-US"/>
               <a:t>マスター テキストの書式設定</a:t>
             </a:r>
+            <a:endParaRPr kumimoji="1" lang="ja-JP" altLang="en-US"/>
           </a:p>
           <a:p>
             <a:pPr lvl="1"/>
@@ -1816,6 +1791,7 @@
               <a:rPr kumimoji="1" lang="ja-JP" altLang="en-US"/>
               <a:t>レベル</a:t>
             </a:r>
+            <a:endParaRPr kumimoji="1" lang="ja-JP" altLang="en-US"/>
           </a:p>
           <a:p>
             <a:pPr lvl="2"/>
@@ -1831,6 +1807,7 @@
               <a:rPr kumimoji="1" lang="ja-JP" altLang="en-US"/>
               <a:t>レベル</a:t>
             </a:r>
+            <a:endParaRPr kumimoji="1" lang="ja-JP" altLang="en-US"/>
           </a:p>
           <a:p>
             <a:pPr lvl="3"/>
@@ -1846,6 +1823,7 @@
               <a:rPr kumimoji="1" lang="ja-JP" altLang="en-US"/>
               <a:t>レベル</a:t>
             </a:r>
+            <a:endParaRPr kumimoji="1" lang="ja-JP" altLang="en-US"/>
           </a:p>
           <a:p>
             <a:pPr lvl="4"/>
@@ -1861,18 +1839,13 @@
               <a:rPr kumimoji="1" lang="ja-JP" altLang="en-US"/>
               <a:t>レベル</a:t>
             </a:r>
-          </a:p>
-        </p:txBody>
-      </p:sp>
-      <p:sp>
-        <p:nvSpPr>
-          <p:cNvPr id="5" name="テキスト プレースホルダー 4">
-            <a:extLst>
-              <a:ext uri="{FF2B5EF4-FFF2-40B4-BE49-F238E27FC236}">
-                <a16:creationId xmlns:a16="http://schemas.microsoft.com/office/drawing/2014/main" id="{656158C6-213E-48EB-A1E1-B9ED5BA9E454}"/>
-              </a:ext>
-            </a:extLst>
-          </p:cNvPr>
+            <a:endParaRPr kumimoji="1" lang="ja-JP" altLang="en-US"/>
+          </a:p>
+        </p:txBody>
+      </p:sp>
+      <p:sp>
+        <p:nvSpPr>
+          <p:cNvPr id="5" name="テキスト プレースホルダー 4"/>
           <p:cNvSpPr>
             <a:spLocks noGrp="1"/>
           </p:cNvSpPr>
@@ -1932,18 +1905,13 @@
               <a:rPr kumimoji="1" lang="ja-JP" altLang="en-US"/>
               <a:t>マスター テキストの書式設定</a:t>
             </a:r>
-          </a:p>
-        </p:txBody>
-      </p:sp>
-      <p:sp>
-        <p:nvSpPr>
-          <p:cNvPr id="6" name="コンテンツ プレースホルダー 5">
-            <a:extLst>
-              <a:ext uri="{FF2B5EF4-FFF2-40B4-BE49-F238E27FC236}">
-                <a16:creationId xmlns:a16="http://schemas.microsoft.com/office/drawing/2014/main" id="{D3CAC1CC-4669-472B-99B7-4FF8CA7E9624}"/>
-              </a:ext>
-            </a:extLst>
-          </p:cNvPr>
+            <a:endParaRPr kumimoji="1" lang="ja-JP" altLang="en-US"/>
+          </a:p>
+        </p:txBody>
+      </p:sp>
+      <p:sp>
+        <p:nvSpPr>
+          <p:cNvPr id="6" name="コンテンツ プレースホルダー 5"/>
           <p:cNvSpPr>
             <a:spLocks noGrp="1"/>
           </p:cNvSpPr>
@@ -1966,6 +1934,7 @@
               <a:rPr kumimoji="1" lang="ja-JP" altLang="en-US"/>
               <a:t>マスター テキストの書式設定</a:t>
             </a:r>
+            <a:endParaRPr kumimoji="1" lang="ja-JP" altLang="en-US"/>
           </a:p>
           <a:p>
             <a:pPr lvl="1"/>
@@ -1981,6 +1950,7 @@
               <a:rPr kumimoji="1" lang="ja-JP" altLang="en-US"/>
               <a:t>レベル</a:t>
             </a:r>
+            <a:endParaRPr kumimoji="1" lang="ja-JP" altLang="en-US"/>
           </a:p>
           <a:p>
             <a:pPr lvl="2"/>
@@ -1996,6 +1966,7 @@
               <a:rPr kumimoji="1" lang="ja-JP" altLang="en-US"/>
               <a:t>レベル</a:t>
             </a:r>
+            <a:endParaRPr kumimoji="1" lang="ja-JP" altLang="en-US"/>
           </a:p>
           <a:p>
             <a:pPr lvl="3"/>
@@ -2011,6 +1982,7 @@
               <a:rPr kumimoji="1" lang="ja-JP" altLang="en-US"/>
               <a:t>レベル</a:t>
             </a:r>
+            <a:endParaRPr kumimoji="1" lang="ja-JP" altLang="en-US"/>
           </a:p>
           <a:p>
             <a:pPr lvl="4"/>
@@ -2026,18 +1998,13 @@
               <a:rPr kumimoji="1" lang="ja-JP" altLang="en-US"/>
               <a:t>レベル</a:t>
             </a:r>
-          </a:p>
-        </p:txBody>
-      </p:sp>
-      <p:sp>
-        <p:nvSpPr>
-          <p:cNvPr id="7" name="日付プレースホルダー 6">
-            <a:extLst>
-              <a:ext uri="{FF2B5EF4-FFF2-40B4-BE49-F238E27FC236}">
-                <a16:creationId xmlns:a16="http://schemas.microsoft.com/office/drawing/2014/main" id="{D3E05152-6127-4257-AABD-3D28CF6B4EEE}"/>
-              </a:ext>
-            </a:extLst>
-          </p:cNvPr>
+            <a:endParaRPr kumimoji="1" lang="ja-JP" altLang="en-US"/>
+          </a:p>
+        </p:txBody>
+      </p:sp>
+      <p:sp>
+        <p:nvSpPr>
+          <p:cNvPr id="7" name="日付プレースホルダー 6"/>
           <p:cNvSpPr>
             <a:spLocks noGrp="1"/>
           </p:cNvSpPr>
@@ -2052,7 +2019,6 @@
           <a:p>
             <a:fld id="{EF01AC3F-5B2B-4265-BEF4-31326588BC24}" type="datetimeFigureOut">
               <a:rPr kumimoji="1" lang="ja-JP" altLang="en-US" smtClean="0"/>
-              <a:t>2021/10/21</a:t>
             </a:fld>
             <a:endParaRPr kumimoji="1" lang="ja-JP" altLang="en-US"/>
           </a:p>
@@ -2060,13 +2026,7 @@
       </p:sp>
       <p:sp>
         <p:nvSpPr>
-          <p:cNvPr id="8" name="フッター プレースホルダー 7">
-            <a:extLst>
-              <a:ext uri="{FF2B5EF4-FFF2-40B4-BE49-F238E27FC236}">
-                <a16:creationId xmlns:a16="http://schemas.microsoft.com/office/drawing/2014/main" id="{CEB602E2-3638-4D35-BC9F-4E9067AAE78A}"/>
-              </a:ext>
-            </a:extLst>
-          </p:cNvPr>
+          <p:cNvPr id="8" name="フッター プレースホルダー 7"/>
           <p:cNvSpPr>
             <a:spLocks noGrp="1"/>
           </p:cNvSpPr>
@@ -2085,13 +2045,7 @@
       </p:sp>
       <p:sp>
         <p:nvSpPr>
-          <p:cNvPr id="9" name="スライド番号プレースホルダー 8">
-            <a:extLst>
-              <a:ext uri="{FF2B5EF4-FFF2-40B4-BE49-F238E27FC236}">
-                <a16:creationId xmlns:a16="http://schemas.microsoft.com/office/drawing/2014/main" id="{6B0CFC6E-CD39-4103-A6AF-9E00584C1F59}"/>
-              </a:ext>
-            </a:extLst>
-          </p:cNvPr>
+          <p:cNvPr id="9" name="スライド番号プレースホルダー 8"/>
           <p:cNvSpPr>
             <a:spLocks noGrp="1"/>
           </p:cNvSpPr>
@@ -2106,18 +2060,12 @@
           <a:p>
             <a:fld id="{55416541-5EAB-4E31-BA93-A38D44E03098}" type="slidenum">
               <a:rPr kumimoji="1" lang="ja-JP" altLang="en-US" smtClean="0"/>
-              <a:t>‹#›</a:t>
             </a:fld>
             <a:endParaRPr kumimoji="1" lang="ja-JP" altLang="en-US"/>
           </a:p>
         </p:txBody>
       </p:sp>
     </p:spTree>
-    <p:extLst>
-      <p:ext uri="{BB962C8B-B14F-4D97-AF65-F5344CB8AC3E}">
-        <p14:creationId xmlns:p14="http://schemas.microsoft.com/office/powerpoint/2010/main" val="3007130637"/>
-      </p:ext>
-    </p:extLst>
   </p:cSld>
   <p:clrMapOvr>
     <a:masterClrMapping/>
@@ -2125,7 +2073,7 @@
 </p:sldLayout>
 </file>
 
-<file path=ppt/slideLayouts/slideLayout6.xml><?xml version="1.0" encoding="utf-8"?>
+<file path=ppt/slideLayouts/slideLayout17.xml><?xml version="1.0" encoding="utf-8"?>
 <p:sldLayout xmlns:a="http://schemas.openxmlformats.org/drawingml/2006/main" xmlns:r="http://schemas.openxmlformats.org/officeDocument/2006/relationships" xmlns:p="http://schemas.openxmlformats.org/presentationml/2006/main" type="titleOnly" preserve="1">
   <p:cSld name="タイトルのみ">
     <p:spTree>
@@ -2144,13 +2092,7 @@
       </p:grpSpPr>
       <p:sp>
         <p:nvSpPr>
-          <p:cNvPr id="2" name="タイトル 1">
-            <a:extLst>
-              <a:ext uri="{FF2B5EF4-FFF2-40B4-BE49-F238E27FC236}">
-                <a16:creationId xmlns:a16="http://schemas.microsoft.com/office/drawing/2014/main" id="{6FCF3BDE-81E5-4A5E-A1A1-7A3A3470CA89}"/>
-              </a:ext>
-            </a:extLst>
-          </p:cNvPr>
+          <p:cNvPr id="2" name="タイトル 1"/>
           <p:cNvSpPr>
             <a:spLocks noGrp="1"/>
           </p:cNvSpPr>
@@ -2167,18 +2109,13 @@
               <a:rPr kumimoji="1" lang="ja-JP" altLang="en-US"/>
               <a:t>マスター タイトルの書式設定</a:t>
             </a:r>
-          </a:p>
-        </p:txBody>
-      </p:sp>
-      <p:sp>
-        <p:nvSpPr>
-          <p:cNvPr id="3" name="日付プレースホルダー 2">
-            <a:extLst>
-              <a:ext uri="{FF2B5EF4-FFF2-40B4-BE49-F238E27FC236}">
-                <a16:creationId xmlns:a16="http://schemas.microsoft.com/office/drawing/2014/main" id="{EC0FC2AD-8189-4505-9F4A-BD038DD253F7}"/>
-              </a:ext>
-            </a:extLst>
-          </p:cNvPr>
+            <a:endParaRPr kumimoji="1" lang="ja-JP" altLang="en-US"/>
+          </a:p>
+        </p:txBody>
+      </p:sp>
+      <p:sp>
+        <p:nvSpPr>
+          <p:cNvPr id="3" name="日付プレースホルダー 2"/>
           <p:cNvSpPr>
             <a:spLocks noGrp="1"/>
           </p:cNvSpPr>
@@ -2193,7 +2130,6 @@
           <a:p>
             <a:fld id="{EF01AC3F-5B2B-4265-BEF4-31326588BC24}" type="datetimeFigureOut">
               <a:rPr kumimoji="1" lang="ja-JP" altLang="en-US" smtClean="0"/>
-              <a:t>2021/10/21</a:t>
             </a:fld>
             <a:endParaRPr kumimoji="1" lang="ja-JP" altLang="en-US"/>
           </a:p>
@@ -2201,13 +2137,7 @@
       </p:sp>
       <p:sp>
         <p:nvSpPr>
-          <p:cNvPr id="4" name="フッター プレースホルダー 3">
-            <a:extLst>
-              <a:ext uri="{FF2B5EF4-FFF2-40B4-BE49-F238E27FC236}">
-                <a16:creationId xmlns:a16="http://schemas.microsoft.com/office/drawing/2014/main" id="{966EE701-B6F8-4596-8668-866824FC3FD1}"/>
-              </a:ext>
-            </a:extLst>
-          </p:cNvPr>
+          <p:cNvPr id="4" name="フッター プレースホルダー 3"/>
           <p:cNvSpPr>
             <a:spLocks noGrp="1"/>
           </p:cNvSpPr>
@@ -2226,13 +2156,7 @@
       </p:sp>
       <p:sp>
         <p:nvSpPr>
-          <p:cNvPr id="5" name="スライド番号プレースホルダー 4">
-            <a:extLst>
-              <a:ext uri="{FF2B5EF4-FFF2-40B4-BE49-F238E27FC236}">
-                <a16:creationId xmlns:a16="http://schemas.microsoft.com/office/drawing/2014/main" id="{2FCD44A9-E764-4130-8F64-3743398AB3DB}"/>
-              </a:ext>
-            </a:extLst>
-          </p:cNvPr>
+          <p:cNvPr id="5" name="スライド番号プレースホルダー 4"/>
           <p:cNvSpPr>
             <a:spLocks noGrp="1"/>
           </p:cNvSpPr>
@@ -2247,18 +2171,12 @@
           <a:p>
             <a:fld id="{55416541-5EAB-4E31-BA93-A38D44E03098}" type="slidenum">
               <a:rPr kumimoji="1" lang="ja-JP" altLang="en-US" smtClean="0"/>
-              <a:t>‹#›</a:t>
             </a:fld>
             <a:endParaRPr kumimoji="1" lang="ja-JP" altLang="en-US"/>
           </a:p>
         </p:txBody>
       </p:sp>
     </p:spTree>
-    <p:extLst>
-      <p:ext uri="{BB962C8B-B14F-4D97-AF65-F5344CB8AC3E}">
-        <p14:creationId xmlns:p14="http://schemas.microsoft.com/office/powerpoint/2010/main" val="3706208481"/>
-      </p:ext>
-    </p:extLst>
   </p:cSld>
   <p:clrMapOvr>
     <a:masterClrMapping/>
@@ -2266,7 +2184,7 @@
 </p:sldLayout>
 </file>
 
-<file path=ppt/slideLayouts/slideLayout7.xml><?xml version="1.0" encoding="utf-8"?>
+<file path=ppt/slideLayouts/slideLayout18.xml><?xml version="1.0" encoding="utf-8"?>
 <p:sldLayout xmlns:a="http://schemas.openxmlformats.org/drawingml/2006/main" xmlns:r="http://schemas.openxmlformats.org/officeDocument/2006/relationships" xmlns:p="http://schemas.openxmlformats.org/presentationml/2006/main" type="blank" preserve="1">
   <p:cSld name="白紙">
     <p:spTree>
@@ -2285,13 +2203,7 @@
       </p:grpSpPr>
       <p:sp>
         <p:nvSpPr>
-          <p:cNvPr id="2" name="日付プレースホルダー 1">
-            <a:extLst>
-              <a:ext uri="{FF2B5EF4-FFF2-40B4-BE49-F238E27FC236}">
-                <a16:creationId xmlns:a16="http://schemas.microsoft.com/office/drawing/2014/main" id="{81AA4A5E-9C68-450B-8133-E01FA9C19A27}"/>
-              </a:ext>
-            </a:extLst>
-          </p:cNvPr>
+          <p:cNvPr id="2" name="日付プレースホルダー 1"/>
           <p:cNvSpPr>
             <a:spLocks noGrp="1"/>
           </p:cNvSpPr>
@@ -2306,7 +2218,6 @@
           <a:p>
             <a:fld id="{EF01AC3F-5B2B-4265-BEF4-31326588BC24}" type="datetimeFigureOut">
               <a:rPr kumimoji="1" lang="ja-JP" altLang="en-US" smtClean="0"/>
-              <a:t>2021/10/21</a:t>
             </a:fld>
             <a:endParaRPr kumimoji="1" lang="ja-JP" altLang="en-US"/>
           </a:p>
@@ -2314,13 +2225,7 @@
       </p:sp>
       <p:sp>
         <p:nvSpPr>
-          <p:cNvPr id="3" name="フッター プレースホルダー 2">
-            <a:extLst>
-              <a:ext uri="{FF2B5EF4-FFF2-40B4-BE49-F238E27FC236}">
-                <a16:creationId xmlns:a16="http://schemas.microsoft.com/office/drawing/2014/main" id="{09E58C3F-FF93-4583-8EAD-D15E112CB3D9}"/>
-              </a:ext>
-            </a:extLst>
-          </p:cNvPr>
+          <p:cNvPr id="3" name="フッター プレースホルダー 2"/>
           <p:cNvSpPr>
             <a:spLocks noGrp="1"/>
           </p:cNvSpPr>
@@ -2339,13 +2244,7 @@
       </p:sp>
       <p:sp>
         <p:nvSpPr>
-          <p:cNvPr id="4" name="スライド番号プレースホルダー 3">
-            <a:extLst>
-              <a:ext uri="{FF2B5EF4-FFF2-40B4-BE49-F238E27FC236}">
-                <a16:creationId xmlns:a16="http://schemas.microsoft.com/office/drawing/2014/main" id="{FCF9C831-70F3-426D-B7C0-CC81A486DBD1}"/>
-              </a:ext>
-            </a:extLst>
-          </p:cNvPr>
+          <p:cNvPr id="4" name="スライド番号プレースホルダー 3"/>
           <p:cNvSpPr>
             <a:spLocks noGrp="1"/>
           </p:cNvSpPr>
@@ -2360,18 +2259,12 @@
           <a:p>
             <a:fld id="{55416541-5EAB-4E31-BA93-A38D44E03098}" type="slidenum">
               <a:rPr kumimoji="1" lang="ja-JP" altLang="en-US" smtClean="0"/>
-              <a:t>‹#›</a:t>
             </a:fld>
             <a:endParaRPr kumimoji="1" lang="ja-JP" altLang="en-US"/>
           </a:p>
         </p:txBody>
       </p:sp>
     </p:spTree>
-    <p:extLst>
-      <p:ext uri="{BB962C8B-B14F-4D97-AF65-F5344CB8AC3E}">
-        <p14:creationId xmlns:p14="http://schemas.microsoft.com/office/powerpoint/2010/main" val="471681304"/>
-      </p:ext>
-    </p:extLst>
   </p:cSld>
   <p:clrMapOvr>
     <a:masterClrMapping/>
@@ -2379,7 +2272,7 @@
 </p:sldLayout>
 </file>
 
-<file path=ppt/slideLayouts/slideLayout8.xml><?xml version="1.0" encoding="utf-8"?>
+<file path=ppt/slideLayouts/slideLayout19.xml><?xml version="1.0" encoding="utf-8"?>
 <p:sldLayout xmlns:a="http://schemas.openxmlformats.org/drawingml/2006/main" xmlns:r="http://schemas.openxmlformats.org/officeDocument/2006/relationships" xmlns:p="http://schemas.openxmlformats.org/presentationml/2006/main" type="objTx" preserve="1">
   <p:cSld name="タイトル付きのコンテンツ">
     <p:spTree>
@@ -2398,13 +2291,7 @@
       </p:grpSpPr>
       <p:sp>
         <p:nvSpPr>
-          <p:cNvPr id="2" name="タイトル 1">
-            <a:extLst>
-              <a:ext uri="{FF2B5EF4-FFF2-40B4-BE49-F238E27FC236}">
-                <a16:creationId xmlns:a16="http://schemas.microsoft.com/office/drawing/2014/main" id="{2F48DCBD-0121-4965-BD93-1A4422BE63F6}"/>
-              </a:ext>
-            </a:extLst>
-          </p:cNvPr>
+          <p:cNvPr id="2" name="タイトル 1"/>
           <p:cNvSpPr>
             <a:spLocks noGrp="1"/>
           </p:cNvSpPr>
@@ -2430,18 +2317,13 @@
               <a:rPr kumimoji="1" lang="ja-JP" altLang="en-US"/>
               <a:t>マスター タイトルの書式設定</a:t>
             </a:r>
-          </a:p>
-        </p:txBody>
-      </p:sp>
-      <p:sp>
-        <p:nvSpPr>
-          <p:cNvPr id="3" name="コンテンツ プレースホルダー 2">
-            <a:extLst>
-              <a:ext uri="{FF2B5EF4-FFF2-40B4-BE49-F238E27FC236}">
-                <a16:creationId xmlns:a16="http://schemas.microsoft.com/office/drawing/2014/main" id="{8195E7AA-6B9C-430B-9D82-A55E1ADBA896}"/>
-              </a:ext>
-            </a:extLst>
-          </p:cNvPr>
+            <a:endParaRPr kumimoji="1" lang="ja-JP" altLang="en-US"/>
+          </a:p>
+        </p:txBody>
+      </p:sp>
+      <p:sp>
+        <p:nvSpPr>
+          <p:cNvPr id="3" name="コンテンツ プレースホルダー 2"/>
           <p:cNvSpPr>
             <a:spLocks noGrp="1"/>
           </p:cNvSpPr>
@@ -2492,6 +2374,7 @@
               <a:rPr kumimoji="1" lang="ja-JP" altLang="en-US"/>
               <a:t>マスター テキストの書式設定</a:t>
             </a:r>
+            <a:endParaRPr kumimoji="1" lang="ja-JP" altLang="en-US"/>
           </a:p>
           <a:p>
             <a:pPr lvl="1"/>
@@ -2507,6 +2390,7 @@
               <a:rPr kumimoji="1" lang="ja-JP" altLang="en-US"/>
               <a:t>レベル</a:t>
             </a:r>
+            <a:endParaRPr kumimoji="1" lang="ja-JP" altLang="en-US"/>
           </a:p>
           <a:p>
             <a:pPr lvl="2"/>
@@ -2522,6 +2406,7 @@
               <a:rPr kumimoji="1" lang="ja-JP" altLang="en-US"/>
               <a:t>レベル</a:t>
             </a:r>
+            <a:endParaRPr kumimoji="1" lang="ja-JP" altLang="en-US"/>
           </a:p>
           <a:p>
             <a:pPr lvl="3"/>
@@ -2537,6 +2422,7 @@
               <a:rPr kumimoji="1" lang="ja-JP" altLang="en-US"/>
               <a:t>レベル</a:t>
             </a:r>
+            <a:endParaRPr kumimoji="1" lang="ja-JP" altLang="en-US"/>
           </a:p>
           <a:p>
             <a:pPr lvl="4"/>
@@ -2552,18 +2438,13 @@
               <a:rPr kumimoji="1" lang="ja-JP" altLang="en-US"/>
               <a:t>レベル</a:t>
             </a:r>
-          </a:p>
-        </p:txBody>
-      </p:sp>
-      <p:sp>
-        <p:nvSpPr>
-          <p:cNvPr id="4" name="テキスト プレースホルダー 3">
-            <a:extLst>
-              <a:ext uri="{FF2B5EF4-FFF2-40B4-BE49-F238E27FC236}">
-                <a16:creationId xmlns:a16="http://schemas.microsoft.com/office/drawing/2014/main" id="{C62F2471-58D2-49B5-8202-6FFB4A59C75F}"/>
-              </a:ext>
-            </a:extLst>
-          </p:cNvPr>
+            <a:endParaRPr kumimoji="1" lang="ja-JP" altLang="en-US"/>
+          </a:p>
+        </p:txBody>
+      </p:sp>
+      <p:sp>
+        <p:nvSpPr>
+          <p:cNvPr id="4" name="テキスト プレースホルダー 3"/>
           <p:cNvSpPr>
             <a:spLocks noGrp="1"/>
           </p:cNvSpPr>
@@ -2623,18 +2504,13 @@
               <a:rPr kumimoji="1" lang="ja-JP" altLang="en-US"/>
               <a:t>マスター テキストの書式設定</a:t>
             </a:r>
-          </a:p>
-        </p:txBody>
-      </p:sp>
-      <p:sp>
-        <p:nvSpPr>
-          <p:cNvPr id="5" name="日付プレースホルダー 4">
-            <a:extLst>
-              <a:ext uri="{FF2B5EF4-FFF2-40B4-BE49-F238E27FC236}">
-                <a16:creationId xmlns:a16="http://schemas.microsoft.com/office/drawing/2014/main" id="{60C732EA-B954-4004-A1EF-DB1977136071}"/>
-              </a:ext>
-            </a:extLst>
-          </p:cNvPr>
+            <a:endParaRPr kumimoji="1" lang="ja-JP" altLang="en-US"/>
+          </a:p>
+        </p:txBody>
+      </p:sp>
+      <p:sp>
+        <p:nvSpPr>
+          <p:cNvPr id="5" name="日付プレースホルダー 4"/>
           <p:cNvSpPr>
             <a:spLocks noGrp="1"/>
           </p:cNvSpPr>
@@ -2649,7 +2525,6 @@
           <a:p>
             <a:fld id="{EF01AC3F-5B2B-4265-BEF4-31326588BC24}" type="datetimeFigureOut">
               <a:rPr kumimoji="1" lang="ja-JP" altLang="en-US" smtClean="0"/>
-              <a:t>2021/10/21</a:t>
             </a:fld>
             <a:endParaRPr kumimoji="1" lang="ja-JP" altLang="en-US"/>
           </a:p>
@@ -2657,13 +2532,7 @@
       </p:sp>
       <p:sp>
         <p:nvSpPr>
-          <p:cNvPr id="6" name="フッター プレースホルダー 5">
-            <a:extLst>
-              <a:ext uri="{FF2B5EF4-FFF2-40B4-BE49-F238E27FC236}">
-                <a16:creationId xmlns:a16="http://schemas.microsoft.com/office/drawing/2014/main" id="{A1B80E23-3E38-49EF-8F30-E0079E8FCD5C}"/>
-              </a:ext>
-            </a:extLst>
-          </p:cNvPr>
+          <p:cNvPr id="6" name="フッター プレースホルダー 5"/>
           <p:cNvSpPr>
             <a:spLocks noGrp="1"/>
           </p:cNvSpPr>
@@ -2682,13 +2551,7 @@
       </p:sp>
       <p:sp>
         <p:nvSpPr>
-          <p:cNvPr id="7" name="スライド番号プレースホルダー 6">
-            <a:extLst>
-              <a:ext uri="{FF2B5EF4-FFF2-40B4-BE49-F238E27FC236}">
-                <a16:creationId xmlns:a16="http://schemas.microsoft.com/office/drawing/2014/main" id="{46F43795-FB7E-44A9-9624-6F977581EA5F}"/>
-              </a:ext>
-            </a:extLst>
-          </p:cNvPr>
+          <p:cNvPr id="7" name="スライド番号プレースホルダー 6"/>
           <p:cNvSpPr>
             <a:spLocks noGrp="1"/>
           </p:cNvSpPr>
@@ -2703,18 +2566,2343 @@
           <a:p>
             <a:fld id="{55416541-5EAB-4E31-BA93-A38D44E03098}" type="slidenum">
               <a:rPr kumimoji="1" lang="ja-JP" altLang="en-US" smtClean="0"/>
-              <a:t>‹#›</a:t>
             </a:fld>
             <a:endParaRPr kumimoji="1" lang="ja-JP" altLang="en-US"/>
           </a:p>
         </p:txBody>
       </p:sp>
     </p:spTree>
-    <p:extLst>
-      <p:ext uri="{BB962C8B-B14F-4D97-AF65-F5344CB8AC3E}">
-        <p14:creationId xmlns:p14="http://schemas.microsoft.com/office/powerpoint/2010/main" val="1121050670"/>
-      </p:ext>
-    </p:extLst>
+  </p:cSld>
+  <p:clrMapOvr>
+    <a:masterClrMapping/>
+  </p:clrMapOvr>
+</p:sldLayout>
+</file>
+
+<file path=ppt/slideLayouts/slideLayout2.xml><?xml version="1.0" encoding="utf-8"?>
+<p:sldLayout xmlns:a="http://schemas.openxmlformats.org/drawingml/2006/main" xmlns:r="http://schemas.openxmlformats.org/officeDocument/2006/relationships" xmlns:p="http://schemas.openxmlformats.org/presentationml/2006/main" type="obj" preserve="1">
+  <p:cSld name="タイトルとコンテンツ">
+    <p:spTree>
+      <p:nvGrpSpPr>
+        <p:cNvPr id="1" name=""/>
+        <p:cNvGrpSpPr/>
+        <p:nvPr/>
+      </p:nvGrpSpPr>
+      <p:grpSpPr>
+        <a:xfrm>
+          <a:off x="0" y="0"/>
+          <a:ext cx="0" cy="0"/>
+          <a:chOff x="0" y="0"/>
+          <a:chExt cx="0" cy="0"/>
+        </a:xfrm>
+      </p:grpSpPr>
+      <p:sp>
+        <p:nvSpPr>
+          <p:cNvPr id="2" name="タイトル 1"/>
+          <p:cNvSpPr>
+            <a:spLocks noGrp="1"/>
+          </p:cNvSpPr>
+          <p:nvPr>
+            <p:ph type="title"/>
+          </p:nvPr>
+        </p:nvSpPr>
+        <p:spPr/>
+        <p:txBody>
+          <a:bodyPr/>
+          <a:lstStyle/>
+          <a:p>
+            <a:r>
+              <a:rPr kumimoji="1" lang="ja-JP" altLang="en-US"/>
+              <a:t>マスター タイトルの書式設定</a:t>
+            </a:r>
+            <a:endParaRPr kumimoji="1" lang="ja-JP" altLang="en-US"/>
+          </a:p>
+        </p:txBody>
+      </p:sp>
+      <p:sp>
+        <p:nvSpPr>
+          <p:cNvPr id="3" name="コンテンツ プレースホルダー 2"/>
+          <p:cNvSpPr>
+            <a:spLocks noGrp="1"/>
+          </p:cNvSpPr>
+          <p:nvPr>
+            <p:ph idx="1"/>
+          </p:nvPr>
+        </p:nvSpPr>
+        <p:spPr/>
+        <p:txBody>
+          <a:bodyPr/>
+          <a:lstStyle/>
+          <a:p>
+            <a:pPr lvl="0"/>
+            <a:r>
+              <a:rPr kumimoji="1" lang="ja-JP" altLang="en-US"/>
+              <a:t>マスター テキストの書式設定</a:t>
+            </a:r>
+            <a:endParaRPr kumimoji="1" lang="ja-JP" altLang="en-US"/>
+          </a:p>
+          <a:p>
+            <a:pPr lvl="1"/>
+            <a:r>
+              <a:rPr kumimoji="1" lang="ja-JP" altLang="en-US"/>
+              <a:t>第 </a:t>
+            </a:r>
+            <a:r>
+              <a:rPr kumimoji="1" lang="en-US" altLang="ja-JP"/>
+              <a:t>2 </a:t>
+            </a:r>
+            <a:r>
+              <a:rPr kumimoji="1" lang="ja-JP" altLang="en-US"/>
+              <a:t>レベル</a:t>
+            </a:r>
+            <a:endParaRPr kumimoji="1" lang="ja-JP" altLang="en-US"/>
+          </a:p>
+          <a:p>
+            <a:pPr lvl="2"/>
+            <a:r>
+              <a:rPr kumimoji="1" lang="ja-JP" altLang="en-US"/>
+              <a:t>第 </a:t>
+            </a:r>
+            <a:r>
+              <a:rPr kumimoji="1" lang="en-US" altLang="ja-JP"/>
+              <a:t>3 </a:t>
+            </a:r>
+            <a:r>
+              <a:rPr kumimoji="1" lang="ja-JP" altLang="en-US"/>
+              <a:t>レベル</a:t>
+            </a:r>
+            <a:endParaRPr kumimoji="1" lang="ja-JP" altLang="en-US"/>
+          </a:p>
+          <a:p>
+            <a:pPr lvl="3"/>
+            <a:r>
+              <a:rPr kumimoji="1" lang="ja-JP" altLang="en-US"/>
+              <a:t>第 </a:t>
+            </a:r>
+            <a:r>
+              <a:rPr kumimoji="1" lang="en-US" altLang="ja-JP"/>
+              <a:t>4 </a:t>
+            </a:r>
+            <a:r>
+              <a:rPr kumimoji="1" lang="ja-JP" altLang="en-US"/>
+              <a:t>レベル</a:t>
+            </a:r>
+            <a:endParaRPr kumimoji="1" lang="ja-JP" altLang="en-US"/>
+          </a:p>
+          <a:p>
+            <a:pPr lvl="4"/>
+            <a:r>
+              <a:rPr kumimoji="1" lang="ja-JP" altLang="en-US"/>
+              <a:t>第 </a:t>
+            </a:r>
+            <a:r>
+              <a:rPr kumimoji="1" lang="en-US" altLang="ja-JP"/>
+              <a:t>5 </a:t>
+            </a:r>
+            <a:r>
+              <a:rPr kumimoji="1" lang="ja-JP" altLang="en-US"/>
+              <a:t>レベル</a:t>
+            </a:r>
+            <a:endParaRPr kumimoji="1" lang="ja-JP" altLang="en-US"/>
+          </a:p>
+        </p:txBody>
+      </p:sp>
+      <p:sp>
+        <p:nvSpPr>
+          <p:cNvPr id="4" name="日付プレースホルダー 3"/>
+          <p:cNvSpPr>
+            <a:spLocks noGrp="1"/>
+          </p:cNvSpPr>
+          <p:nvPr>
+            <p:ph type="dt" sz="half" idx="10"/>
+          </p:nvPr>
+        </p:nvSpPr>
+        <p:spPr/>
+        <p:txBody>
+          <a:bodyPr/>
+          <a:lstStyle/>
+          <a:p>
+            <a:fld id="{EF01AC3F-5B2B-4265-BEF4-31326588BC24}" type="datetimeFigureOut">
+              <a:rPr kumimoji="1" lang="ja-JP" altLang="en-US" smtClean="0"/>
+            </a:fld>
+            <a:endParaRPr kumimoji="1" lang="ja-JP" altLang="en-US"/>
+          </a:p>
+        </p:txBody>
+      </p:sp>
+      <p:sp>
+        <p:nvSpPr>
+          <p:cNvPr id="5" name="フッター プレースホルダー 4"/>
+          <p:cNvSpPr>
+            <a:spLocks noGrp="1"/>
+          </p:cNvSpPr>
+          <p:nvPr>
+            <p:ph type="ftr" sz="quarter" idx="11"/>
+          </p:nvPr>
+        </p:nvSpPr>
+        <p:spPr/>
+        <p:txBody>
+          <a:bodyPr/>
+          <a:lstStyle/>
+          <a:p>
+            <a:endParaRPr kumimoji="1" lang="ja-JP" altLang="en-US"/>
+          </a:p>
+        </p:txBody>
+      </p:sp>
+      <p:sp>
+        <p:nvSpPr>
+          <p:cNvPr id="6" name="スライド番号プレースホルダー 5"/>
+          <p:cNvSpPr>
+            <a:spLocks noGrp="1"/>
+          </p:cNvSpPr>
+          <p:nvPr>
+            <p:ph type="sldNum" sz="quarter" idx="12"/>
+          </p:nvPr>
+        </p:nvSpPr>
+        <p:spPr/>
+        <p:txBody>
+          <a:bodyPr/>
+          <a:lstStyle/>
+          <a:p>
+            <a:fld id="{55416541-5EAB-4E31-BA93-A38D44E03098}" type="slidenum">
+              <a:rPr kumimoji="1" lang="ja-JP" altLang="en-US" smtClean="0"/>
+            </a:fld>
+            <a:endParaRPr kumimoji="1" lang="ja-JP" altLang="en-US"/>
+          </a:p>
+        </p:txBody>
+      </p:sp>
+    </p:spTree>
+  </p:cSld>
+  <p:clrMapOvr>
+    <a:masterClrMapping/>
+  </p:clrMapOvr>
+</p:sldLayout>
+</file>
+
+<file path=ppt/slideLayouts/slideLayout20.xml><?xml version="1.0" encoding="utf-8"?>
+<p:sldLayout xmlns:a="http://schemas.openxmlformats.org/drawingml/2006/main" xmlns:r="http://schemas.openxmlformats.org/officeDocument/2006/relationships" xmlns:p="http://schemas.openxmlformats.org/presentationml/2006/main" type="picTx" preserve="1">
+  <p:cSld name="タイトル付きの図">
+    <p:spTree>
+      <p:nvGrpSpPr>
+        <p:cNvPr id="1" name=""/>
+        <p:cNvGrpSpPr/>
+        <p:nvPr/>
+      </p:nvGrpSpPr>
+      <p:grpSpPr>
+        <a:xfrm>
+          <a:off x="0" y="0"/>
+          <a:ext cx="0" cy="0"/>
+          <a:chOff x="0" y="0"/>
+          <a:chExt cx="0" cy="0"/>
+        </a:xfrm>
+      </p:grpSpPr>
+      <p:sp>
+        <p:nvSpPr>
+          <p:cNvPr id="2" name="タイトル 1"/>
+          <p:cNvSpPr>
+            <a:spLocks noGrp="1"/>
+          </p:cNvSpPr>
+          <p:nvPr>
+            <p:ph type="title"/>
+          </p:nvPr>
+        </p:nvSpPr>
+        <p:spPr>
+          <a:xfrm>
+            <a:off x="839788" y="457200"/>
+            <a:ext cx="3932237" cy="1600200"/>
+          </a:xfrm>
+        </p:spPr>
+        <p:txBody>
+          <a:bodyPr anchor="b"/>
+          <a:lstStyle>
+            <a:lvl1pPr>
+              <a:defRPr sz="3200"/>
+            </a:lvl1pPr>
+          </a:lstStyle>
+          <a:p>
+            <a:r>
+              <a:rPr kumimoji="1" lang="ja-JP" altLang="en-US"/>
+              <a:t>マスター タイトルの書式設定</a:t>
+            </a:r>
+            <a:endParaRPr kumimoji="1" lang="ja-JP" altLang="en-US"/>
+          </a:p>
+        </p:txBody>
+      </p:sp>
+      <p:sp>
+        <p:nvSpPr>
+          <p:cNvPr id="3" name="図プレースホルダー 2"/>
+          <p:cNvSpPr>
+            <a:spLocks noGrp="1"/>
+          </p:cNvSpPr>
+          <p:nvPr>
+            <p:ph type="pic" idx="1"/>
+          </p:nvPr>
+        </p:nvSpPr>
+        <p:spPr>
+          <a:xfrm>
+            <a:off x="5183188" y="987425"/>
+            <a:ext cx="6172200" cy="4873625"/>
+          </a:xfrm>
+        </p:spPr>
+        <p:txBody>
+          <a:bodyPr/>
+          <a:lstStyle>
+            <a:lvl1pPr marL="0" indent="0">
+              <a:buNone/>
+              <a:defRPr sz="3200"/>
+            </a:lvl1pPr>
+            <a:lvl2pPr marL="457200" indent="0">
+              <a:buNone/>
+              <a:defRPr sz="2800"/>
+            </a:lvl2pPr>
+            <a:lvl3pPr marL="914400" indent="0">
+              <a:buNone/>
+              <a:defRPr sz="2400"/>
+            </a:lvl3pPr>
+            <a:lvl4pPr marL="1371600" indent="0">
+              <a:buNone/>
+              <a:defRPr sz="2000"/>
+            </a:lvl4pPr>
+            <a:lvl5pPr marL="1828800" indent="0">
+              <a:buNone/>
+              <a:defRPr sz="2000"/>
+            </a:lvl5pPr>
+            <a:lvl6pPr marL="2286000" indent="0">
+              <a:buNone/>
+              <a:defRPr sz="2000"/>
+            </a:lvl6pPr>
+            <a:lvl7pPr marL="2743200" indent="0">
+              <a:buNone/>
+              <a:defRPr sz="2000"/>
+            </a:lvl7pPr>
+            <a:lvl8pPr marL="3200400" indent="0">
+              <a:buNone/>
+              <a:defRPr sz="2000"/>
+            </a:lvl8pPr>
+            <a:lvl9pPr marL="3657600" indent="0">
+              <a:buNone/>
+              <a:defRPr sz="2000"/>
+            </a:lvl9pPr>
+          </a:lstStyle>
+          <a:p>
+            <a:endParaRPr kumimoji="1" lang="ja-JP" altLang="en-US"/>
+          </a:p>
+        </p:txBody>
+      </p:sp>
+      <p:sp>
+        <p:nvSpPr>
+          <p:cNvPr id="4" name="テキスト プレースホルダー 3"/>
+          <p:cNvSpPr>
+            <a:spLocks noGrp="1"/>
+          </p:cNvSpPr>
+          <p:nvPr>
+            <p:ph type="body" sz="half" idx="2"/>
+          </p:nvPr>
+        </p:nvSpPr>
+        <p:spPr>
+          <a:xfrm>
+            <a:off x="839788" y="2057400"/>
+            <a:ext cx="3932237" cy="3811588"/>
+          </a:xfrm>
+        </p:spPr>
+        <p:txBody>
+          <a:bodyPr/>
+          <a:lstStyle>
+            <a:lvl1pPr marL="0" indent="0">
+              <a:buNone/>
+              <a:defRPr sz="1600"/>
+            </a:lvl1pPr>
+            <a:lvl2pPr marL="457200" indent="0">
+              <a:buNone/>
+              <a:defRPr sz="1400"/>
+            </a:lvl2pPr>
+            <a:lvl3pPr marL="914400" indent="0">
+              <a:buNone/>
+              <a:defRPr sz="1200"/>
+            </a:lvl3pPr>
+            <a:lvl4pPr marL="1371600" indent="0">
+              <a:buNone/>
+              <a:defRPr sz="1000"/>
+            </a:lvl4pPr>
+            <a:lvl5pPr marL="1828800" indent="0">
+              <a:buNone/>
+              <a:defRPr sz="1000"/>
+            </a:lvl5pPr>
+            <a:lvl6pPr marL="2286000" indent="0">
+              <a:buNone/>
+              <a:defRPr sz="1000"/>
+            </a:lvl6pPr>
+            <a:lvl7pPr marL="2743200" indent="0">
+              <a:buNone/>
+              <a:defRPr sz="1000"/>
+            </a:lvl7pPr>
+            <a:lvl8pPr marL="3200400" indent="0">
+              <a:buNone/>
+              <a:defRPr sz="1000"/>
+            </a:lvl8pPr>
+            <a:lvl9pPr marL="3657600" indent="0">
+              <a:buNone/>
+              <a:defRPr sz="1000"/>
+            </a:lvl9pPr>
+          </a:lstStyle>
+          <a:p>
+            <a:pPr lvl="0"/>
+            <a:r>
+              <a:rPr kumimoji="1" lang="ja-JP" altLang="en-US"/>
+              <a:t>マスター テキストの書式設定</a:t>
+            </a:r>
+            <a:endParaRPr kumimoji="1" lang="ja-JP" altLang="en-US"/>
+          </a:p>
+        </p:txBody>
+      </p:sp>
+      <p:sp>
+        <p:nvSpPr>
+          <p:cNvPr id="5" name="日付プレースホルダー 4"/>
+          <p:cNvSpPr>
+            <a:spLocks noGrp="1"/>
+          </p:cNvSpPr>
+          <p:nvPr>
+            <p:ph type="dt" sz="half" idx="10"/>
+          </p:nvPr>
+        </p:nvSpPr>
+        <p:spPr/>
+        <p:txBody>
+          <a:bodyPr/>
+          <a:lstStyle/>
+          <a:p>
+            <a:fld id="{EF01AC3F-5B2B-4265-BEF4-31326588BC24}" type="datetimeFigureOut">
+              <a:rPr kumimoji="1" lang="ja-JP" altLang="en-US" smtClean="0"/>
+            </a:fld>
+            <a:endParaRPr kumimoji="1" lang="ja-JP" altLang="en-US"/>
+          </a:p>
+        </p:txBody>
+      </p:sp>
+      <p:sp>
+        <p:nvSpPr>
+          <p:cNvPr id="6" name="フッター プレースホルダー 5"/>
+          <p:cNvSpPr>
+            <a:spLocks noGrp="1"/>
+          </p:cNvSpPr>
+          <p:nvPr>
+            <p:ph type="ftr" sz="quarter" idx="11"/>
+          </p:nvPr>
+        </p:nvSpPr>
+        <p:spPr/>
+        <p:txBody>
+          <a:bodyPr/>
+          <a:lstStyle/>
+          <a:p>
+            <a:endParaRPr kumimoji="1" lang="ja-JP" altLang="en-US"/>
+          </a:p>
+        </p:txBody>
+      </p:sp>
+      <p:sp>
+        <p:nvSpPr>
+          <p:cNvPr id="7" name="スライド番号プレースホルダー 6"/>
+          <p:cNvSpPr>
+            <a:spLocks noGrp="1"/>
+          </p:cNvSpPr>
+          <p:nvPr>
+            <p:ph type="sldNum" sz="quarter" idx="12"/>
+          </p:nvPr>
+        </p:nvSpPr>
+        <p:spPr/>
+        <p:txBody>
+          <a:bodyPr/>
+          <a:lstStyle/>
+          <a:p>
+            <a:fld id="{55416541-5EAB-4E31-BA93-A38D44E03098}" type="slidenum">
+              <a:rPr kumimoji="1" lang="ja-JP" altLang="en-US" smtClean="0"/>
+            </a:fld>
+            <a:endParaRPr kumimoji="1" lang="ja-JP" altLang="en-US"/>
+          </a:p>
+        </p:txBody>
+      </p:sp>
+    </p:spTree>
+  </p:cSld>
+  <p:clrMapOvr>
+    <a:masterClrMapping/>
+  </p:clrMapOvr>
+</p:sldLayout>
+</file>
+
+<file path=ppt/slideLayouts/slideLayout21.xml><?xml version="1.0" encoding="utf-8"?>
+<p:sldLayout xmlns:a="http://schemas.openxmlformats.org/drawingml/2006/main" xmlns:r="http://schemas.openxmlformats.org/officeDocument/2006/relationships" xmlns:p="http://schemas.openxmlformats.org/presentationml/2006/main" type="vertTx" preserve="1">
+  <p:cSld name="タイトルと縦書きテキスト">
+    <p:spTree>
+      <p:nvGrpSpPr>
+        <p:cNvPr id="1" name=""/>
+        <p:cNvGrpSpPr/>
+        <p:nvPr/>
+      </p:nvGrpSpPr>
+      <p:grpSpPr>
+        <a:xfrm>
+          <a:off x="0" y="0"/>
+          <a:ext cx="0" cy="0"/>
+          <a:chOff x="0" y="0"/>
+          <a:chExt cx="0" cy="0"/>
+        </a:xfrm>
+      </p:grpSpPr>
+      <p:sp>
+        <p:nvSpPr>
+          <p:cNvPr id="2" name="タイトル 1"/>
+          <p:cNvSpPr>
+            <a:spLocks noGrp="1"/>
+          </p:cNvSpPr>
+          <p:nvPr>
+            <p:ph type="title"/>
+          </p:nvPr>
+        </p:nvSpPr>
+        <p:spPr/>
+        <p:txBody>
+          <a:bodyPr/>
+          <a:lstStyle/>
+          <a:p>
+            <a:r>
+              <a:rPr kumimoji="1" lang="ja-JP" altLang="en-US"/>
+              <a:t>マスター タイトルの書式設定</a:t>
+            </a:r>
+            <a:endParaRPr kumimoji="1" lang="ja-JP" altLang="en-US"/>
+          </a:p>
+        </p:txBody>
+      </p:sp>
+      <p:sp>
+        <p:nvSpPr>
+          <p:cNvPr id="3" name="縦書きテキスト プレースホルダー 2"/>
+          <p:cNvSpPr>
+            <a:spLocks noGrp="1"/>
+          </p:cNvSpPr>
+          <p:nvPr>
+            <p:ph type="body" orient="vert" idx="1"/>
+          </p:nvPr>
+        </p:nvSpPr>
+        <p:spPr/>
+        <p:txBody>
+          <a:bodyPr vert="eaVert"/>
+          <a:lstStyle/>
+          <a:p>
+            <a:pPr lvl="0"/>
+            <a:r>
+              <a:rPr kumimoji="1" lang="ja-JP" altLang="en-US"/>
+              <a:t>マスター テキストの書式設定</a:t>
+            </a:r>
+            <a:endParaRPr kumimoji="1" lang="ja-JP" altLang="en-US"/>
+          </a:p>
+          <a:p>
+            <a:pPr lvl="1"/>
+            <a:r>
+              <a:rPr kumimoji="1" lang="ja-JP" altLang="en-US"/>
+              <a:t>第 </a:t>
+            </a:r>
+            <a:r>
+              <a:rPr kumimoji="1" lang="en-US" altLang="ja-JP"/>
+              <a:t>2 </a:t>
+            </a:r>
+            <a:r>
+              <a:rPr kumimoji="1" lang="ja-JP" altLang="en-US"/>
+              <a:t>レベル</a:t>
+            </a:r>
+            <a:endParaRPr kumimoji="1" lang="ja-JP" altLang="en-US"/>
+          </a:p>
+          <a:p>
+            <a:pPr lvl="2"/>
+            <a:r>
+              <a:rPr kumimoji="1" lang="ja-JP" altLang="en-US"/>
+              <a:t>第 </a:t>
+            </a:r>
+            <a:r>
+              <a:rPr kumimoji="1" lang="en-US" altLang="ja-JP"/>
+              <a:t>3 </a:t>
+            </a:r>
+            <a:r>
+              <a:rPr kumimoji="1" lang="ja-JP" altLang="en-US"/>
+              <a:t>レベル</a:t>
+            </a:r>
+            <a:endParaRPr kumimoji="1" lang="ja-JP" altLang="en-US"/>
+          </a:p>
+          <a:p>
+            <a:pPr lvl="3"/>
+            <a:r>
+              <a:rPr kumimoji="1" lang="ja-JP" altLang="en-US"/>
+              <a:t>第 </a:t>
+            </a:r>
+            <a:r>
+              <a:rPr kumimoji="1" lang="en-US" altLang="ja-JP"/>
+              <a:t>4 </a:t>
+            </a:r>
+            <a:r>
+              <a:rPr kumimoji="1" lang="ja-JP" altLang="en-US"/>
+              <a:t>レベル</a:t>
+            </a:r>
+            <a:endParaRPr kumimoji="1" lang="ja-JP" altLang="en-US"/>
+          </a:p>
+          <a:p>
+            <a:pPr lvl="4"/>
+            <a:r>
+              <a:rPr kumimoji="1" lang="ja-JP" altLang="en-US"/>
+              <a:t>第 </a:t>
+            </a:r>
+            <a:r>
+              <a:rPr kumimoji="1" lang="en-US" altLang="ja-JP"/>
+              <a:t>5 </a:t>
+            </a:r>
+            <a:r>
+              <a:rPr kumimoji="1" lang="ja-JP" altLang="en-US"/>
+              <a:t>レベル</a:t>
+            </a:r>
+            <a:endParaRPr kumimoji="1" lang="ja-JP" altLang="en-US"/>
+          </a:p>
+        </p:txBody>
+      </p:sp>
+      <p:sp>
+        <p:nvSpPr>
+          <p:cNvPr id="4" name="日付プレースホルダー 3"/>
+          <p:cNvSpPr>
+            <a:spLocks noGrp="1"/>
+          </p:cNvSpPr>
+          <p:nvPr>
+            <p:ph type="dt" sz="half" idx="10"/>
+          </p:nvPr>
+        </p:nvSpPr>
+        <p:spPr/>
+        <p:txBody>
+          <a:bodyPr/>
+          <a:lstStyle/>
+          <a:p>
+            <a:fld id="{EF01AC3F-5B2B-4265-BEF4-31326588BC24}" type="datetimeFigureOut">
+              <a:rPr kumimoji="1" lang="ja-JP" altLang="en-US" smtClean="0"/>
+            </a:fld>
+            <a:endParaRPr kumimoji="1" lang="ja-JP" altLang="en-US"/>
+          </a:p>
+        </p:txBody>
+      </p:sp>
+      <p:sp>
+        <p:nvSpPr>
+          <p:cNvPr id="5" name="フッター プレースホルダー 4"/>
+          <p:cNvSpPr>
+            <a:spLocks noGrp="1"/>
+          </p:cNvSpPr>
+          <p:nvPr>
+            <p:ph type="ftr" sz="quarter" idx="11"/>
+          </p:nvPr>
+        </p:nvSpPr>
+        <p:spPr/>
+        <p:txBody>
+          <a:bodyPr/>
+          <a:lstStyle/>
+          <a:p>
+            <a:endParaRPr kumimoji="1" lang="ja-JP" altLang="en-US"/>
+          </a:p>
+        </p:txBody>
+      </p:sp>
+      <p:sp>
+        <p:nvSpPr>
+          <p:cNvPr id="6" name="スライド番号プレースホルダー 5"/>
+          <p:cNvSpPr>
+            <a:spLocks noGrp="1"/>
+          </p:cNvSpPr>
+          <p:nvPr>
+            <p:ph type="sldNum" sz="quarter" idx="12"/>
+          </p:nvPr>
+        </p:nvSpPr>
+        <p:spPr/>
+        <p:txBody>
+          <a:bodyPr/>
+          <a:lstStyle/>
+          <a:p>
+            <a:fld id="{55416541-5EAB-4E31-BA93-A38D44E03098}" type="slidenum">
+              <a:rPr kumimoji="1" lang="ja-JP" altLang="en-US" smtClean="0"/>
+            </a:fld>
+            <a:endParaRPr kumimoji="1" lang="ja-JP" altLang="en-US"/>
+          </a:p>
+        </p:txBody>
+      </p:sp>
+    </p:spTree>
+  </p:cSld>
+  <p:clrMapOvr>
+    <a:masterClrMapping/>
+  </p:clrMapOvr>
+</p:sldLayout>
+</file>
+
+<file path=ppt/slideLayouts/slideLayout22.xml><?xml version="1.0" encoding="utf-8"?>
+<p:sldLayout xmlns:a="http://schemas.openxmlformats.org/drawingml/2006/main" xmlns:r="http://schemas.openxmlformats.org/officeDocument/2006/relationships" xmlns:p="http://schemas.openxmlformats.org/presentationml/2006/main" type="vertTitleAndTx" preserve="1">
+  <p:cSld name="縦書きタイトルと&#10;縦書きテキスト">
+    <p:spTree>
+      <p:nvGrpSpPr>
+        <p:cNvPr id="1" name=""/>
+        <p:cNvGrpSpPr/>
+        <p:nvPr/>
+      </p:nvGrpSpPr>
+      <p:grpSpPr>
+        <a:xfrm>
+          <a:off x="0" y="0"/>
+          <a:ext cx="0" cy="0"/>
+          <a:chOff x="0" y="0"/>
+          <a:chExt cx="0" cy="0"/>
+        </a:xfrm>
+      </p:grpSpPr>
+      <p:sp>
+        <p:nvSpPr>
+          <p:cNvPr id="2" name="縦書きタイトル 1"/>
+          <p:cNvSpPr>
+            <a:spLocks noGrp="1"/>
+          </p:cNvSpPr>
+          <p:nvPr>
+            <p:ph type="title" orient="vert"/>
+          </p:nvPr>
+        </p:nvSpPr>
+        <p:spPr>
+          <a:xfrm>
+            <a:off x="8724900" y="365125"/>
+            <a:ext cx="2628900" cy="5811838"/>
+          </a:xfrm>
+        </p:spPr>
+        <p:txBody>
+          <a:bodyPr vert="eaVert"/>
+          <a:lstStyle/>
+          <a:p>
+            <a:r>
+              <a:rPr kumimoji="1" lang="ja-JP" altLang="en-US"/>
+              <a:t>マスター タイトルの書式設定</a:t>
+            </a:r>
+            <a:endParaRPr kumimoji="1" lang="ja-JP" altLang="en-US"/>
+          </a:p>
+        </p:txBody>
+      </p:sp>
+      <p:sp>
+        <p:nvSpPr>
+          <p:cNvPr id="3" name="縦書きテキスト プレースホルダー 2"/>
+          <p:cNvSpPr>
+            <a:spLocks noGrp="1"/>
+          </p:cNvSpPr>
+          <p:nvPr>
+            <p:ph type="body" orient="vert" idx="1"/>
+          </p:nvPr>
+        </p:nvSpPr>
+        <p:spPr>
+          <a:xfrm>
+            <a:off x="838200" y="365125"/>
+            <a:ext cx="7734300" cy="5811838"/>
+          </a:xfrm>
+        </p:spPr>
+        <p:txBody>
+          <a:bodyPr vert="eaVert"/>
+          <a:lstStyle/>
+          <a:p>
+            <a:pPr lvl="0"/>
+            <a:r>
+              <a:rPr kumimoji="1" lang="ja-JP" altLang="en-US"/>
+              <a:t>マスター テキストの書式設定</a:t>
+            </a:r>
+            <a:endParaRPr kumimoji="1" lang="ja-JP" altLang="en-US"/>
+          </a:p>
+          <a:p>
+            <a:pPr lvl="1"/>
+            <a:r>
+              <a:rPr kumimoji="1" lang="ja-JP" altLang="en-US"/>
+              <a:t>第 </a:t>
+            </a:r>
+            <a:r>
+              <a:rPr kumimoji="1" lang="en-US" altLang="ja-JP"/>
+              <a:t>2 </a:t>
+            </a:r>
+            <a:r>
+              <a:rPr kumimoji="1" lang="ja-JP" altLang="en-US"/>
+              <a:t>レベル</a:t>
+            </a:r>
+            <a:endParaRPr kumimoji="1" lang="ja-JP" altLang="en-US"/>
+          </a:p>
+          <a:p>
+            <a:pPr lvl="2"/>
+            <a:r>
+              <a:rPr kumimoji="1" lang="ja-JP" altLang="en-US"/>
+              <a:t>第 </a:t>
+            </a:r>
+            <a:r>
+              <a:rPr kumimoji="1" lang="en-US" altLang="ja-JP"/>
+              <a:t>3 </a:t>
+            </a:r>
+            <a:r>
+              <a:rPr kumimoji="1" lang="ja-JP" altLang="en-US"/>
+              <a:t>レベル</a:t>
+            </a:r>
+            <a:endParaRPr kumimoji="1" lang="ja-JP" altLang="en-US"/>
+          </a:p>
+          <a:p>
+            <a:pPr lvl="3"/>
+            <a:r>
+              <a:rPr kumimoji="1" lang="ja-JP" altLang="en-US"/>
+              <a:t>第 </a:t>
+            </a:r>
+            <a:r>
+              <a:rPr kumimoji="1" lang="en-US" altLang="ja-JP"/>
+              <a:t>4 </a:t>
+            </a:r>
+            <a:r>
+              <a:rPr kumimoji="1" lang="ja-JP" altLang="en-US"/>
+              <a:t>レベル</a:t>
+            </a:r>
+            <a:endParaRPr kumimoji="1" lang="ja-JP" altLang="en-US"/>
+          </a:p>
+          <a:p>
+            <a:pPr lvl="4"/>
+            <a:r>
+              <a:rPr kumimoji="1" lang="ja-JP" altLang="en-US"/>
+              <a:t>第 </a:t>
+            </a:r>
+            <a:r>
+              <a:rPr kumimoji="1" lang="en-US" altLang="ja-JP"/>
+              <a:t>5 </a:t>
+            </a:r>
+            <a:r>
+              <a:rPr kumimoji="1" lang="ja-JP" altLang="en-US"/>
+              <a:t>レベル</a:t>
+            </a:r>
+            <a:endParaRPr kumimoji="1" lang="ja-JP" altLang="en-US"/>
+          </a:p>
+        </p:txBody>
+      </p:sp>
+      <p:sp>
+        <p:nvSpPr>
+          <p:cNvPr id="4" name="日付プレースホルダー 3"/>
+          <p:cNvSpPr>
+            <a:spLocks noGrp="1"/>
+          </p:cNvSpPr>
+          <p:nvPr>
+            <p:ph type="dt" sz="half" idx="10"/>
+          </p:nvPr>
+        </p:nvSpPr>
+        <p:spPr/>
+        <p:txBody>
+          <a:bodyPr/>
+          <a:lstStyle/>
+          <a:p>
+            <a:fld id="{EF01AC3F-5B2B-4265-BEF4-31326588BC24}" type="datetimeFigureOut">
+              <a:rPr kumimoji="1" lang="ja-JP" altLang="en-US" smtClean="0"/>
+            </a:fld>
+            <a:endParaRPr kumimoji="1" lang="ja-JP" altLang="en-US"/>
+          </a:p>
+        </p:txBody>
+      </p:sp>
+      <p:sp>
+        <p:nvSpPr>
+          <p:cNvPr id="5" name="フッター プレースホルダー 4"/>
+          <p:cNvSpPr>
+            <a:spLocks noGrp="1"/>
+          </p:cNvSpPr>
+          <p:nvPr>
+            <p:ph type="ftr" sz="quarter" idx="11"/>
+          </p:nvPr>
+        </p:nvSpPr>
+        <p:spPr/>
+        <p:txBody>
+          <a:bodyPr/>
+          <a:lstStyle/>
+          <a:p>
+            <a:endParaRPr kumimoji="1" lang="ja-JP" altLang="en-US"/>
+          </a:p>
+        </p:txBody>
+      </p:sp>
+      <p:sp>
+        <p:nvSpPr>
+          <p:cNvPr id="6" name="スライド番号プレースホルダー 5"/>
+          <p:cNvSpPr>
+            <a:spLocks noGrp="1"/>
+          </p:cNvSpPr>
+          <p:nvPr>
+            <p:ph type="sldNum" sz="quarter" idx="12"/>
+          </p:nvPr>
+        </p:nvSpPr>
+        <p:spPr/>
+        <p:txBody>
+          <a:bodyPr/>
+          <a:lstStyle/>
+          <a:p>
+            <a:fld id="{55416541-5EAB-4E31-BA93-A38D44E03098}" type="slidenum">
+              <a:rPr kumimoji="1" lang="ja-JP" altLang="en-US" smtClean="0"/>
+            </a:fld>
+            <a:endParaRPr kumimoji="1" lang="ja-JP" altLang="en-US"/>
+          </a:p>
+        </p:txBody>
+      </p:sp>
+    </p:spTree>
+  </p:cSld>
+  <p:clrMapOvr>
+    <a:masterClrMapping/>
+  </p:clrMapOvr>
+</p:sldLayout>
+</file>
+
+<file path=ppt/slideLayouts/slideLayout3.xml><?xml version="1.0" encoding="utf-8"?>
+<p:sldLayout xmlns:a="http://schemas.openxmlformats.org/drawingml/2006/main" xmlns:r="http://schemas.openxmlformats.org/officeDocument/2006/relationships" xmlns:p="http://schemas.openxmlformats.org/presentationml/2006/main" type="secHead" preserve="1">
+  <p:cSld name="セクション見出し">
+    <p:spTree>
+      <p:nvGrpSpPr>
+        <p:cNvPr id="1" name=""/>
+        <p:cNvGrpSpPr/>
+        <p:nvPr/>
+      </p:nvGrpSpPr>
+      <p:grpSpPr>
+        <a:xfrm>
+          <a:off x="0" y="0"/>
+          <a:ext cx="0" cy="0"/>
+          <a:chOff x="0" y="0"/>
+          <a:chExt cx="0" cy="0"/>
+        </a:xfrm>
+      </p:grpSpPr>
+      <p:sp>
+        <p:nvSpPr>
+          <p:cNvPr id="2" name="タイトル 1"/>
+          <p:cNvSpPr>
+            <a:spLocks noGrp="1"/>
+          </p:cNvSpPr>
+          <p:nvPr>
+            <p:ph type="title"/>
+          </p:nvPr>
+        </p:nvSpPr>
+        <p:spPr>
+          <a:xfrm>
+            <a:off x="831850" y="1709738"/>
+            <a:ext cx="10515600" cy="2852737"/>
+          </a:xfrm>
+        </p:spPr>
+        <p:txBody>
+          <a:bodyPr anchor="b"/>
+          <a:lstStyle>
+            <a:lvl1pPr>
+              <a:defRPr sz="6000"/>
+            </a:lvl1pPr>
+          </a:lstStyle>
+          <a:p>
+            <a:r>
+              <a:rPr kumimoji="1" lang="ja-JP" altLang="en-US"/>
+              <a:t>マスター タイトルの書式設定</a:t>
+            </a:r>
+            <a:endParaRPr kumimoji="1" lang="ja-JP" altLang="en-US"/>
+          </a:p>
+        </p:txBody>
+      </p:sp>
+      <p:sp>
+        <p:nvSpPr>
+          <p:cNvPr id="3" name="テキスト プレースホルダー 2"/>
+          <p:cNvSpPr>
+            <a:spLocks noGrp="1"/>
+          </p:cNvSpPr>
+          <p:nvPr>
+            <p:ph type="body" idx="1"/>
+          </p:nvPr>
+        </p:nvSpPr>
+        <p:spPr>
+          <a:xfrm>
+            <a:off x="831850" y="4589463"/>
+            <a:ext cx="10515600" cy="1500187"/>
+          </a:xfrm>
+        </p:spPr>
+        <p:txBody>
+          <a:bodyPr/>
+          <a:lstStyle>
+            <a:lvl1pPr marL="0" indent="0">
+              <a:buNone/>
+              <a:defRPr sz="2400">
+                <a:solidFill>
+                  <a:schemeClr val="tx1">
+                    <a:tint val="75000"/>
+                  </a:schemeClr>
+                </a:solidFill>
+              </a:defRPr>
+            </a:lvl1pPr>
+            <a:lvl2pPr marL="457200" indent="0">
+              <a:buNone/>
+              <a:defRPr sz="2000">
+                <a:solidFill>
+                  <a:schemeClr val="tx1">
+                    <a:tint val="75000"/>
+                  </a:schemeClr>
+                </a:solidFill>
+              </a:defRPr>
+            </a:lvl2pPr>
+            <a:lvl3pPr marL="914400" indent="0">
+              <a:buNone/>
+              <a:defRPr sz="1800">
+                <a:solidFill>
+                  <a:schemeClr val="tx1">
+                    <a:tint val="75000"/>
+                  </a:schemeClr>
+                </a:solidFill>
+              </a:defRPr>
+            </a:lvl3pPr>
+            <a:lvl4pPr marL="1371600" indent="0">
+              <a:buNone/>
+              <a:defRPr sz="1600">
+                <a:solidFill>
+                  <a:schemeClr val="tx1">
+                    <a:tint val="75000"/>
+                  </a:schemeClr>
+                </a:solidFill>
+              </a:defRPr>
+            </a:lvl4pPr>
+            <a:lvl5pPr marL="1828800" indent="0">
+              <a:buNone/>
+              <a:defRPr sz="1600">
+                <a:solidFill>
+                  <a:schemeClr val="tx1">
+                    <a:tint val="75000"/>
+                  </a:schemeClr>
+                </a:solidFill>
+              </a:defRPr>
+            </a:lvl5pPr>
+            <a:lvl6pPr marL="2286000" indent="0">
+              <a:buNone/>
+              <a:defRPr sz="1600">
+                <a:solidFill>
+                  <a:schemeClr val="tx1">
+                    <a:tint val="75000"/>
+                  </a:schemeClr>
+                </a:solidFill>
+              </a:defRPr>
+            </a:lvl6pPr>
+            <a:lvl7pPr marL="2743200" indent="0">
+              <a:buNone/>
+              <a:defRPr sz="1600">
+                <a:solidFill>
+                  <a:schemeClr val="tx1">
+                    <a:tint val="75000"/>
+                  </a:schemeClr>
+                </a:solidFill>
+              </a:defRPr>
+            </a:lvl7pPr>
+            <a:lvl8pPr marL="3200400" indent="0">
+              <a:buNone/>
+              <a:defRPr sz="1600">
+                <a:solidFill>
+                  <a:schemeClr val="tx1">
+                    <a:tint val="75000"/>
+                  </a:schemeClr>
+                </a:solidFill>
+              </a:defRPr>
+            </a:lvl8pPr>
+            <a:lvl9pPr marL="3657600" indent="0">
+              <a:buNone/>
+              <a:defRPr sz="1600">
+                <a:solidFill>
+                  <a:schemeClr val="tx1">
+                    <a:tint val="75000"/>
+                  </a:schemeClr>
+                </a:solidFill>
+              </a:defRPr>
+            </a:lvl9pPr>
+          </a:lstStyle>
+          <a:p>
+            <a:pPr lvl="0"/>
+            <a:r>
+              <a:rPr kumimoji="1" lang="ja-JP" altLang="en-US"/>
+              <a:t>マスター テキストの書式設定</a:t>
+            </a:r>
+            <a:endParaRPr kumimoji="1" lang="ja-JP" altLang="en-US"/>
+          </a:p>
+        </p:txBody>
+      </p:sp>
+      <p:sp>
+        <p:nvSpPr>
+          <p:cNvPr id="4" name="日付プレースホルダー 3"/>
+          <p:cNvSpPr>
+            <a:spLocks noGrp="1"/>
+          </p:cNvSpPr>
+          <p:nvPr>
+            <p:ph type="dt" sz="half" idx="10"/>
+          </p:nvPr>
+        </p:nvSpPr>
+        <p:spPr/>
+        <p:txBody>
+          <a:bodyPr/>
+          <a:lstStyle/>
+          <a:p>
+            <a:fld id="{EF01AC3F-5B2B-4265-BEF4-31326588BC24}" type="datetimeFigureOut">
+              <a:rPr kumimoji="1" lang="ja-JP" altLang="en-US" smtClean="0"/>
+            </a:fld>
+            <a:endParaRPr kumimoji="1" lang="ja-JP" altLang="en-US"/>
+          </a:p>
+        </p:txBody>
+      </p:sp>
+      <p:sp>
+        <p:nvSpPr>
+          <p:cNvPr id="5" name="フッター プレースホルダー 4"/>
+          <p:cNvSpPr>
+            <a:spLocks noGrp="1"/>
+          </p:cNvSpPr>
+          <p:nvPr>
+            <p:ph type="ftr" sz="quarter" idx="11"/>
+          </p:nvPr>
+        </p:nvSpPr>
+        <p:spPr/>
+        <p:txBody>
+          <a:bodyPr/>
+          <a:lstStyle/>
+          <a:p>
+            <a:endParaRPr kumimoji="1" lang="ja-JP" altLang="en-US"/>
+          </a:p>
+        </p:txBody>
+      </p:sp>
+      <p:sp>
+        <p:nvSpPr>
+          <p:cNvPr id="6" name="スライド番号プレースホルダー 5"/>
+          <p:cNvSpPr>
+            <a:spLocks noGrp="1"/>
+          </p:cNvSpPr>
+          <p:nvPr>
+            <p:ph type="sldNum" sz="quarter" idx="12"/>
+          </p:nvPr>
+        </p:nvSpPr>
+        <p:spPr/>
+        <p:txBody>
+          <a:bodyPr/>
+          <a:lstStyle/>
+          <a:p>
+            <a:fld id="{55416541-5EAB-4E31-BA93-A38D44E03098}" type="slidenum">
+              <a:rPr kumimoji="1" lang="ja-JP" altLang="en-US" smtClean="0"/>
+            </a:fld>
+            <a:endParaRPr kumimoji="1" lang="ja-JP" altLang="en-US"/>
+          </a:p>
+        </p:txBody>
+      </p:sp>
+    </p:spTree>
+  </p:cSld>
+  <p:clrMapOvr>
+    <a:masterClrMapping/>
+  </p:clrMapOvr>
+</p:sldLayout>
+</file>
+
+<file path=ppt/slideLayouts/slideLayout4.xml><?xml version="1.0" encoding="utf-8"?>
+<p:sldLayout xmlns:a="http://schemas.openxmlformats.org/drawingml/2006/main" xmlns:r="http://schemas.openxmlformats.org/officeDocument/2006/relationships" xmlns:p="http://schemas.openxmlformats.org/presentationml/2006/main" type="twoObj" preserve="1">
+  <p:cSld name="2 つのコンテンツ">
+    <p:spTree>
+      <p:nvGrpSpPr>
+        <p:cNvPr id="1" name=""/>
+        <p:cNvGrpSpPr/>
+        <p:nvPr/>
+      </p:nvGrpSpPr>
+      <p:grpSpPr>
+        <a:xfrm>
+          <a:off x="0" y="0"/>
+          <a:ext cx="0" cy="0"/>
+          <a:chOff x="0" y="0"/>
+          <a:chExt cx="0" cy="0"/>
+        </a:xfrm>
+      </p:grpSpPr>
+      <p:sp>
+        <p:nvSpPr>
+          <p:cNvPr id="2" name="タイトル 1"/>
+          <p:cNvSpPr>
+            <a:spLocks noGrp="1"/>
+          </p:cNvSpPr>
+          <p:nvPr>
+            <p:ph type="title"/>
+          </p:nvPr>
+        </p:nvSpPr>
+        <p:spPr/>
+        <p:txBody>
+          <a:bodyPr/>
+          <a:lstStyle/>
+          <a:p>
+            <a:r>
+              <a:rPr kumimoji="1" lang="ja-JP" altLang="en-US"/>
+              <a:t>マスター タイトルの書式設定</a:t>
+            </a:r>
+            <a:endParaRPr kumimoji="1" lang="ja-JP" altLang="en-US"/>
+          </a:p>
+        </p:txBody>
+      </p:sp>
+      <p:sp>
+        <p:nvSpPr>
+          <p:cNvPr id="3" name="コンテンツ プレースホルダー 2"/>
+          <p:cNvSpPr>
+            <a:spLocks noGrp="1"/>
+          </p:cNvSpPr>
+          <p:nvPr>
+            <p:ph sz="half" idx="1"/>
+          </p:nvPr>
+        </p:nvSpPr>
+        <p:spPr>
+          <a:xfrm>
+            <a:off x="838200" y="1825625"/>
+            <a:ext cx="5181600" cy="4351338"/>
+          </a:xfrm>
+        </p:spPr>
+        <p:txBody>
+          <a:bodyPr/>
+          <a:lstStyle/>
+          <a:p>
+            <a:pPr lvl="0"/>
+            <a:r>
+              <a:rPr kumimoji="1" lang="ja-JP" altLang="en-US"/>
+              <a:t>マスター テキストの書式設定</a:t>
+            </a:r>
+            <a:endParaRPr kumimoji="1" lang="ja-JP" altLang="en-US"/>
+          </a:p>
+          <a:p>
+            <a:pPr lvl="1"/>
+            <a:r>
+              <a:rPr kumimoji="1" lang="ja-JP" altLang="en-US"/>
+              <a:t>第 </a:t>
+            </a:r>
+            <a:r>
+              <a:rPr kumimoji="1" lang="en-US" altLang="ja-JP"/>
+              <a:t>2 </a:t>
+            </a:r>
+            <a:r>
+              <a:rPr kumimoji="1" lang="ja-JP" altLang="en-US"/>
+              <a:t>レベル</a:t>
+            </a:r>
+            <a:endParaRPr kumimoji="1" lang="ja-JP" altLang="en-US"/>
+          </a:p>
+          <a:p>
+            <a:pPr lvl="2"/>
+            <a:r>
+              <a:rPr kumimoji="1" lang="ja-JP" altLang="en-US"/>
+              <a:t>第 </a:t>
+            </a:r>
+            <a:r>
+              <a:rPr kumimoji="1" lang="en-US" altLang="ja-JP"/>
+              <a:t>3 </a:t>
+            </a:r>
+            <a:r>
+              <a:rPr kumimoji="1" lang="ja-JP" altLang="en-US"/>
+              <a:t>レベル</a:t>
+            </a:r>
+            <a:endParaRPr kumimoji="1" lang="ja-JP" altLang="en-US"/>
+          </a:p>
+          <a:p>
+            <a:pPr lvl="3"/>
+            <a:r>
+              <a:rPr kumimoji="1" lang="ja-JP" altLang="en-US"/>
+              <a:t>第 </a:t>
+            </a:r>
+            <a:r>
+              <a:rPr kumimoji="1" lang="en-US" altLang="ja-JP"/>
+              <a:t>4 </a:t>
+            </a:r>
+            <a:r>
+              <a:rPr kumimoji="1" lang="ja-JP" altLang="en-US"/>
+              <a:t>レベル</a:t>
+            </a:r>
+            <a:endParaRPr kumimoji="1" lang="ja-JP" altLang="en-US"/>
+          </a:p>
+          <a:p>
+            <a:pPr lvl="4"/>
+            <a:r>
+              <a:rPr kumimoji="1" lang="ja-JP" altLang="en-US"/>
+              <a:t>第 </a:t>
+            </a:r>
+            <a:r>
+              <a:rPr kumimoji="1" lang="en-US" altLang="ja-JP"/>
+              <a:t>5 </a:t>
+            </a:r>
+            <a:r>
+              <a:rPr kumimoji="1" lang="ja-JP" altLang="en-US"/>
+              <a:t>レベル</a:t>
+            </a:r>
+            <a:endParaRPr kumimoji="1" lang="ja-JP" altLang="en-US"/>
+          </a:p>
+        </p:txBody>
+      </p:sp>
+      <p:sp>
+        <p:nvSpPr>
+          <p:cNvPr id="4" name="コンテンツ プレースホルダー 3"/>
+          <p:cNvSpPr>
+            <a:spLocks noGrp="1"/>
+          </p:cNvSpPr>
+          <p:nvPr>
+            <p:ph sz="half" idx="2"/>
+          </p:nvPr>
+        </p:nvSpPr>
+        <p:spPr>
+          <a:xfrm>
+            <a:off x="6172200" y="1825625"/>
+            <a:ext cx="5181600" cy="4351338"/>
+          </a:xfrm>
+        </p:spPr>
+        <p:txBody>
+          <a:bodyPr/>
+          <a:lstStyle/>
+          <a:p>
+            <a:pPr lvl="0"/>
+            <a:r>
+              <a:rPr kumimoji="1" lang="ja-JP" altLang="en-US"/>
+              <a:t>マスター テキストの書式設定</a:t>
+            </a:r>
+            <a:endParaRPr kumimoji="1" lang="ja-JP" altLang="en-US"/>
+          </a:p>
+          <a:p>
+            <a:pPr lvl="1"/>
+            <a:r>
+              <a:rPr kumimoji="1" lang="ja-JP" altLang="en-US"/>
+              <a:t>第 </a:t>
+            </a:r>
+            <a:r>
+              <a:rPr kumimoji="1" lang="en-US" altLang="ja-JP"/>
+              <a:t>2 </a:t>
+            </a:r>
+            <a:r>
+              <a:rPr kumimoji="1" lang="ja-JP" altLang="en-US"/>
+              <a:t>レベル</a:t>
+            </a:r>
+            <a:endParaRPr kumimoji="1" lang="ja-JP" altLang="en-US"/>
+          </a:p>
+          <a:p>
+            <a:pPr lvl="2"/>
+            <a:r>
+              <a:rPr kumimoji="1" lang="ja-JP" altLang="en-US"/>
+              <a:t>第 </a:t>
+            </a:r>
+            <a:r>
+              <a:rPr kumimoji="1" lang="en-US" altLang="ja-JP"/>
+              <a:t>3 </a:t>
+            </a:r>
+            <a:r>
+              <a:rPr kumimoji="1" lang="ja-JP" altLang="en-US"/>
+              <a:t>レベル</a:t>
+            </a:r>
+            <a:endParaRPr kumimoji="1" lang="ja-JP" altLang="en-US"/>
+          </a:p>
+          <a:p>
+            <a:pPr lvl="3"/>
+            <a:r>
+              <a:rPr kumimoji="1" lang="ja-JP" altLang="en-US"/>
+              <a:t>第 </a:t>
+            </a:r>
+            <a:r>
+              <a:rPr kumimoji="1" lang="en-US" altLang="ja-JP"/>
+              <a:t>4 </a:t>
+            </a:r>
+            <a:r>
+              <a:rPr kumimoji="1" lang="ja-JP" altLang="en-US"/>
+              <a:t>レベル</a:t>
+            </a:r>
+            <a:endParaRPr kumimoji="1" lang="ja-JP" altLang="en-US"/>
+          </a:p>
+          <a:p>
+            <a:pPr lvl="4"/>
+            <a:r>
+              <a:rPr kumimoji="1" lang="ja-JP" altLang="en-US"/>
+              <a:t>第 </a:t>
+            </a:r>
+            <a:r>
+              <a:rPr kumimoji="1" lang="en-US" altLang="ja-JP"/>
+              <a:t>5 </a:t>
+            </a:r>
+            <a:r>
+              <a:rPr kumimoji="1" lang="ja-JP" altLang="en-US"/>
+              <a:t>レベル</a:t>
+            </a:r>
+            <a:endParaRPr kumimoji="1" lang="ja-JP" altLang="en-US"/>
+          </a:p>
+        </p:txBody>
+      </p:sp>
+      <p:sp>
+        <p:nvSpPr>
+          <p:cNvPr id="5" name="日付プレースホルダー 4"/>
+          <p:cNvSpPr>
+            <a:spLocks noGrp="1"/>
+          </p:cNvSpPr>
+          <p:nvPr>
+            <p:ph type="dt" sz="half" idx="10"/>
+          </p:nvPr>
+        </p:nvSpPr>
+        <p:spPr/>
+        <p:txBody>
+          <a:bodyPr/>
+          <a:lstStyle/>
+          <a:p>
+            <a:fld id="{EF01AC3F-5B2B-4265-BEF4-31326588BC24}" type="datetimeFigureOut">
+              <a:rPr kumimoji="1" lang="ja-JP" altLang="en-US" smtClean="0"/>
+            </a:fld>
+            <a:endParaRPr kumimoji="1" lang="ja-JP" altLang="en-US"/>
+          </a:p>
+        </p:txBody>
+      </p:sp>
+      <p:sp>
+        <p:nvSpPr>
+          <p:cNvPr id="6" name="フッター プレースホルダー 5"/>
+          <p:cNvSpPr>
+            <a:spLocks noGrp="1"/>
+          </p:cNvSpPr>
+          <p:nvPr>
+            <p:ph type="ftr" sz="quarter" idx="11"/>
+          </p:nvPr>
+        </p:nvSpPr>
+        <p:spPr/>
+        <p:txBody>
+          <a:bodyPr/>
+          <a:lstStyle/>
+          <a:p>
+            <a:endParaRPr kumimoji="1" lang="ja-JP" altLang="en-US"/>
+          </a:p>
+        </p:txBody>
+      </p:sp>
+      <p:sp>
+        <p:nvSpPr>
+          <p:cNvPr id="7" name="スライド番号プレースホルダー 6"/>
+          <p:cNvSpPr>
+            <a:spLocks noGrp="1"/>
+          </p:cNvSpPr>
+          <p:nvPr>
+            <p:ph type="sldNum" sz="quarter" idx="12"/>
+          </p:nvPr>
+        </p:nvSpPr>
+        <p:spPr/>
+        <p:txBody>
+          <a:bodyPr/>
+          <a:lstStyle/>
+          <a:p>
+            <a:fld id="{55416541-5EAB-4E31-BA93-A38D44E03098}" type="slidenum">
+              <a:rPr kumimoji="1" lang="ja-JP" altLang="en-US" smtClean="0"/>
+            </a:fld>
+            <a:endParaRPr kumimoji="1" lang="ja-JP" altLang="en-US"/>
+          </a:p>
+        </p:txBody>
+      </p:sp>
+    </p:spTree>
+  </p:cSld>
+  <p:clrMapOvr>
+    <a:masterClrMapping/>
+  </p:clrMapOvr>
+</p:sldLayout>
+</file>
+
+<file path=ppt/slideLayouts/slideLayout5.xml><?xml version="1.0" encoding="utf-8"?>
+<p:sldLayout xmlns:a="http://schemas.openxmlformats.org/drawingml/2006/main" xmlns:r="http://schemas.openxmlformats.org/officeDocument/2006/relationships" xmlns:p="http://schemas.openxmlformats.org/presentationml/2006/main" type="twoTxTwoObj" preserve="1">
+  <p:cSld name="比較">
+    <p:spTree>
+      <p:nvGrpSpPr>
+        <p:cNvPr id="1" name=""/>
+        <p:cNvGrpSpPr/>
+        <p:nvPr/>
+      </p:nvGrpSpPr>
+      <p:grpSpPr>
+        <a:xfrm>
+          <a:off x="0" y="0"/>
+          <a:ext cx="0" cy="0"/>
+          <a:chOff x="0" y="0"/>
+          <a:chExt cx="0" cy="0"/>
+        </a:xfrm>
+      </p:grpSpPr>
+      <p:sp>
+        <p:nvSpPr>
+          <p:cNvPr id="2" name="タイトル 1"/>
+          <p:cNvSpPr>
+            <a:spLocks noGrp="1"/>
+          </p:cNvSpPr>
+          <p:nvPr>
+            <p:ph type="title"/>
+          </p:nvPr>
+        </p:nvSpPr>
+        <p:spPr>
+          <a:xfrm>
+            <a:off x="839788" y="365125"/>
+            <a:ext cx="10515600" cy="1325563"/>
+          </a:xfrm>
+        </p:spPr>
+        <p:txBody>
+          <a:bodyPr/>
+          <a:lstStyle/>
+          <a:p>
+            <a:r>
+              <a:rPr kumimoji="1" lang="ja-JP" altLang="en-US"/>
+              <a:t>マスター タイトルの書式設定</a:t>
+            </a:r>
+            <a:endParaRPr kumimoji="1" lang="ja-JP" altLang="en-US"/>
+          </a:p>
+        </p:txBody>
+      </p:sp>
+      <p:sp>
+        <p:nvSpPr>
+          <p:cNvPr id="3" name="テキスト プレースホルダー 2"/>
+          <p:cNvSpPr>
+            <a:spLocks noGrp="1"/>
+          </p:cNvSpPr>
+          <p:nvPr>
+            <p:ph type="body" idx="1"/>
+          </p:nvPr>
+        </p:nvSpPr>
+        <p:spPr>
+          <a:xfrm>
+            <a:off x="839788" y="1681163"/>
+            <a:ext cx="5157787" cy="823912"/>
+          </a:xfrm>
+        </p:spPr>
+        <p:txBody>
+          <a:bodyPr anchor="b"/>
+          <a:lstStyle>
+            <a:lvl1pPr marL="0" indent="0">
+              <a:buNone/>
+              <a:defRPr sz="2400" b="1"/>
+            </a:lvl1pPr>
+            <a:lvl2pPr marL="457200" indent="0">
+              <a:buNone/>
+              <a:defRPr sz="2000" b="1"/>
+            </a:lvl2pPr>
+            <a:lvl3pPr marL="914400" indent="0">
+              <a:buNone/>
+              <a:defRPr sz="1800" b="1"/>
+            </a:lvl3pPr>
+            <a:lvl4pPr marL="1371600" indent="0">
+              <a:buNone/>
+              <a:defRPr sz="1600" b="1"/>
+            </a:lvl4pPr>
+            <a:lvl5pPr marL="1828800" indent="0">
+              <a:buNone/>
+              <a:defRPr sz="1600" b="1"/>
+            </a:lvl5pPr>
+            <a:lvl6pPr marL="2286000" indent="0">
+              <a:buNone/>
+              <a:defRPr sz="1600" b="1"/>
+            </a:lvl6pPr>
+            <a:lvl7pPr marL="2743200" indent="0">
+              <a:buNone/>
+              <a:defRPr sz="1600" b="1"/>
+            </a:lvl7pPr>
+            <a:lvl8pPr marL="3200400" indent="0">
+              <a:buNone/>
+              <a:defRPr sz="1600" b="1"/>
+            </a:lvl8pPr>
+            <a:lvl9pPr marL="3657600" indent="0">
+              <a:buNone/>
+              <a:defRPr sz="1600" b="1"/>
+            </a:lvl9pPr>
+          </a:lstStyle>
+          <a:p>
+            <a:pPr lvl="0"/>
+            <a:r>
+              <a:rPr kumimoji="1" lang="ja-JP" altLang="en-US"/>
+              <a:t>マスター テキストの書式設定</a:t>
+            </a:r>
+            <a:endParaRPr kumimoji="1" lang="ja-JP" altLang="en-US"/>
+          </a:p>
+        </p:txBody>
+      </p:sp>
+      <p:sp>
+        <p:nvSpPr>
+          <p:cNvPr id="4" name="コンテンツ プレースホルダー 3"/>
+          <p:cNvSpPr>
+            <a:spLocks noGrp="1"/>
+          </p:cNvSpPr>
+          <p:nvPr>
+            <p:ph sz="half" idx="2"/>
+          </p:nvPr>
+        </p:nvSpPr>
+        <p:spPr>
+          <a:xfrm>
+            <a:off x="839788" y="2505075"/>
+            <a:ext cx="5157787" cy="3684588"/>
+          </a:xfrm>
+        </p:spPr>
+        <p:txBody>
+          <a:bodyPr/>
+          <a:lstStyle/>
+          <a:p>
+            <a:pPr lvl="0"/>
+            <a:r>
+              <a:rPr kumimoji="1" lang="ja-JP" altLang="en-US"/>
+              <a:t>マスター テキストの書式設定</a:t>
+            </a:r>
+            <a:endParaRPr kumimoji="1" lang="ja-JP" altLang="en-US"/>
+          </a:p>
+          <a:p>
+            <a:pPr lvl="1"/>
+            <a:r>
+              <a:rPr kumimoji="1" lang="ja-JP" altLang="en-US"/>
+              <a:t>第 </a:t>
+            </a:r>
+            <a:r>
+              <a:rPr kumimoji="1" lang="en-US" altLang="ja-JP"/>
+              <a:t>2 </a:t>
+            </a:r>
+            <a:r>
+              <a:rPr kumimoji="1" lang="ja-JP" altLang="en-US"/>
+              <a:t>レベル</a:t>
+            </a:r>
+            <a:endParaRPr kumimoji="1" lang="ja-JP" altLang="en-US"/>
+          </a:p>
+          <a:p>
+            <a:pPr lvl="2"/>
+            <a:r>
+              <a:rPr kumimoji="1" lang="ja-JP" altLang="en-US"/>
+              <a:t>第 </a:t>
+            </a:r>
+            <a:r>
+              <a:rPr kumimoji="1" lang="en-US" altLang="ja-JP"/>
+              <a:t>3 </a:t>
+            </a:r>
+            <a:r>
+              <a:rPr kumimoji="1" lang="ja-JP" altLang="en-US"/>
+              <a:t>レベル</a:t>
+            </a:r>
+            <a:endParaRPr kumimoji="1" lang="ja-JP" altLang="en-US"/>
+          </a:p>
+          <a:p>
+            <a:pPr lvl="3"/>
+            <a:r>
+              <a:rPr kumimoji="1" lang="ja-JP" altLang="en-US"/>
+              <a:t>第 </a:t>
+            </a:r>
+            <a:r>
+              <a:rPr kumimoji="1" lang="en-US" altLang="ja-JP"/>
+              <a:t>4 </a:t>
+            </a:r>
+            <a:r>
+              <a:rPr kumimoji="1" lang="ja-JP" altLang="en-US"/>
+              <a:t>レベル</a:t>
+            </a:r>
+            <a:endParaRPr kumimoji="1" lang="ja-JP" altLang="en-US"/>
+          </a:p>
+          <a:p>
+            <a:pPr lvl="4"/>
+            <a:r>
+              <a:rPr kumimoji="1" lang="ja-JP" altLang="en-US"/>
+              <a:t>第 </a:t>
+            </a:r>
+            <a:r>
+              <a:rPr kumimoji="1" lang="en-US" altLang="ja-JP"/>
+              <a:t>5 </a:t>
+            </a:r>
+            <a:r>
+              <a:rPr kumimoji="1" lang="ja-JP" altLang="en-US"/>
+              <a:t>レベル</a:t>
+            </a:r>
+            <a:endParaRPr kumimoji="1" lang="ja-JP" altLang="en-US"/>
+          </a:p>
+        </p:txBody>
+      </p:sp>
+      <p:sp>
+        <p:nvSpPr>
+          <p:cNvPr id="5" name="テキスト プレースホルダー 4"/>
+          <p:cNvSpPr>
+            <a:spLocks noGrp="1"/>
+          </p:cNvSpPr>
+          <p:nvPr>
+            <p:ph type="body" sz="quarter" idx="3"/>
+          </p:nvPr>
+        </p:nvSpPr>
+        <p:spPr>
+          <a:xfrm>
+            <a:off x="6172200" y="1681163"/>
+            <a:ext cx="5183188" cy="823912"/>
+          </a:xfrm>
+        </p:spPr>
+        <p:txBody>
+          <a:bodyPr anchor="b"/>
+          <a:lstStyle>
+            <a:lvl1pPr marL="0" indent="0">
+              <a:buNone/>
+              <a:defRPr sz="2400" b="1"/>
+            </a:lvl1pPr>
+            <a:lvl2pPr marL="457200" indent="0">
+              <a:buNone/>
+              <a:defRPr sz="2000" b="1"/>
+            </a:lvl2pPr>
+            <a:lvl3pPr marL="914400" indent="0">
+              <a:buNone/>
+              <a:defRPr sz="1800" b="1"/>
+            </a:lvl3pPr>
+            <a:lvl4pPr marL="1371600" indent="0">
+              <a:buNone/>
+              <a:defRPr sz="1600" b="1"/>
+            </a:lvl4pPr>
+            <a:lvl5pPr marL="1828800" indent="0">
+              <a:buNone/>
+              <a:defRPr sz="1600" b="1"/>
+            </a:lvl5pPr>
+            <a:lvl6pPr marL="2286000" indent="0">
+              <a:buNone/>
+              <a:defRPr sz="1600" b="1"/>
+            </a:lvl6pPr>
+            <a:lvl7pPr marL="2743200" indent="0">
+              <a:buNone/>
+              <a:defRPr sz="1600" b="1"/>
+            </a:lvl7pPr>
+            <a:lvl8pPr marL="3200400" indent="0">
+              <a:buNone/>
+              <a:defRPr sz="1600" b="1"/>
+            </a:lvl8pPr>
+            <a:lvl9pPr marL="3657600" indent="0">
+              <a:buNone/>
+              <a:defRPr sz="1600" b="1"/>
+            </a:lvl9pPr>
+          </a:lstStyle>
+          <a:p>
+            <a:pPr lvl="0"/>
+            <a:r>
+              <a:rPr kumimoji="1" lang="ja-JP" altLang="en-US"/>
+              <a:t>マスター テキストの書式設定</a:t>
+            </a:r>
+            <a:endParaRPr kumimoji="1" lang="ja-JP" altLang="en-US"/>
+          </a:p>
+        </p:txBody>
+      </p:sp>
+      <p:sp>
+        <p:nvSpPr>
+          <p:cNvPr id="6" name="コンテンツ プレースホルダー 5"/>
+          <p:cNvSpPr>
+            <a:spLocks noGrp="1"/>
+          </p:cNvSpPr>
+          <p:nvPr>
+            <p:ph sz="quarter" idx="4"/>
+          </p:nvPr>
+        </p:nvSpPr>
+        <p:spPr>
+          <a:xfrm>
+            <a:off x="6172200" y="2505075"/>
+            <a:ext cx="5183188" cy="3684588"/>
+          </a:xfrm>
+        </p:spPr>
+        <p:txBody>
+          <a:bodyPr/>
+          <a:lstStyle/>
+          <a:p>
+            <a:pPr lvl="0"/>
+            <a:r>
+              <a:rPr kumimoji="1" lang="ja-JP" altLang="en-US"/>
+              <a:t>マスター テキストの書式設定</a:t>
+            </a:r>
+            <a:endParaRPr kumimoji="1" lang="ja-JP" altLang="en-US"/>
+          </a:p>
+          <a:p>
+            <a:pPr lvl="1"/>
+            <a:r>
+              <a:rPr kumimoji="1" lang="ja-JP" altLang="en-US"/>
+              <a:t>第 </a:t>
+            </a:r>
+            <a:r>
+              <a:rPr kumimoji="1" lang="en-US" altLang="ja-JP"/>
+              <a:t>2 </a:t>
+            </a:r>
+            <a:r>
+              <a:rPr kumimoji="1" lang="ja-JP" altLang="en-US"/>
+              <a:t>レベル</a:t>
+            </a:r>
+            <a:endParaRPr kumimoji="1" lang="ja-JP" altLang="en-US"/>
+          </a:p>
+          <a:p>
+            <a:pPr lvl="2"/>
+            <a:r>
+              <a:rPr kumimoji="1" lang="ja-JP" altLang="en-US"/>
+              <a:t>第 </a:t>
+            </a:r>
+            <a:r>
+              <a:rPr kumimoji="1" lang="en-US" altLang="ja-JP"/>
+              <a:t>3 </a:t>
+            </a:r>
+            <a:r>
+              <a:rPr kumimoji="1" lang="ja-JP" altLang="en-US"/>
+              <a:t>レベル</a:t>
+            </a:r>
+            <a:endParaRPr kumimoji="1" lang="ja-JP" altLang="en-US"/>
+          </a:p>
+          <a:p>
+            <a:pPr lvl="3"/>
+            <a:r>
+              <a:rPr kumimoji="1" lang="ja-JP" altLang="en-US"/>
+              <a:t>第 </a:t>
+            </a:r>
+            <a:r>
+              <a:rPr kumimoji="1" lang="en-US" altLang="ja-JP"/>
+              <a:t>4 </a:t>
+            </a:r>
+            <a:r>
+              <a:rPr kumimoji="1" lang="ja-JP" altLang="en-US"/>
+              <a:t>レベル</a:t>
+            </a:r>
+            <a:endParaRPr kumimoji="1" lang="ja-JP" altLang="en-US"/>
+          </a:p>
+          <a:p>
+            <a:pPr lvl="4"/>
+            <a:r>
+              <a:rPr kumimoji="1" lang="ja-JP" altLang="en-US"/>
+              <a:t>第 </a:t>
+            </a:r>
+            <a:r>
+              <a:rPr kumimoji="1" lang="en-US" altLang="ja-JP"/>
+              <a:t>5 </a:t>
+            </a:r>
+            <a:r>
+              <a:rPr kumimoji="1" lang="ja-JP" altLang="en-US"/>
+              <a:t>レベル</a:t>
+            </a:r>
+            <a:endParaRPr kumimoji="1" lang="ja-JP" altLang="en-US"/>
+          </a:p>
+        </p:txBody>
+      </p:sp>
+      <p:sp>
+        <p:nvSpPr>
+          <p:cNvPr id="7" name="日付プレースホルダー 6"/>
+          <p:cNvSpPr>
+            <a:spLocks noGrp="1"/>
+          </p:cNvSpPr>
+          <p:nvPr>
+            <p:ph type="dt" sz="half" idx="10"/>
+          </p:nvPr>
+        </p:nvSpPr>
+        <p:spPr/>
+        <p:txBody>
+          <a:bodyPr/>
+          <a:lstStyle/>
+          <a:p>
+            <a:fld id="{EF01AC3F-5B2B-4265-BEF4-31326588BC24}" type="datetimeFigureOut">
+              <a:rPr kumimoji="1" lang="ja-JP" altLang="en-US" smtClean="0"/>
+            </a:fld>
+            <a:endParaRPr kumimoji="1" lang="ja-JP" altLang="en-US"/>
+          </a:p>
+        </p:txBody>
+      </p:sp>
+      <p:sp>
+        <p:nvSpPr>
+          <p:cNvPr id="8" name="フッター プレースホルダー 7"/>
+          <p:cNvSpPr>
+            <a:spLocks noGrp="1"/>
+          </p:cNvSpPr>
+          <p:nvPr>
+            <p:ph type="ftr" sz="quarter" idx="11"/>
+          </p:nvPr>
+        </p:nvSpPr>
+        <p:spPr/>
+        <p:txBody>
+          <a:bodyPr/>
+          <a:lstStyle/>
+          <a:p>
+            <a:endParaRPr kumimoji="1" lang="ja-JP" altLang="en-US"/>
+          </a:p>
+        </p:txBody>
+      </p:sp>
+      <p:sp>
+        <p:nvSpPr>
+          <p:cNvPr id="9" name="スライド番号プレースホルダー 8"/>
+          <p:cNvSpPr>
+            <a:spLocks noGrp="1"/>
+          </p:cNvSpPr>
+          <p:nvPr>
+            <p:ph type="sldNum" sz="quarter" idx="12"/>
+          </p:nvPr>
+        </p:nvSpPr>
+        <p:spPr/>
+        <p:txBody>
+          <a:bodyPr/>
+          <a:lstStyle/>
+          <a:p>
+            <a:fld id="{55416541-5EAB-4E31-BA93-A38D44E03098}" type="slidenum">
+              <a:rPr kumimoji="1" lang="ja-JP" altLang="en-US" smtClean="0"/>
+            </a:fld>
+            <a:endParaRPr kumimoji="1" lang="ja-JP" altLang="en-US"/>
+          </a:p>
+        </p:txBody>
+      </p:sp>
+    </p:spTree>
+  </p:cSld>
+  <p:clrMapOvr>
+    <a:masterClrMapping/>
+  </p:clrMapOvr>
+</p:sldLayout>
+</file>
+
+<file path=ppt/slideLayouts/slideLayout6.xml><?xml version="1.0" encoding="utf-8"?>
+<p:sldLayout xmlns:a="http://schemas.openxmlformats.org/drawingml/2006/main" xmlns:r="http://schemas.openxmlformats.org/officeDocument/2006/relationships" xmlns:p="http://schemas.openxmlformats.org/presentationml/2006/main" type="titleOnly" preserve="1">
+  <p:cSld name="タイトルのみ">
+    <p:spTree>
+      <p:nvGrpSpPr>
+        <p:cNvPr id="1" name=""/>
+        <p:cNvGrpSpPr/>
+        <p:nvPr/>
+      </p:nvGrpSpPr>
+      <p:grpSpPr>
+        <a:xfrm>
+          <a:off x="0" y="0"/>
+          <a:ext cx="0" cy="0"/>
+          <a:chOff x="0" y="0"/>
+          <a:chExt cx="0" cy="0"/>
+        </a:xfrm>
+      </p:grpSpPr>
+      <p:sp>
+        <p:nvSpPr>
+          <p:cNvPr id="2" name="タイトル 1"/>
+          <p:cNvSpPr>
+            <a:spLocks noGrp="1"/>
+          </p:cNvSpPr>
+          <p:nvPr>
+            <p:ph type="title"/>
+          </p:nvPr>
+        </p:nvSpPr>
+        <p:spPr/>
+        <p:txBody>
+          <a:bodyPr/>
+          <a:lstStyle/>
+          <a:p>
+            <a:r>
+              <a:rPr kumimoji="1" lang="ja-JP" altLang="en-US"/>
+              <a:t>マスター タイトルの書式設定</a:t>
+            </a:r>
+            <a:endParaRPr kumimoji="1" lang="ja-JP" altLang="en-US"/>
+          </a:p>
+        </p:txBody>
+      </p:sp>
+      <p:sp>
+        <p:nvSpPr>
+          <p:cNvPr id="3" name="日付プレースホルダー 2"/>
+          <p:cNvSpPr>
+            <a:spLocks noGrp="1"/>
+          </p:cNvSpPr>
+          <p:nvPr>
+            <p:ph type="dt" sz="half" idx="10"/>
+          </p:nvPr>
+        </p:nvSpPr>
+        <p:spPr/>
+        <p:txBody>
+          <a:bodyPr/>
+          <a:lstStyle/>
+          <a:p>
+            <a:fld id="{EF01AC3F-5B2B-4265-BEF4-31326588BC24}" type="datetimeFigureOut">
+              <a:rPr kumimoji="1" lang="ja-JP" altLang="en-US" smtClean="0"/>
+            </a:fld>
+            <a:endParaRPr kumimoji="1" lang="ja-JP" altLang="en-US"/>
+          </a:p>
+        </p:txBody>
+      </p:sp>
+      <p:sp>
+        <p:nvSpPr>
+          <p:cNvPr id="4" name="フッター プレースホルダー 3"/>
+          <p:cNvSpPr>
+            <a:spLocks noGrp="1"/>
+          </p:cNvSpPr>
+          <p:nvPr>
+            <p:ph type="ftr" sz="quarter" idx="11"/>
+          </p:nvPr>
+        </p:nvSpPr>
+        <p:spPr/>
+        <p:txBody>
+          <a:bodyPr/>
+          <a:lstStyle/>
+          <a:p>
+            <a:endParaRPr kumimoji="1" lang="ja-JP" altLang="en-US"/>
+          </a:p>
+        </p:txBody>
+      </p:sp>
+      <p:sp>
+        <p:nvSpPr>
+          <p:cNvPr id="5" name="スライド番号プレースホルダー 4"/>
+          <p:cNvSpPr>
+            <a:spLocks noGrp="1"/>
+          </p:cNvSpPr>
+          <p:nvPr>
+            <p:ph type="sldNum" sz="quarter" idx="12"/>
+          </p:nvPr>
+        </p:nvSpPr>
+        <p:spPr/>
+        <p:txBody>
+          <a:bodyPr/>
+          <a:lstStyle/>
+          <a:p>
+            <a:fld id="{55416541-5EAB-4E31-BA93-A38D44E03098}" type="slidenum">
+              <a:rPr kumimoji="1" lang="ja-JP" altLang="en-US" smtClean="0"/>
+            </a:fld>
+            <a:endParaRPr kumimoji="1" lang="ja-JP" altLang="en-US"/>
+          </a:p>
+        </p:txBody>
+      </p:sp>
+    </p:spTree>
+  </p:cSld>
+  <p:clrMapOvr>
+    <a:masterClrMapping/>
+  </p:clrMapOvr>
+</p:sldLayout>
+</file>
+
+<file path=ppt/slideLayouts/slideLayout7.xml><?xml version="1.0" encoding="utf-8"?>
+<p:sldLayout xmlns:a="http://schemas.openxmlformats.org/drawingml/2006/main" xmlns:r="http://schemas.openxmlformats.org/officeDocument/2006/relationships" xmlns:p="http://schemas.openxmlformats.org/presentationml/2006/main" type="blank" preserve="1">
+  <p:cSld name="白紙">
+    <p:spTree>
+      <p:nvGrpSpPr>
+        <p:cNvPr id="1" name=""/>
+        <p:cNvGrpSpPr/>
+        <p:nvPr/>
+      </p:nvGrpSpPr>
+      <p:grpSpPr>
+        <a:xfrm>
+          <a:off x="0" y="0"/>
+          <a:ext cx="0" cy="0"/>
+          <a:chOff x="0" y="0"/>
+          <a:chExt cx="0" cy="0"/>
+        </a:xfrm>
+      </p:grpSpPr>
+      <p:sp>
+        <p:nvSpPr>
+          <p:cNvPr id="2" name="日付プレースホルダー 1"/>
+          <p:cNvSpPr>
+            <a:spLocks noGrp="1"/>
+          </p:cNvSpPr>
+          <p:nvPr>
+            <p:ph type="dt" sz="half" idx="10"/>
+          </p:nvPr>
+        </p:nvSpPr>
+        <p:spPr/>
+        <p:txBody>
+          <a:bodyPr/>
+          <a:lstStyle/>
+          <a:p>
+            <a:fld id="{EF01AC3F-5B2B-4265-BEF4-31326588BC24}" type="datetimeFigureOut">
+              <a:rPr kumimoji="1" lang="ja-JP" altLang="en-US" smtClean="0"/>
+            </a:fld>
+            <a:endParaRPr kumimoji="1" lang="ja-JP" altLang="en-US"/>
+          </a:p>
+        </p:txBody>
+      </p:sp>
+      <p:sp>
+        <p:nvSpPr>
+          <p:cNvPr id="3" name="フッター プレースホルダー 2"/>
+          <p:cNvSpPr>
+            <a:spLocks noGrp="1"/>
+          </p:cNvSpPr>
+          <p:nvPr>
+            <p:ph type="ftr" sz="quarter" idx="11"/>
+          </p:nvPr>
+        </p:nvSpPr>
+        <p:spPr/>
+        <p:txBody>
+          <a:bodyPr/>
+          <a:lstStyle/>
+          <a:p>
+            <a:endParaRPr kumimoji="1" lang="ja-JP" altLang="en-US"/>
+          </a:p>
+        </p:txBody>
+      </p:sp>
+      <p:sp>
+        <p:nvSpPr>
+          <p:cNvPr id="4" name="スライド番号プレースホルダー 3"/>
+          <p:cNvSpPr>
+            <a:spLocks noGrp="1"/>
+          </p:cNvSpPr>
+          <p:nvPr>
+            <p:ph type="sldNum" sz="quarter" idx="12"/>
+          </p:nvPr>
+        </p:nvSpPr>
+        <p:spPr/>
+        <p:txBody>
+          <a:bodyPr/>
+          <a:lstStyle/>
+          <a:p>
+            <a:fld id="{55416541-5EAB-4E31-BA93-A38D44E03098}" type="slidenum">
+              <a:rPr kumimoji="1" lang="ja-JP" altLang="en-US" smtClean="0"/>
+            </a:fld>
+            <a:endParaRPr kumimoji="1" lang="ja-JP" altLang="en-US"/>
+          </a:p>
+        </p:txBody>
+      </p:sp>
+    </p:spTree>
+  </p:cSld>
+  <p:clrMapOvr>
+    <a:masterClrMapping/>
+  </p:clrMapOvr>
+</p:sldLayout>
+</file>
+
+<file path=ppt/slideLayouts/slideLayout8.xml><?xml version="1.0" encoding="utf-8"?>
+<p:sldLayout xmlns:a="http://schemas.openxmlformats.org/drawingml/2006/main" xmlns:r="http://schemas.openxmlformats.org/officeDocument/2006/relationships" xmlns:p="http://schemas.openxmlformats.org/presentationml/2006/main" type="objTx" preserve="1">
+  <p:cSld name="タイトル付きのコンテンツ">
+    <p:spTree>
+      <p:nvGrpSpPr>
+        <p:cNvPr id="1" name=""/>
+        <p:cNvGrpSpPr/>
+        <p:nvPr/>
+      </p:nvGrpSpPr>
+      <p:grpSpPr>
+        <a:xfrm>
+          <a:off x="0" y="0"/>
+          <a:ext cx="0" cy="0"/>
+          <a:chOff x="0" y="0"/>
+          <a:chExt cx="0" cy="0"/>
+        </a:xfrm>
+      </p:grpSpPr>
+      <p:sp>
+        <p:nvSpPr>
+          <p:cNvPr id="2" name="タイトル 1"/>
+          <p:cNvSpPr>
+            <a:spLocks noGrp="1"/>
+          </p:cNvSpPr>
+          <p:nvPr>
+            <p:ph type="title"/>
+          </p:nvPr>
+        </p:nvSpPr>
+        <p:spPr>
+          <a:xfrm>
+            <a:off x="839788" y="457200"/>
+            <a:ext cx="3932237" cy="1600200"/>
+          </a:xfrm>
+        </p:spPr>
+        <p:txBody>
+          <a:bodyPr anchor="b"/>
+          <a:lstStyle>
+            <a:lvl1pPr>
+              <a:defRPr sz="3200"/>
+            </a:lvl1pPr>
+          </a:lstStyle>
+          <a:p>
+            <a:r>
+              <a:rPr kumimoji="1" lang="ja-JP" altLang="en-US"/>
+              <a:t>マスター タイトルの書式設定</a:t>
+            </a:r>
+            <a:endParaRPr kumimoji="1" lang="ja-JP" altLang="en-US"/>
+          </a:p>
+        </p:txBody>
+      </p:sp>
+      <p:sp>
+        <p:nvSpPr>
+          <p:cNvPr id="3" name="コンテンツ プレースホルダー 2"/>
+          <p:cNvSpPr>
+            <a:spLocks noGrp="1"/>
+          </p:cNvSpPr>
+          <p:nvPr>
+            <p:ph idx="1"/>
+          </p:nvPr>
+        </p:nvSpPr>
+        <p:spPr>
+          <a:xfrm>
+            <a:off x="5183188" y="987425"/>
+            <a:ext cx="6172200" cy="4873625"/>
+          </a:xfrm>
+        </p:spPr>
+        <p:txBody>
+          <a:bodyPr/>
+          <a:lstStyle>
+            <a:lvl1pPr>
+              <a:defRPr sz="3200"/>
+            </a:lvl1pPr>
+            <a:lvl2pPr>
+              <a:defRPr sz="2800"/>
+            </a:lvl2pPr>
+            <a:lvl3pPr>
+              <a:defRPr sz="2400"/>
+            </a:lvl3pPr>
+            <a:lvl4pPr>
+              <a:defRPr sz="2000"/>
+            </a:lvl4pPr>
+            <a:lvl5pPr>
+              <a:defRPr sz="2000"/>
+            </a:lvl5pPr>
+            <a:lvl6pPr>
+              <a:defRPr sz="2000"/>
+            </a:lvl6pPr>
+            <a:lvl7pPr>
+              <a:defRPr sz="2000"/>
+            </a:lvl7pPr>
+            <a:lvl8pPr>
+              <a:defRPr sz="2000"/>
+            </a:lvl8pPr>
+            <a:lvl9pPr>
+              <a:defRPr sz="2000"/>
+            </a:lvl9pPr>
+          </a:lstStyle>
+          <a:p>
+            <a:pPr lvl="0"/>
+            <a:r>
+              <a:rPr kumimoji="1" lang="ja-JP" altLang="en-US"/>
+              <a:t>マスター テキストの書式設定</a:t>
+            </a:r>
+            <a:endParaRPr kumimoji="1" lang="ja-JP" altLang="en-US"/>
+          </a:p>
+          <a:p>
+            <a:pPr lvl="1"/>
+            <a:r>
+              <a:rPr kumimoji="1" lang="ja-JP" altLang="en-US"/>
+              <a:t>第 </a:t>
+            </a:r>
+            <a:r>
+              <a:rPr kumimoji="1" lang="en-US" altLang="ja-JP"/>
+              <a:t>2 </a:t>
+            </a:r>
+            <a:r>
+              <a:rPr kumimoji="1" lang="ja-JP" altLang="en-US"/>
+              <a:t>レベル</a:t>
+            </a:r>
+            <a:endParaRPr kumimoji="1" lang="ja-JP" altLang="en-US"/>
+          </a:p>
+          <a:p>
+            <a:pPr lvl="2"/>
+            <a:r>
+              <a:rPr kumimoji="1" lang="ja-JP" altLang="en-US"/>
+              <a:t>第 </a:t>
+            </a:r>
+            <a:r>
+              <a:rPr kumimoji="1" lang="en-US" altLang="ja-JP"/>
+              <a:t>3 </a:t>
+            </a:r>
+            <a:r>
+              <a:rPr kumimoji="1" lang="ja-JP" altLang="en-US"/>
+              <a:t>レベル</a:t>
+            </a:r>
+            <a:endParaRPr kumimoji="1" lang="ja-JP" altLang="en-US"/>
+          </a:p>
+          <a:p>
+            <a:pPr lvl="3"/>
+            <a:r>
+              <a:rPr kumimoji="1" lang="ja-JP" altLang="en-US"/>
+              <a:t>第 </a:t>
+            </a:r>
+            <a:r>
+              <a:rPr kumimoji="1" lang="en-US" altLang="ja-JP"/>
+              <a:t>4 </a:t>
+            </a:r>
+            <a:r>
+              <a:rPr kumimoji="1" lang="ja-JP" altLang="en-US"/>
+              <a:t>レベル</a:t>
+            </a:r>
+            <a:endParaRPr kumimoji="1" lang="ja-JP" altLang="en-US"/>
+          </a:p>
+          <a:p>
+            <a:pPr lvl="4"/>
+            <a:r>
+              <a:rPr kumimoji="1" lang="ja-JP" altLang="en-US"/>
+              <a:t>第 </a:t>
+            </a:r>
+            <a:r>
+              <a:rPr kumimoji="1" lang="en-US" altLang="ja-JP"/>
+              <a:t>5 </a:t>
+            </a:r>
+            <a:r>
+              <a:rPr kumimoji="1" lang="ja-JP" altLang="en-US"/>
+              <a:t>レベル</a:t>
+            </a:r>
+            <a:endParaRPr kumimoji="1" lang="ja-JP" altLang="en-US"/>
+          </a:p>
+        </p:txBody>
+      </p:sp>
+      <p:sp>
+        <p:nvSpPr>
+          <p:cNvPr id="4" name="テキスト プレースホルダー 3"/>
+          <p:cNvSpPr>
+            <a:spLocks noGrp="1"/>
+          </p:cNvSpPr>
+          <p:nvPr>
+            <p:ph type="body" sz="half" idx="2"/>
+          </p:nvPr>
+        </p:nvSpPr>
+        <p:spPr>
+          <a:xfrm>
+            <a:off x="839788" y="2057400"/>
+            <a:ext cx="3932237" cy="3811588"/>
+          </a:xfrm>
+        </p:spPr>
+        <p:txBody>
+          <a:bodyPr/>
+          <a:lstStyle>
+            <a:lvl1pPr marL="0" indent="0">
+              <a:buNone/>
+              <a:defRPr sz="1600"/>
+            </a:lvl1pPr>
+            <a:lvl2pPr marL="457200" indent="0">
+              <a:buNone/>
+              <a:defRPr sz="1400"/>
+            </a:lvl2pPr>
+            <a:lvl3pPr marL="914400" indent="0">
+              <a:buNone/>
+              <a:defRPr sz="1200"/>
+            </a:lvl3pPr>
+            <a:lvl4pPr marL="1371600" indent="0">
+              <a:buNone/>
+              <a:defRPr sz="1000"/>
+            </a:lvl4pPr>
+            <a:lvl5pPr marL="1828800" indent="0">
+              <a:buNone/>
+              <a:defRPr sz="1000"/>
+            </a:lvl5pPr>
+            <a:lvl6pPr marL="2286000" indent="0">
+              <a:buNone/>
+              <a:defRPr sz="1000"/>
+            </a:lvl6pPr>
+            <a:lvl7pPr marL="2743200" indent="0">
+              <a:buNone/>
+              <a:defRPr sz="1000"/>
+            </a:lvl7pPr>
+            <a:lvl8pPr marL="3200400" indent="0">
+              <a:buNone/>
+              <a:defRPr sz="1000"/>
+            </a:lvl8pPr>
+            <a:lvl9pPr marL="3657600" indent="0">
+              <a:buNone/>
+              <a:defRPr sz="1000"/>
+            </a:lvl9pPr>
+          </a:lstStyle>
+          <a:p>
+            <a:pPr lvl="0"/>
+            <a:r>
+              <a:rPr kumimoji="1" lang="ja-JP" altLang="en-US"/>
+              <a:t>マスター テキストの書式設定</a:t>
+            </a:r>
+            <a:endParaRPr kumimoji="1" lang="ja-JP" altLang="en-US"/>
+          </a:p>
+        </p:txBody>
+      </p:sp>
+      <p:sp>
+        <p:nvSpPr>
+          <p:cNvPr id="5" name="日付プレースホルダー 4"/>
+          <p:cNvSpPr>
+            <a:spLocks noGrp="1"/>
+          </p:cNvSpPr>
+          <p:nvPr>
+            <p:ph type="dt" sz="half" idx="10"/>
+          </p:nvPr>
+        </p:nvSpPr>
+        <p:spPr/>
+        <p:txBody>
+          <a:bodyPr/>
+          <a:lstStyle/>
+          <a:p>
+            <a:fld id="{EF01AC3F-5B2B-4265-BEF4-31326588BC24}" type="datetimeFigureOut">
+              <a:rPr kumimoji="1" lang="ja-JP" altLang="en-US" smtClean="0"/>
+            </a:fld>
+            <a:endParaRPr kumimoji="1" lang="ja-JP" altLang="en-US"/>
+          </a:p>
+        </p:txBody>
+      </p:sp>
+      <p:sp>
+        <p:nvSpPr>
+          <p:cNvPr id="6" name="フッター プレースホルダー 5"/>
+          <p:cNvSpPr>
+            <a:spLocks noGrp="1"/>
+          </p:cNvSpPr>
+          <p:nvPr>
+            <p:ph type="ftr" sz="quarter" idx="11"/>
+          </p:nvPr>
+        </p:nvSpPr>
+        <p:spPr/>
+        <p:txBody>
+          <a:bodyPr/>
+          <a:lstStyle/>
+          <a:p>
+            <a:endParaRPr kumimoji="1" lang="ja-JP" altLang="en-US"/>
+          </a:p>
+        </p:txBody>
+      </p:sp>
+      <p:sp>
+        <p:nvSpPr>
+          <p:cNvPr id="7" name="スライド番号プレースホルダー 6"/>
+          <p:cNvSpPr>
+            <a:spLocks noGrp="1"/>
+          </p:cNvSpPr>
+          <p:nvPr>
+            <p:ph type="sldNum" sz="quarter" idx="12"/>
+          </p:nvPr>
+        </p:nvSpPr>
+        <p:spPr/>
+        <p:txBody>
+          <a:bodyPr/>
+          <a:lstStyle/>
+          <a:p>
+            <a:fld id="{55416541-5EAB-4E31-BA93-A38D44E03098}" type="slidenum">
+              <a:rPr kumimoji="1" lang="ja-JP" altLang="en-US" smtClean="0"/>
+            </a:fld>
+            <a:endParaRPr kumimoji="1" lang="ja-JP" altLang="en-US"/>
+          </a:p>
+        </p:txBody>
+      </p:sp>
+    </p:spTree>
   </p:cSld>
   <p:clrMapOvr>
     <a:masterClrMapping/>
@@ -2741,13 +4929,7 @@
       </p:grpSpPr>
       <p:sp>
         <p:nvSpPr>
-          <p:cNvPr id="2" name="タイトル 1">
-            <a:extLst>
-              <a:ext uri="{FF2B5EF4-FFF2-40B4-BE49-F238E27FC236}">
-                <a16:creationId xmlns:a16="http://schemas.microsoft.com/office/drawing/2014/main" id="{2520E80D-8E2D-4412-AC3B-E9549056CE27}"/>
-              </a:ext>
-            </a:extLst>
-          </p:cNvPr>
+          <p:cNvPr id="2" name="タイトル 1"/>
           <p:cNvSpPr>
             <a:spLocks noGrp="1"/>
           </p:cNvSpPr>
@@ -2773,18 +4955,13 @@
               <a:rPr kumimoji="1" lang="ja-JP" altLang="en-US"/>
               <a:t>マスター タイトルの書式設定</a:t>
             </a:r>
-          </a:p>
-        </p:txBody>
-      </p:sp>
-      <p:sp>
-        <p:nvSpPr>
-          <p:cNvPr id="3" name="図プレースホルダー 2">
-            <a:extLst>
-              <a:ext uri="{FF2B5EF4-FFF2-40B4-BE49-F238E27FC236}">
-                <a16:creationId xmlns:a16="http://schemas.microsoft.com/office/drawing/2014/main" id="{52DA8B3B-12F5-4D19-A8AC-90AF75F8B470}"/>
-              </a:ext>
-            </a:extLst>
-          </p:cNvPr>
+            <a:endParaRPr kumimoji="1" lang="ja-JP" altLang="en-US"/>
+          </a:p>
+        </p:txBody>
+      </p:sp>
+      <p:sp>
+        <p:nvSpPr>
+          <p:cNvPr id="3" name="図プレースホルダー 2"/>
           <p:cNvSpPr>
             <a:spLocks noGrp="1"/>
           </p:cNvSpPr>
@@ -2845,13 +5022,7 @@
       </p:sp>
       <p:sp>
         <p:nvSpPr>
-          <p:cNvPr id="4" name="テキスト プレースホルダー 3">
-            <a:extLst>
-              <a:ext uri="{FF2B5EF4-FFF2-40B4-BE49-F238E27FC236}">
-                <a16:creationId xmlns:a16="http://schemas.microsoft.com/office/drawing/2014/main" id="{8355226A-49D0-40D0-A8BF-E7FB0CA0EFB3}"/>
-              </a:ext>
-            </a:extLst>
-          </p:cNvPr>
+          <p:cNvPr id="4" name="テキスト プレースホルダー 3"/>
           <p:cNvSpPr>
             <a:spLocks noGrp="1"/>
           </p:cNvSpPr>
@@ -2911,18 +5082,13 @@
               <a:rPr kumimoji="1" lang="ja-JP" altLang="en-US"/>
               <a:t>マスター テキストの書式設定</a:t>
             </a:r>
-          </a:p>
-        </p:txBody>
-      </p:sp>
-      <p:sp>
-        <p:nvSpPr>
-          <p:cNvPr id="5" name="日付プレースホルダー 4">
-            <a:extLst>
-              <a:ext uri="{FF2B5EF4-FFF2-40B4-BE49-F238E27FC236}">
-                <a16:creationId xmlns:a16="http://schemas.microsoft.com/office/drawing/2014/main" id="{4166C2A8-71E7-4770-99A5-F5A2373335B9}"/>
-              </a:ext>
-            </a:extLst>
-          </p:cNvPr>
+            <a:endParaRPr kumimoji="1" lang="ja-JP" altLang="en-US"/>
+          </a:p>
+        </p:txBody>
+      </p:sp>
+      <p:sp>
+        <p:nvSpPr>
+          <p:cNvPr id="5" name="日付プレースホルダー 4"/>
           <p:cNvSpPr>
             <a:spLocks noGrp="1"/>
           </p:cNvSpPr>
@@ -2937,7 +5103,6 @@
           <a:p>
             <a:fld id="{EF01AC3F-5B2B-4265-BEF4-31326588BC24}" type="datetimeFigureOut">
               <a:rPr kumimoji="1" lang="ja-JP" altLang="en-US" smtClean="0"/>
-              <a:t>2021/10/21</a:t>
             </a:fld>
             <a:endParaRPr kumimoji="1" lang="ja-JP" altLang="en-US"/>
           </a:p>
@@ -2945,13 +5110,7 @@
       </p:sp>
       <p:sp>
         <p:nvSpPr>
-          <p:cNvPr id="6" name="フッター プレースホルダー 5">
-            <a:extLst>
-              <a:ext uri="{FF2B5EF4-FFF2-40B4-BE49-F238E27FC236}">
-                <a16:creationId xmlns:a16="http://schemas.microsoft.com/office/drawing/2014/main" id="{867C2ADD-C112-4BE2-ABA4-270DD9E8E258}"/>
-              </a:ext>
-            </a:extLst>
-          </p:cNvPr>
+          <p:cNvPr id="6" name="フッター プレースホルダー 5"/>
           <p:cNvSpPr>
             <a:spLocks noGrp="1"/>
           </p:cNvSpPr>
@@ -2970,13 +5129,7 @@
       </p:sp>
       <p:sp>
         <p:nvSpPr>
-          <p:cNvPr id="7" name="スライド番号プレースホルダー 6">
-            <a:extLst>
-              <a:ext uri="{FF2B5EF4-FFF2-40B4-BE49-F238E27FC236}">
-                <a16:creationId xmlns:a16="http://schemas.microsoft.com/office/drawing/2014/main" id="{B8B83A85-46DB-4138-88FA-A62F5BAA3794}"/>
-              </a:ext>
-            </a:extLst>
-          </p:cNvPr>
+          <p:cNvPr id="7" name="スライド番号プレースホルダー 6"/>
           <p:cNvSpPr>
             <a:spLocks noGrp="1"/>
           </p:cNvSpPr>
@@ -2991,18 +5144,12 @@
           <a:p>
             <a:fld id="{55416541-5EAB-4E31-BA93-A38D44E03098}" type="slidenum">
               <a:rPr kumimoji="1" lang="ja-JP" altLang="en-US" smtClean="0"/>
-              <a:t>‹#›</a:t>
             </a:fld>
             <a:endParaRPr kumimoji="1" lang="ja-JP" altLang="en-US"/>
           </a:p>
         </p:txBody>
       </p:sp>
     </p:spTree>
-    <p:extLst>
-      <p:ext uri="{BB962C8B-B14F-4D97-AF65-F5344CB8AC3E}">
-        <p14:creationId xmlns:p14="http://schemas.microsoft.com/office/powerpoint/2010/main" val="408383455"/>
-      </p:ext>
-    </p:extLst>
   </p:cSld>
   <p:clrMapOvr>
     <a:masterClrMapping/>
@@ -3034,13 +5181,7 @@
       </p:grpSpPr>
       <p:sp>
         <p:nvSpPr>
-          <p:cNvPr id="2" name="タイトル プレースホルダー 1">
-            <a:extLst>
-              <a:ext uri="{FF2B5EF4-FFF2-40B4-BE49-F238E27FC236}">
-                <a16:creationId xmlns:a16="http://schemas.microsoft.com/office/drawing/2014/main" id="{3EE162BC-30A9-48DD-9EE1-6A757F28946D}"/>
-              </a:ext>
-            </a:extLst>
-          </p:cNvPr>
+          <p:cNvPr id="2" name="タイトル プレースホルダー 1"/>
           <p:cNvSpPr>
             <a:spLocks noGrp="1"/>
           </p:cNvSpPr>
@@ -3067,18 +5208,13 @@
               <a:rPr kumimoji="1" lang="ja-JP" altLang="en-US"/>
               <a:t>マスター タイトルの書式設定</a:t>
             </a:r>
-          </a:p>
-        </p:txBody>
-      </p:sp>
-      <p:sp>
-        <p:nvSpPr>
-          <p:cNvPr id="3" name="テキスト プレースホルダー 2">
-            <a:extLst>
-              <a:ext uri="{FF2B5EF4-FFF2-40B4-BE49-F238E27FC236}">
-                <a16:creationId xmlns:a16="http://schemas.microsoft.com/office/drawing/2014/main" id="{D89B54DA-31AA-4E62-A0EA-4459D3A1C429}"/>
-              </a:ext>
-            </a:extLst>
-          </p:cNvPr>
+            <a:endParaRPr kumimoji="1" lang="ja-JP" altLang="en-US"/>
+          </a:p>
+        </p:txBody>
+      </p:sp>
+      <p:sp>
+        <p:nvSpPr>
+          <p:cNvPr id="3" name="テキスト プレースホルダー 2"/>
           <p:cNvSpPr>
             <a:spLocks noGrp="1"/>
           </p:cNvSpPr>
@@ -3106,6 +5242,7 @@
               <a:rPr kumimoji="1" lang="ja-JP" altLang="en-US"/>
               <a:t>マスター テキストの書式設定</a:t>
             </a:r>
+            <a:endParaRPr kumimoji="1" lang="ja-JP" altLang="en-US"/>
           </a:p>
           <a:p>
             <a:pPr lvl="1"/>
@@ -3121,6 +5258,7 @@
               <a:rPr kumimoji="1" lang="ja-JP" altLang="en-US"/>
               <a:t>レベル</a:t>
             </a:r>
+            <a:endParaRPr kumimoji="1" lang="ja-JP" altLang="en-US"/>
           </a:p>
           <a:p>
             <a:pPr lvl="2"/>
@@ -3136,6 +5274,7 @@
               <a:rPr kumimoji="1" lang="ja-JP" altLang="en-US"/>
               <a:t>レベル</a:t>
             </a:r>
+            <a:endParaRPr kumimoji="1" lang="ja-JP" altLang="en-US"/>
           </a:p>
           <a:p>
             <a:pPr lvl="3"/>
@@ -3151,6 +5290,7 @@
               <a:rPr kumimoji="1" lang="ja-JP" altLang="en-US"/>
               <a:t>レベル</a:t>
             </a:r>
+            <a:endParaRPr kumimoji="1" lang="ja-JP" altLang="en-US"/>
           </a:p>
           <a:p>
             <a:pPr lvl="4"/>
@@ -3166,18 +5306,13 @@
               <a:rPr kumimoji="1" lang="ja-JP" altLang="en-US"/>
               <a:t>レベル</a:t>
             </a:r>
-          </a:p>
-        </p:txBody>
-      </p:sp>
-      <p:sp>
-        <p:nvSpPr>
-          <p:cNvPr id="4" name="日付プレースホルダー 3">
-            <a:extLst>
-              <a:ext uri="{FF2B5EF4-FFF2-40B4-BE49-F238E27FC236}">
-                <a16:creationId xmlns:a16="http://schemas.microsoft.com/office/drawing/2014/main" id="{166BF8C6-358E-449E-8A93-1255FC5786A4}"/>
-              </a:ext>
-            </a:extLst>
-          </p:cNvPr>
+            <a:endParaRPr kumimoji="1" lang="ja-JP" altLang="en-US"/>
+          </a:p>
+        </p:txBody>
+      </p:sp>
+      <p:sp>
+        <p:nvSpPr>
+          <p:cNvPr id="4" name="日付プレースホルダー 3"/>
           <p:cNvSpPr>
             <a:spLocks noGrp="1"/>
           </p:cNvSpPr>
@@ -3210,7 +5345,6 @@
           <a:p>
             <a:fld id="{EF01AC3F-5B2B-4265-BEF4-31326588BC24}" type="datetimeFigureOut">
               <a:rPr kumimoji="1" lang="ja-JP" altLang="en-US" smtClean="0"/>
-              <a:t>2021/10/21</a:t>
             </a:fld>
             <a:endParaRPr kumimoji="1" lang="ja-JP" altLang="en-US"/>
           </a:p>
@@ -3218,13 +5352,7 @@
       </p:sp>
       <p:sp>
         <p:nvSpPr>
-          <p:cNvPr id="5" name="フッター プレースホルダー 4">
-            <a:extLst>
-              <a:ext uri="{FF2B5EF4-FFF2-40B4-BE49-F238E27FC236}">
-                <a16:creationId xmlns:a16="http://schemas.microsoft.com/office/drawing/2014/main" id="{5DC56E51-C87C-4279-9127-B92C4BD1AE04}"/>
-              </a:ext>
-            </a:extLst>
-          </p:cNvPr>
+          <p:cNvPr id="5" name="フッター プレースホルダー 4"/>
           <p:cNvSpPr>
             <a:spLocks noGrp="1"/>
           </p:cNvSpPr>
@@ -3261,13 +5389,7 @@
       </p:sp>
       <p:sp>
         <p:nvSpPr>
-          <p:cNvPr id="6" name="スライド番号プレースホルダー 5">
-            <a:extLst>
-              <a:ext uri="{FF2B5EF4-FFF2-40B4-BE49-F238E27FC236}">
-                <a16:creationId xmlns:a16="http://schemas.microsoft.com/office/drawing/2014/main" id="{36D47280-421E-4B2F-9E51-612F9EA6D1C9}"/>
-              </a:ext>
-            </a:extLst>
-          </p:cNvPr>
+          <p:cNvPr id="6" name="スライド番号プレースホルダー 5"/>
           <p:cNvSpPr>
             <a:spLocks noGrp="1"/>
           </p:cNvSpPr>
@@ -3300,18 +5422,12 @@
           <a:p>
             <a:fld id="{55416541-5EAB-4E31-BA93-A38D44E03098}" type="slidenum">
               <a:rPr kumimoji="1" lang="ja-JP" altLang="en-US" smtClean="0"/>
-              <a:t>‹#›</a:t>
             </a:fld>
             <a:endParaRPr kumimoji="1" lang="ja-JP" altLang="en-US"/>
           </a:p>
         </p:txBody>
       </p:sp>
     </p:spTree>
-    <p:extLst>
-      <p:ext uri="{BB962C8B-B14F-4D97-AF65-F5344CB8AC3E}">
-        <p14:creationId xmlns:p14="http://schemas.microsoft.com/office/powerpoint/2010/main" val="2190620471"/>
-      </p:ext>
-    </p:extLst>
   </p:cSld>
   <p:clrMap bg1="lt1" tx1="dk1" bg2="lt2" tx2="dk2" accent1="accent1" accent2="accent2" accent3="accent3" accent4="accent4" accent5="accent5" accent6="accent6" hlink="hlink" folHlink="folHlink"/>
   <p:sldLayoutIdLst>
@@ -3326,6 +5442,575 @@
     <p:sldLayoutId id="2147483657" r:id="rId9"/>
     <p:sldLayoutId id="2147483658" r:id="rId10"/>
     <p:sldLayoutId id="2147483659" r:id="rId11"/>
+  </p:sldLayoutIdLst>
+  <p:txStyles>
+    <p:titleStyle>
+      <a:lvl1pPr algn="l" defTabSz="914400" rtl="0" eaLnBrk="1" latinLnBrk="0" hangingPunct="1">
+        <a:lnSpc>
+          <a:spcPct val="90000"/>
+        </a:lnSpc>
+        <a:spcBef>
+          <a:spcPct val="0"/>
+        </a:spcBef>
+        <a:buNone/>
+        <a:defRPr kumimoji="1" sz="4400" kern="1200">
+          <a:solidFill>
+            <a:schemeClr val="tx1"/>
+          </a:solidFill>
+          <a:latin typeface="+mj-lt"/>
+          <a:ea typeface="+mj-ea"/>
+          <a:cs typeface="+mj-cs"/>
+        </a:defRPr>
+      </a:lvl1pPr>
+    </p:titleStyle>
+    <p:bodyStyle>
+      <a:lvl1pPr marL="228600" indent="-228600" algn="l" defTabSz="914400" rtl="0" eaLnBrk="1" latinLnBrk="0" hangingPunct="1">
+        <a:lnSpc>
+          <a:spcPct val="90000"/>
+        </a:lnSpc>
+        <a:spcBef>
+          <a:spcPts val="1000"/>
+        </a:spcBef>
+        <a:buFont typeface="Arial" panose="020B0604020202020204" pitchFamily="34" charset="0"/>
+        <a:buChar char="•"/>
+        <a:defRPr kumimoji="1" sz="2800" kern="1200">
+          <a:solidFill>
+            <a:schemeClr val="tx1"/>
+          </a:solidFill>
+          <a:latin typeface="+mn-lt"/>
+          <a:ea typeface="+mn-ea"/>
+          <a:cs typeface="+mn-cs"/>
+        </a:defRPr>
+      </a:lvl1pPr>
+      <a:lvl2pPr marL="685800" indent="-228600" algn="l" defTabSz="914400" rtl="0" eaLnBrk="1" latinLnBrk="0" hangingPunct="1">
+        <a:lnSpc>
+          <a:spcPct val="90000"/>
+        </a:lnSpc>
+        <a:spcBef>
+          <a:spcPts val="500"/>
+        </a:spcBef>
+        <a:buFont typeface="Arial" panose="020B0604020202020204" pitchFamily="34" charset="0"/>
+        <a:buChar char="•"/>
+        <a:defRPr kumimoji="1" sz="2400" kern="1200">
+          <a:solidFill>
+            <a:schemeClr val="tx1"/>
+          </a:solidFill>
+          <a:latin typeface="+mn-lt"/>
+          <a:ea typeface="+mn-ea"/>
+          <a:cs typeface="+mn-cs"/>
+        </a:defRPr>
+      </a:lvl2pPr>
+      <a:lvl3pPr marL="1143000" indent="-228600" algn="l" defTabSz="914400" rtl="0" eaLnBrk="1" latinLnBrk="0" hangingPunct="1">
+        <a:lnSpc>
+          <a:spcPct val="90000"/>
+        </a:lnSpc>
+        <a:spcBef>
+          <a:spcPts val="500"/>
+        </a:spcBef>
+        <a:buFont typeface="Arial" panose="020B0604020202020204" pitchFamily="34" charset="0"/>
+        <a:buChar char="•"/>
+        <a:defRPr kumimoji="1" sz="2000" kern="1200">
+          <a:solidFill>
+            <a:schemeClr val="tx1"/>
+          </a:solidFill>
+          <a:latin typeface="+mn-lt"/>
+          <a:ea typeface="+mn-ea"/>
+          <a:cs typeface="+mn-cs"/>
+        </a:defRPr>
+      </a:lvl3pPr>
+      <a:lvl4pPr marL="1600200" indent="-228600" algn="l" defTabSz="914400" rtl="0" eaLnBrk="1" latinLnBrk="0" hangingPunct="1">
+        <a:lnSpc>
+          <a:spcPct val="90000"/>
+        </a:lnSpc>
+        <a:spcBef>
+          <a:spcPts val="500"/>
+        </a:spcBef>
+        <a:buFont typeface="Arial" panose="020B0604020202020204" pitchFamily="34" charset="0"/>
+        <a:buChar char="•"/>
+        <a:defRPr kumimoji="1" sz="1800" kern="1200">
+          <a:solidFill>
+            <a:schemeClr val="tx1"/>
+          </a:solidFill>
+          <a:latin typeface="+mn-lt"/>
+          <a:ea typeface="+mn-ea"/>
+          <a:cs typeface="+mn-cs"/>
+        </a:defRPr>
+      </a:lvl4pPr>
+      <a:lvl5pPr marL="2057400" indent="-228600" algn="l" defTabSz="914400" rtl="0" eaLnBrk="1" latinLnBrk="0" hangingPunct="1">
+        <a:lnSpc>
+          <a:spcPct val="90000"/>
+        </a:lnSpc>
+        <a:spcBef>
+          <a:spcPts val="500"/>
+        </a:spcBef>
+        <a:buFont typeface="Arial" panose="020B0604020202020204" pitchFamily="34" charset="0"/>
+        <a:buChar char="•"/>
+        <a:defRPr kumimoji="1" sz="1800" kern="1200">
+          <a:solidFill>
+            <a:schemeClr val="tx1"/>
+          </a:solidFill>
+          <a:latin typeface="+mn-lt"/>
+          <a:ea typeface="+mn-ea"/>
+          <a:cs typeface="+mn-cs"/>
+        </a:defRPr>
+      </a:lvl5pPr>
+      <a:lvl6pPr marL="2514600" indent="-228600" algn="l" defTabSz="914400" rtl="0" eaLnBrk="1" latinLnBrk="0" hangingPunct="1">
+        <a:lnSpc>
+          <a:spcPct val="90000"/>
+        </a:lnSpc>
+        <a:spcBef>
+          <a:spcPts val="500"/>
+        </a:spcBef>
+        <a:buFont typeface="Arial" panose="020B0604020202020204" pitchFamily="34" charset="0"/>
+        <a:buChar char="•"/>
+        <a:defRPr kumimoji="1" sz="1800" kern="1200">
+          <a:solidFill>
+            <a:schemeClr val="tx1"/>
+          </a:solidFill>
+          <a:latin typeface="+mn-lt"/>
+          <a:ea typeface="+mn-ea"/>
+          <a:cs typeface="+mn-cs"/>
+        </a:defRPr>
+      </a:lvl6pPr>
+      <a:lvl7pPr marL="2971800" indent="-228600" algn="l" defTabSz="914400" rtl="0" eaLnBrk="1" latinLnBrk="0" hangingPunct="1">
+        <a:lnSpc>
+          <a:spcPct val="90000"/>
+        </a:lnSpc>
+        <a:spcBef>
+          <a:spcPts val="500"/>
+        </a:spcBef>
+        <a:buFont typeface="Arial" panose="020B0604020202020204" pitchFamily="34" charset="0"/>
+        <a:buChar char="•"/>
+        <a:defRPr kumimoji="1" sz="1800" kern="1200">
+          <a:solidFill>
+            <a:schemeClr val="tx1"/>
+          </a:solidFill>
+          <a:latin typeface="+mn-lt"/>
+          <a:ea typeface="+mn-ea"/>
+          <a:cs typeface="+mn-cs"/>
+        </a:defRPr>
+      </a:lvl7pPr>
+      <a:lvl8pPr marL="3429000" indent="-228600" algn="l" defTabSz="914400" rtl="0" eaLnBrk="1" latinLnBrk="0" hangingPunct="1">
+        <a:lnSpc>
+          <a:spcPct val="90000"/>
+        </a:lnSpc>
+        <a:spcBef>
+          <a:spcPts val="500"/>
+        </a:spcBef>
+        <a:buFont typeface="Arial" panose="020B0604020202020204" pitchFamily="34" charset="0"/>
+        <a:buChar char="•"/>
+        <a:defRPr kumimoji="1" sz="1800" kern="1200">
+          <a:solidFill>
+            <a:schemeClr val="tx1"/>
+          </a:solidFill>
+          <a:latin typeface="+mn-lt"/>
+          <a:ea typeface="+mn-ea"/>
+          <a:cs typeface="+mn-cs"/>
+        </a:defRPr>
+      </a:lvl8pPr>
+      <a:lvl9pPr marL="3886200" indent="-228600" algn="l" defTabSz="914400" rtl="0" eaLnBrk="1" latinLnBrk="0" hangingPunct="1">
+        <a:lnSpc>
+          <a:spcPct val="90000"/>
+        </a:lnSpc>
+        <a:spcBef>
+          <a:spcPts val="500"/>
+        </a:spcBef>
+        <a:buFont typeface="Arial" panose="020B0604020202020204" pitchFamily="34" charset="0"/>
+        <a:buChar char="•"/>
+        <a:defRPr kumimoji="1" sz="1800" kern="1200">
+          <a:solidFill>
+            <a:schemeClr val="tx1"/>
+          </a:solidFill>
+          <a:latin typeface="+mn-lt"/>
+          <a:ea typeface="+mn-ea"/>
+          <a:cs typeface="+mn-cs"/>
+        </a:defRPr>
+      </a:lvl9pPr>
+    </p:bodyStyle>
+    <p:otherStyle>
+      <a:defPPr>
+        <a:defRPr lang="ja-JP"/>
+      </a:defPPr>
+      <a:lvl1pPr marL="0" algn="l" defTabSz="914400" rtl="0" eaLnBrk="1" latinLnBrk="0" hangingPunct="1">
+        <a:defRPr kumimoji="1" sz="1800" kern="1200">
+          <a:solidFill>
+            <a:schemeClr val="tx1"/>
+          </a:solidFill>
+          <a:latin typeface="+mn-lt"/>
+          <a:ea typeface="+mn-ea"/>
+          <a:cs typeface="+mn-cs"/>
+        </a:defRPr>
+      </a:lvl1pPr>
+      <a:lvl2pPr marL="457200" algn="l" defTabSz="914400" rtl="0" eaLnBrk="1" latinLnBrk="0" hangingPunct="1">
+        <a:defRPr kumimoji="1" sz="1800" kern="1200">
+          <a:solidFill>
+            <a:schemeClr val="tx1"/>
+          </a:solidFill>
+          <a:latin typeface="+mn-lt"/>
+          <a:ea typeface="+mn-ea"/>
+          <a:cs typeface="+mn-cs"/>
+        </a:defRPr>
+      </a:lvl2pPr>
+      <a:lvl3pPr marL="914400" algn="l" defTabSz="914400" rtl="0" eaLnBrk="1" latinLnBrk="0" hangingPunct="1">
+        <a:defRPr kumimoji="1" sz="1800" kern="1200">
+          <a:solidFill>
+            <a:schemeClr val="tx1"/>
+          </a:solidFill>
+          <a:latin typeface="+mn-lt"/>
+          <a:ea typeface="+mn-ea"/>
+          <a:cs typeface="+mn-cs"/>
+        </a:defRPr>
+      </a:lvl3pPr>
+      <a:lvl4pPr marL="1371600" algn="l" defTabSz="914400" rtl="0" eaLnBrk="1" latinLnBrk="0" hangingPunct="1">
+        <a:defRPr kumimoji="1" sz="1800" kern="1200">
+          <a:solidFill>
+            <a:schemeClr val="tx1"/>
+          </a:solidFill>
+          <a:latin typeface="+mn-lt"/>
+          <a:ea typeface="+mn-ea"/>
+          <a:cs typeface="+mn-cs"/>
+        </a:defRPr>
+      </a:lvl4pPr>
+      <a:lvl5pPr marL="1828800" algn="l" defTabSz="914400" rtl="0" eaLnBrk="1" latinLnBrk="0" hangingPunct="1">
+        <a:defRPr kumimoji="1" sz="1800" kern="1200">
+          <a:solidFill>
+            <a:schemeClr val="tx1"/>
+          </a:solidFill>
+          <a:latin typeface="+mn-lt"/>
+          <a:ea typeface="+mn-ea"/>
+          <a:cs typeface="+mn-cs"/>
+        </a:defRPr>
+      </a:lvl5pPr>
+      <a:lvl6pPr marL="2286000" algn="l" defTabSz="914400" rtl="0" eaLnBrk="1" latinLnBrk="0" hangingPunct="1">
+        <a:defRPr kumimoji="1" sz="1800" kern="1200">
+          <a:solidFill>
+            <a:schemeClr val="tx1"/>
+          </a:solidFill>
+          <a:latin typeface="+mn-lt"/>
+          <a:ea typeface="+mn-ea"/>
+          <a:cs typeface="+mn-cs"/>
+        </a:defRPr>
+      </a:lvl6pPr>
+      <a:lvl7pPr marL="2743200" algn="l" defTabSz="914400" rtl="0" eaLnBrk="1" latinLnBrk="0" hangingPunct="1">
+        <a:defRPr kumimoji="1" sz="1800" kern="1200">
+          <a:solidFill>
+            <a:schemeClr val="tx1"/>
+          </a:solidFill>
+          <a:latin typeface="+mn-lt"/>
+          <a:ea typeface="+mn-ea"/>
+          <a:cs typeface="+mn-cs"/>
+        </a:defRPr>
+      </a:lvl7pPr>
+      <a:lvl8pPr marL="3200400" algn="l" defTabSz="914400" rtl="0" eaLnBrk="1" latinLnBrk="0" hangingPunct="1">
+        <a:defRPr kumimoji="1" sz="1800" kern="1200">
+          <a:solidFill>
+            <a:schemeClr val="tx1"/>
+          </a:solidFill>
+          <a:latin typeface="+mn-lt"/>
+          <a:ea typeface="+mn-ea"/>
+          <a:cs typeface="+mn-cs"/>
+        </a:defRPr>
+      </a:lvl8pPr>
+      <a:lvl9pPr marL="3657600" algn="l" defTabSz="914400" rtl="0" eaLnBrk="1" latinLnBrk="0" hangingPunct="1">
+        <a:defRPr kumimoji="1" sz="1800" kern="1200">
+          <a:solidFill>
+            <a:schemeClr val="tx1"/>
+          </a:solidFill>
+          <a:latin typeface="+mn-lt"/>
+          <a:ea typeface="+mn-ea"/>
+          <a:cs typeface="+mn-cs"/>
+        </a:defRPr>
+      </a:lvl9pPr>
+    </p:otherStyle>
+  </p:txStyles>
+</p:sldMaster>
+</file>
+
+<file path=ppt/slideMasters/slideMaster2.xml><?xml version="1.0" encoding="utf-8"?>
+<p:sldMaster xmlns:a="http://schemas.openxmlformats.org/drawingml/2006/main" xmlns:r="http://schemas.openxmlformats.org/officeDocument/2006/relationships" xmlns:p="http://schemas.openxmlformats.org/presentationml/2006/main">
+  <p:cSld>
+    <p:bg>
+      <p:bgRef idx="1001">
+        <a:schemeClr val="bg1"/>
+      </p:bgRef>
+    </p:bg>
+    <p:spTree>
+      <p:nvGrpSpPr>
+        <p:cNvPr id="1" name=""/>
+        <p:cNvGrpSpPr/>
+        <p:nvPr/>
+      </p:nvGrpSpPr>
+      <p:grpSpPr>
+        <a:xfrm>
+          <a:off x="0" y="0"/>
+          <a:ext cx="0" cy="0"/>
+          <a:chOff x="0" y="0"/>
+          <a:chExt cx="0" cy="0"/>
+        </a:xfrm>
+      </p:grpSpPr>
+      <p:sp>
+        <p:nvSpPr>
+          <p:cNvPr id="2" name="タイトル プレースホルダー 1"/>
+          <p:cNvSpPr>
+            <a:spLocks noGrp="1"/>
+          </p:cNvSpPr>
+          <p:nvPr>
+            <p:ph type="title"/>
+          </p:nvPr>
+        </p:nvSpPr>
+        <p:spPr>
+          <a:xfrm>
+            <a:off x="838200" y="365125"/>
+            <a:ext cx="10515600" cy="1325563"/>
+          </a:xfrm>
+          <a:prstGeom prst="rect">
+            <a:avLst/>
+          </a:prstGeom>
+        </p:spPr>
+        <p:txBody>
+          <a:bodyPr vert="horz" lIns="91440" tIns="45720" rIns="91440" bIns="45720" rtlCol="0" anchor="ctr">
+            <a:normAutofit/>
+          </a:bodyPr>
+          <a:lstStyle/>
+          <a:p>
+            <a:r>
+              <a:rPr kumimoji="1" lang="ja-JP" altLang="en-US"/>
+              <a:t>マスター タイトルの書式設定</a:t>
+            </a:r>
+            <a:endParaRPr kumimoji="1" lang="ja-JP" altLang="en-US"/>
+          </a:p>
+        </p:txBody>
+      </p:sp>
+      <p:sp>
+        <p:nvSpPr>
+          <p:cNvPr id="3" name="テキスト プレースホルダー 2"/>
+          <p:cNvSpPr>
+            <a:spLocks noGrp="1"/>
+          </p:cNvSpPr>
+          <p:nvPr>
+            <p:ph type="body" idx="1"/>
+          </p:nvPr>
+        </p:nvSpPr>
+        <p:spPr>
+          <a:xfrm>
+            <a:off x="838200" y="1825625"/>
+            <a:ext cx="10515600" cy="4351338"/>
+          </a:xfrm>
+          <a:prstGeom prst="rect">
+            <a:avLst/>
+          </a:prstGeom>
+        </p:spPr>
+        <p:txBody>
+          <a:bodyPr vert="horz" lIns="91440" tIns="45720" rIns="91440" bIns="45720" rtlCol="0">
+            <a:normAutofit/>
+          </a:bodyPr>
+          <a:lstStyle/>
+          <a:p>
+            <a:pPr lvl="0"/>
+            <a:r>
+              <a:rPr kumimoji="1" lang="ja-JP" altLang="en-US"/>
+              <a:t>マスター テキストの書式設定</a:t>
+            </a:r>
+            <a:endParaRPr kumimoji="1" lang="ja-JP" altLang="en-US"/>
+          </a:p>
+          <a:p>
+            <a:pPr lvl="1"/>
+            <a:r>
+              <a:rPr kumimoji="1" lang="ja-JP" altLang="en-US"/>
+              <a:t>第 </a:t>
+            </a:r>
+            <a:r>
+              <a:rPr kumimoji="1" lang="en-US" altLang="ja-JP"/>
+              <a:t>2 </a:t>
+            </a:r>
+            <a:r>
+              <a:rPr kumimoji="1" lang="ja-JP" altLang="en-US"/>
+              <a:t>レベル</a:t>
+            </a:r>
+            <a:endParaRPr kumimoji="1" lang="ja-JP" altLang="en-US"/>
+          </a:p>
+          <a:p>
+            <a:pPr lvl="2"/>
+            <a:r>
+              <a:rPr kumimoji="1" lang="ja-JP" altLang="en-US"/>
+              <a:t>第 </a:t>
+            </a:r>
+            <a:r>
+              <a:rPr kumimoji="1" lang="en-US" altLang="ja-JP"/>
+              <a:t>3 </a:t>
+            </a:r>
+            <a:r>
+              <a:rPr kumimoji="1" lang="ja-JP" altLang="en-US"/>
+              <a:t>レベル</a:t>
+            </a:r>
+            <a:endParaRPr kumimoji="1" lang="ja-JP" altLang="en-US"/>
+          </a:p>
+          <a:p>
+            <a:pPr lvl="3"/>
+            <a:r>
+              <a:rPr kumimoji="1" lang="ja-JP" altLang="en-US"/>
+              <a:t>第 </a:t>
+            </a:r>
+            <a:r>
+              <a:rPr kumimoji="1" lang="en-US" altLang="ja-JP"/>
+              <a:t>4 </a:t>
+            </a:r>
+            <a:r>
+              <a:rPr kumimoji="1" lang="ja-JP" altLang="en-US"/>
+              <a:t>レベル</a:t>
+            </a:r>
+            <a:endParaRPr kumimoji="1" lang="ja-JP" altLang="en-US"/>
+          </a:p>
+          <a:p>
+            <a:pPr lvl="4"/>
+            <a:r>
+              <a:rPr kumimoji="1" lang="ja-JP" altLang="en-US"/>
+              <a:t>第 </a:t>
+            </a:r>
+            <a:r>
+              <a:rPr kumimoji="1" lang="en-US" altLang="ja-JP"/>
+              <a:t>5 </a:t>
+            </a:r>
+            <a:r>
+              <a:rPr kumimoji="1" lang="ja-JP" altLang="en-US"/>
+              <a:t>レベル</a:t>
+            </a:r>
+            <a:endParaRPr kumimoji="1" lang="ja-JP" altLang="en-US"/>
+          </a:p>
+        </p:txBody>
+      </p:sp>
+      <p:sp>
+        <p:nvSpPr>
+          <p:cNvPr id="4" name="日付プレースホルダー 3"/>
+          <p:cNvSpPr>
+            <a:spLocks noGrp="1"/>
+          </p:cNvSpPr>
+          <p:nvPr>
+            <p:ph type="dt" sz="half" idx="2"/>
+          </p:nvPr>
+        </p:nvSpPr>
+        <p:spPr>
+          <a:xfrm>
+            <a:off x="838200" y="6356350"/>
+            <a:ext cx="2743200" cy="365125"/>
+          </a:xfrm>
+          <a:prstGeom prst="rect">
+            <a:avLst/>
+          </a:prstGeom>
+        </p:spPr>
+        <p:txBody>
+          <a:bodyPr vert="horz" lIns="91440" tIns="45720" rIns="91440" bIns="45720" rtlCol="0" anchor="ctr"/>
+          <a:lstStyle>
+            <a:lvl1pPr algn="l">
+              <a:defRPr sz="1200">
+                <a:solidFill>
+                  <a:schemeClr val="tx1">
+                    <a:tint val="75000"/>
+                  </a:schemeClr>
+                </a:solidFill>
+              </a:defRPr>
+            </a:lvl1pPr>
+          </a:lstStyle>
+          <a:p>
+            <a:fld id="{EF01AC3F-5B2B-4265-BEF4-31326588BC24}" type="datetimeFigureOut">
+              <a:rPr kumimoji="1" lang="ja-JP" altLang="en-US" smtClean="0"/>
+            </a:fld>
+            <a:endParaRPr kumimoji="1" lang="ja-JP" altLang="en-US"/>
+          </a:p>
+        </p:txBody>
+      </p:sp>
+      <p:sp>
+        <p:nvSpPr>
+          <p:cNvPr id="5" name="フッター プレースホルダー 4"/>
+          <p:cNvSpPr>
+            <a:spLocks noGrp="1"/>
+          </p:cNvSpPr>
+          <p:nvPr>
+            <p:ph type="ftr" sz="quarter" idx="3"/>
+          </p:nvPr>
+        </p:nvSpPr>
+        <p:spPr>
+          <a:xfrm>
+            <a:off x="4038600" y="6356350"/>
+            <a:ext cx="4114800" cy="365125"/>
+          </a:xfrm>
+          <a:prstGeom prst="rect">
+            <a:avLst/>
+          </a:prstGeom>
+        </p:spPr>
+        <p:txBody>
+          <a:bodyPr vert="horz" lIns="91440" tIns="45720" rIns="91440" bIns="45720" rtlCol="0" anchor="ctr"/>
+          <a:lstStyle>
+            <a:lvl1pPr algn="ctr">
+              <a:defRPr sz="1200">
+                <a:solidFill>
+                  <a:schemeClr val="tx1">
+                    <a:tint val="75000"/>
+                  </a:schemeClr>
+                </a:solidFill>
+              </a:defRPr>
+            </a:lvl1pPr>
+          </a:lstStyle>
+          <a:p>
+            <a:endParaRPr kumimoji="1" lang="ja-JP" altLang="en-US"/>
+          </a:p>
+        </p:txBody>
+      </p:sp>
+      <p:sp>
+        <p:nvSpPr>
+          <p:cNvPr id="6" name="スライド番号プレースホルダー 5"/>
+          <p:cNvSpPr>
+            <a:spLocks noGrp="1"/>
+          </p:cNvSpPr>
+          <p:nvPr>
+            <p:ph type="sldNum" sz="quarter" idx="4"/>
+          </p:nvPr>
+        </p:nvSpPr>
+        <p:spPr>
+          <a:xfrm>
+            <a:off x="8610600" y="6356350"/>
+            <a:ext cx="2743200" cy="365125"/>
+          </a:xfrm>
+          <a:prstGeom prst="rect">
+            <a:avLst/>
+          </a:prstGeom>
+        </p:spPr>
+        <p:txBody>
+          <a:bodyPr vert="horz" lIns="91440" tIns="45720" rIns="91440" bIns="45720" rtlCol="0" anchor="ctr"/>
+          <a:lstStyle>
+            <a:lvl1pPr algn="r">
+              <a:defRPr sz="1200">
+                <a:solidFill>
+                  <a:schemeClr val="tx1">
+                    <a:tint val="75000"/>
+                  </a:schemeClr>
+                </a:solidFill>
+              </a:defRPr>
+            </a:lvl1pPr>
+          </a:lstStyle>
+          <a:p>
+            <a:fld id="{55416541-5EAB-4E31-BA93-A38D44E03098}" type="slidenum">
+              <a:rPr kumimoji="1" lang="ja-JP" altLang="en-US" smtClean="0"/>
+            </a:fld>
+            <a:endParaRPr kumimoji="1" lang="ja-JP" altLang="en-US"/>
+          </a:p>
+        </p:txBody>
+      </p:sp>
+    </p:spTree>
+  </p:cSld>
+  <p:clrMap bg1="lt1" tx1="dk1" bg2="lt2" tx2="dk2" accent1="accent1" accent2="accent2" accent3="accent3" accent4="accent4" accent5="accent5" accent6="accent6" hlink="hlink" folHlink="folHlink"/>
+  <p:sldLayoutIdLst>
+    <p:sldLayoutId id="2147483661" r:id="rId1"/>
+    <p:sldLayoutId id="2147483662" r:id="rId2"/>
+    <p:sldLayoutId id="2147483663" r:id="rId3"/>
+    <p:sldLayoutId id="2147483664" r:id="rId4"/>
+    <p:sldLayoutId id="2147483665" r:id="rId5"/>
+    <p:sldLayoutId id="2147483666" r:id="rId6"/>
+    <p:sldLayoutId id="2147483667" r:id="rId7"/>
+    <p:sldLayoutId id="2147483668" r:id="rId8"/>
+    <p:sldLayoutId id="2147483669" r:id="rId9"/>
+    <p:sldLayoutId id="2147483670" r:id="rId10"/>
+    <p:sldLayoutId id="2147483671" r:id="rId11"/>
   </p:sldLayoutIdLst>
   <p:txStyles>
     <p:titleStyle>
@@ -3629,20 +6314,14 @@
       </p:grpSpPr>
       <p:pic>
         <p:nvPicPr>
-          <p:cNvPr id="3" name="図 2">
-            <a:extLst>
-              <a:ext uri="{FF2B5EF4-FFF2-40B4-BE49-F238E27FC236}">
-                <a16:creationId xmlns:a16="http://schemas.microsoft.com/office/drawing/2014/main" id="{A73A6AD6-ADD0-453E-AEBB-3965FB3DB631}"/>
-              </a:ext>
-            </a:extLst>
-          </p:cNvPr>
+          <p:cNvPr id="3" name="図 2"/>
           <p:cNvPicPr>
             <a:picLocks noChangeAspect="1"/>
           </p:cNvPicPr>
           <p:nvPr/>
         </p:nvPicPr>
         <p:blipFill>
-          <a:blip r:embed="rId2"/>
+          <a:blip r:embed="rId1"/>
           <a:stretch>
             <a:fillRect/>
           </a:stretch>
@@ -3658,11 +6337,6 @@
         </p:spPr>
       </p:pic>
     </p:spTree>
-    <p:extLst>
-      <p:ext uri="{BB962C8B-B14F-4D97-AF65-F5344CB8AC3E}">
-        <p14:creationId xmlns:p14="http://schemas.microsoft.com/office/powerpoint/2010/main" val="4212444876"/>
-      </p:ext>
-    </p:extLst>
   </p:cSld>
   <p:clrMapOvr>
     <a:masterClrMapping/>
@@ -3689,20 +6363,14 @@
       </p:grpSpPr>
       <p:pic>
         <p:nvPicPr>
-          <p:cNvPr id="3" name="図 2">
-            <a:extLst>
-              <a:ext uri="{FF2B5EF4-FFF2-40B4-BE49-F238E27FC236}">
-                <a16:creationId xmlns:a16="http://schemas.microsoft.com/office/drawing/2014/main" id="{6F137568-F56A-474F-8044-FB3DC59EE33B}"/>
-              </a:ext>
-            </a:extLst>
-          </p:cNvPr>
+          <p:cNvPr id="3" name="図 2"/>
           <p:cNvPicPr>
             <a:picLocks noChangeAspect="1"/>
           </p:cNvPicPr>
           <p:nvPr/>
         </p:nvPicPr>
         <p:blipFill>
-          <a:blip r:embed="rId2"/>
+          <a:blip r:embed="rId1"/>
           <a:stretch>
             <a:fillRect/>
           </a:stretch>
@@ -3718,11 +6386,6 @@
         </p:spPr>
       </p:pic>
     </p:spTree>
-    <p:extLst>
-      <p:ext uri="{BB962C8B-B14F-4D97-AF65-F5344CB8AC3E}">
-        <p14:creationId xmlns:p14="http://schemas.microsoft.com/office/powerpoint/2010/main" val="523168092"/>
-      </p:ext>
-    </p:extLst>
   </p:cSld>
   <p:clrMapOvr>
     <a:masterClrMapping/>
@@ -3749,20 +6412,14 @@
       </p:grpSpPr>
       <p:pic>
         <p:nvPicPr>
-          <p:cNvPr id="3" name="図 2">
-            <a:extLst>
-              <a:ext uri="{FF2B5EF4-FFF2-40B4-BE49-F238E27FC236}">
-                <a16:creationId xmlns:a16="http://schemas.microsoft.com/office/drawing/2014/main" id="{559F0228-A08C-449D-BAD4-E47F3BEB27EC}"/>
-              </a:ext>
-            </a:extLst>
-          </p:cNvPr>
+          <p:cNvPr id="3" name="図 2"/>
           <p:cNvPicPr>
             <a:picLocks noChangeAspect="1"/>
           </p:cNvPicPr>
           <p:nvPr/>
         </p:nvPicPr>
         <p:blipFill>
-          <a:blip r:embed="rId2"/>
+          <a:blip r:embed="rId1"/>
           <a:stretch>
             <a:fillRect/>
           </a:stretch>
@@ -3778,11 +6435,457 @@
         </p:spPr>
       </p:pic>
     </p:spTree>
-    <p:extLst>
-      <p:ext uri="{BB962C8B-B14F-4D97-AF65-F5344CB8AC3E}">
-        <p14:creationId xmlns:p14="http://schemas.microsoft.com/office/powerpoint/2010/main" val="1750084538"/>
-      </p:ext>
-    </p:extLst>
+  </p:cSld>
+  <p:clrMapOvr>
+    <a:masterClrMapping/>
+  </p:clrMapOvr>
+</p:sld>
+</file>
+
+<file path=ppt/slides/slide4.xml><?xml version="1.0" encoding="utf-8"?>
+<p:sld xmlns:a="http://schemas.openxmlformats.org/drawingml/2006/main" xmlns:r="http://schemas.openxmlformats.org/officeDocument/2006/relationships" xmlns:p="http://schemas.openxmlformats.org/presentationml/2006/main">
+  <p:cSld>
+    <p:spTree>
+      <p:nvGrpSpPr>
+        <p:cNvPr id="1" name=""/>
+        <p:cNvGrpSpPr/>
+        <p:nvPr/>
+      </p:nvGrpSpPr>
+      <p:grpSpPr>
+        <a:xfrm>
+          <a:off x="0" y="0"/>
+          <a:ext cx="0" cy="0"/>
+          <a:chOff x="0" y="0"/>
+          <a:chExt cx="0" cy="0"/>
+        </a:xfrm>
+      </p:grpSpPr>
+      <p:pic>
+        <p:nvPicPr>
+          <p:cNvPr id="3" name="図 2"/>
+          <p:cNvPicPr>
+            <a:picLocks noChangeAspect="1"/>
+          </p:cNvPicPr>
+          <p:nvPr/>
+        </p:nvPicPr>
+        <p:blipFill>
+          <a:blip r:embed="rId1"/>
+          <a:stretch>
+            <a:fillRect/>
+          </a:stretch>
+        </p:blipFill>
+        <p:spPr>
+          <a:xfrm>
+            <a:off x="967428" y="367095"/>
+            <a:ext cx="10257143" cy="6123809"/>
+          </a:xfrm>
+          <a:prstGeom prst="rect">
+            <a:avLst/>
+          </a:prstGeom>
+        </p:spPr>
+      </p:pic>
+      <p:sp>
+        <p:nvSpPr>
+          <p:cNvPr id="2" name="上矢印 1"/>
+          <p:cNvSpPr/>
+          <p:nvPr/>
+        </p:nvSpPr>
+        <p:spPr>
+          <a:xfrm rot="5400000">
+            <a:off x="9161145" y="3876040"/>
+            <a:ext cx="349250" cy="715010"/>
+          </a:xfrm>
+          <a:prstGeom prst="upArrow">
+            <a:avLst>
+              <a:gd name="adj1" fmla="val 50000"/>
+              <a:gd name="adj2" fmla="val 95115"/>
+            </a:avLst>
+          </a:prstGeom>
+        </p:spPr>
+        <p:style>
+          <a:lnRef idx="2">
+            <a:schemeClr val="accent2">
+              <a:shade val="50000"/>
+            </a:schemeClr>
+          </a:lnRef>
+          <a:fillRef idx="1">
+            <a:schemeClr val="accent2"/>
+          </a:fillRef>
+          <a:effectRef idx="0">
+            <a:schemeClr val="accent2"/>
+          </a:effectRef>
+          <a:fontRef idx="minor">
+            <a:schemeClr val="lt1"/>
+          </a:fontRef>
+        </p:style>
+        <p:txBody>
+          <a:bodyPr rtlCol="0" anchor="ctr"/>
+          <a:p>
+            <a:pPr algn="ctr"/>
+            <a:endParaRPr lang="ja-JP" altLang="en-US"/>
+          </a:p>
+        </p:txBody>
+      </p:sp>
+      <p:sp>
+        <p:nvSpPr>
+          <p:cNvPr id="4" name="テキストボックス 3"/>
+          <p:cNvSpPr txBox="1"/>
+          <p:nvPr/>
+        </p:nvSpPr>
+        <p:spPr>
+          <a:xfrm>
+            <a:off x="8580120" y="3606165"/>
+            <a:ext cx="1281430" cy="521970"/>
+          </a:xfrm>
+          <a:prstGeom prst="rect">
+            <a:avLst/>
+          </a:prstGeom>
+          <a:noFill/>
+        </p:spPr>
+        <p:txBody>
+          <a:bodyPr wrap="square" rtlCol="0">
+            <a:spAutoFit/>
+          </a:bodyPr>
+          <a:p>
+            <a:r>
+              <a:rPr lang="en-US" altLang="ja-JP" sz="1400"/>
+              <a:t>engine power output</a:t>
+            </a:r>
+            <a:endParaRPr lang="en-US" altLang="ja-JP" sz="1400"/>
+          </a:p>
+        </p:txBody>
+      </p:sp>
+      <p:sp>
+        <p:nvSpPr>
+          <p:cNvPr id="5" name="テキストボックス 4"/>
+          <p:cNvSpPr txBox="1"/>
+          <p:nvPr/>
+        </p:nvSpPr>
+        <p:spPr>
+          <a:xfrm>
+            <a:off x="10833100" y="4550410"/>
+            <a:ext cx="768350" cy="306705"/>
+          </a:xfrm>
+          <a:prstGeom prst="rect">
+            <a:avLst/>
+          </a:prstGeom>
+          <a:noFill/>
+        </p:spPr>
+        <p:txBody>
+          <a:bodyPr wrap="square" rtlCol="0">
+            <a:spAutoFit/>
+          </a:bodyPr>
+          <a:p>
+            <a:r>
+              <a:rPr lang="en-US" altLang="ja-JP" sz="1400"/>
+              <a:t>load</a:t>
+            </a:r>
+            <a:endParaRPr lang="en-US" altLang="ja-JP" sz="1400"/>
+          </a:p>
+        </p:txBody>
+      </p:sp>
+      <p:sp>
+        <p:nvSpPr>
+          <p:cNvPr id="6" name="上矢印 5"/>
+          <p:cNvSpPr/>
+          <p:nvPr/>
+        </p:nvSpPr>
+        <p:spPr>
+          <a:xfrm rot="16200000">
+            <a:off x="10302875" y="4451350"/>
+            <a:ext cx="267970" cy="792480"/>
+          </a:xfrm>
+          <a:prstGeom prst="upArrow">
+            <a:avLst>
+              <a:gd name="adj1" fmla="val 50000"/>
+              <a:gd name="adj2" fmla="val 72274"/>
+            </a:avLst>
+          </a:prstGeom>
+        </p:spPr>
+        <p:style>
+          <a:lnRef idx="2">
+            <a:schemeClr val="accent2">
+              <a:shade val="50000"/>
+            </a:schemeClr>
+          </a:lnRef>
+          <a:fillRef idx="1">
+            <a:schemeClr val="accent2"/>
+          </a:fillRef>
+          <a:effectRef idx="0">
+            <a:schemeClr val="accent2"/>
+          </a:effectRef>
+          <a:fontRef idx="minor">
+            <a:schemeClr val="lt1"/>
+          </a:fontRef>
+        </p:style>
+        <p:txBody>
+          <a:bodyPr rtlCol="0" anchor="ctr"/>
+          <a:p>
+            <a:pPr algn="ctr"/>
+            <a:endParaRPr lang="ja-JP" altLang="en-US"/>
+          </a:p>
+        </p:txBody>
+      </p:sp>
+      <p:sp>
+        <p:nvSpPr>
+          <p:cNvPr id="83" name="テキスト ボックス 3_1"/>
+          <p:cNvSpPr/>
+          <p:nvPr/>
+        </p:nvSpPr>
+        <p:spPr>
+          <a:xfrm>
+            <a:off x="10040620" y="5704840"/>
+            <a:ext cx="2566035" cy="598170"/>
+          </a:xfrm>
+          <a:prstGeom prst="rect">
+            <a:avLst/>
+          </a:prstGeom>
+          <a:solidFill>
+            <a:srgbClr val="FFFF00"/>
+          </a:solidFill>
+          <a:ln w="0">
+            <a:solidFill>
+              <a:srgbClr val="000000"/>
+            </a:solidFill>
+          </a:ln>
+        </p:spPr>
+        <p:style>
+          <a:lnRef idx="0">
+            <a:srgbClr val="FFFFFF"/>
+          </a:lnRef>
+          <a:fillRef idx="0">
+            <a:srgbClr val="FFFFFF"/>
+          </a:fillRef>
+          <a:effectRef idx="0">
+            <a:srgbClr val="FFFFFF"/>
+          </a:effectRef>
+          <a:fontRef idx="minor"/>
+        </p:style>
+        <p:txBody>
+          <a:bodyPr lIns="90000" tIns="45000" rIns="90000" bIns="45000">
+            <a:noAutofit/>
+          </a:bodyPr>
+          <a:p>
+            <a:pPr>
+              <a:lnSpc>
+                <a:spcPct val="100000"/>
+              </a:lnSpc>
+            </a:pPr>
+            <a:r>
+              <a:rPr lang="en-US" sz="1100" b="0" strike="noStrike" spc="-1">
+                <a:solidFill>
+                  <a:srgbClr val="000000"/>
+                </a:solidFill>
+                <a:latin typeface="Arial" panose="020B0604020202020204"/>
+              </a:rPr>
+              <a:t>Torque load which is proportional to angular speed is applied to crankshaft.</a:t>
+            </a:r>
+            <a:endParaRPr lang="en-US" sz="1100" b="0" strike="noStrike" spc="-1">
+              <a:latin typeface="Arial" panose="020B0604020202020204"/>
+            </a:endParaRPr>
+          </a:p>
+          <a:p>
+            <a:pPr>
+              <a:lnSpc>
+                <a:spcPct val="100000"/>
+              </a:lnSpc>
+            </a:pPr>
+            <a:r>
+              <a:rPr lang="en-US" sz="1100" b="0" strike="noStrike" spc="-1">
+                <a:solidFill>
+                  <a:srgbClr val="000000"/>
+                </a:solidFill>
+                <a:latin typeface="Arial" panose="020B0604020202020204"/>
+              </a:rPr>
+              <a:t>→ </a:t>
+            </a:r>
+            <a:r>
+              <a:rPr lang="en-US" sz="1100" b="1" strike="noStrike" spc="-1">
+                <a:solidFill>
+                  <a:srgbClr val="000000"/>
+                </a:solidFill>
+                <a:latin typeface="Arial" panose="020B0604020202020204"/>
+              </a:rPr>
+              <a:t>power output ∝ engine speed</a:t>
+            </a:r>
+            <a:r>
+              <a:rPr lang="en-US" sz="1100" b="0" strike="noStrike" spc="-1">
+                <a:solidFill>
+                  <a:srgbClr val="000000"/>
+                </a:solidFill>
+                <a:latin typeface="Arial" panose="020B0604020202020204"/>
+              </a:rPr>
+              <a:t>.</a:t>
+            </a:r>
+            <a:endParaRPr lang="en-US" sz="1100" b="0" strike="noStrike" spc="-1">
+              <a:latin typeface="Arial" panose="020B0604020202020204"/>
+            </a:endParaRPr>
+          </a:p>
+        </p:txBody>
+      </p:sp>
+      <p:sp>
+        <p:nvSpPr>
+          <p:cNvPr id="84" name="直線コネクタ 4_0"/>
+          <p:cNvSpPr/>
+          <p:nvPr/>
+        </p:nvSpPr>
+        <p:spPr>
+          <a:xfrm flipH="1" flipV="1">
+            <a:off x="10581005" y="5163820"/>
+            <a:ext cx="462915" cy="540385"/>
+          </a:xfrm>
+          <a:prstGeom prst="line">
+            <a:avLst/>
+          </a:prstGeom>
+          <a:ln w="28575">
+            <a:solidFill>
+              <a:srgbClr val="000000"/>
+            </a:solidFill>
+            <a:tailEnd type="oval" w="med" len="med"/>
+          </a:ln>
+        </p:spPr>
+        <p:style>
+          <a:lnRef idx="1">
+            <a:schemeClr val="accent1"/>
+          </a:lnRef>
+          <a:fillRef idx="0">
+            <a:schemeClr val="accent1"/>
+          </a:fillRef>
+          <a:effectRef idx="0">
+            <a:schemeClr val="accent1"/>
+          </a:effectRef>
+          <a:fontRef idx="minor"/>
+        </p:style>
+      </p:sp>
+      <p:sp>
+        <p:nvSpPr>
+          <p:cNvPr id="7" name="テキスト ボックス 3_1"/>
+          <p:cNvSpPr/>
+          <p:nvPr/>
+        </p:nvSpPr>
+        <p:spPr>
+          <a:xfrm>
+            <a:off x="817245" y="5106035"/>
+            <a:ext cx="2089785" cy="598170"/>
+          </a:xfrm>
+          <a:prstGeom prst="rect">
+            <a:avLst/>
+          </a:prstGeom>
+          <a:solidFill>
+            <a:srgbClr val="FFFF00"/>
+          </a:solidFill>
+          <a:ln w="0">
+            <a:solidFill>
+              <a:srgbClr val="000000"/>
+            </a:solidFill>
+          </a:ln>
+        </p:spPr>
+        <p:style>
+          <a:lnRef idx="0">
+            <a:srgbClr val="FFFFFF"/>
+          </a:lnRef>
+          <a:fillRef idx="0">
+            <a:srgbClr val="FFFFFF"/>
+          </a:fillRef>
+          <a:effectRef idx="0">
+            <a:srgbClr val="FFFFFF"/>
+          </a:effectRef>
+          <a:fontRef idx="minor"/>
+        </p:style>
+        <p:txBody>
+          <a:bodyPr lIns="90000" tIns="45000" rIns="90000" bIns="45000">
+            <a:noAutofit/>
+          </a:bodyPr>
+          <a:p>
+            <a:pPr>
+              <a:lnSpc>
+                <a:spcPct val="100000"/>
+              </a:lnSpc>
+            </a:pPr>
+            <a:r>
+              <a:rPr lang="en-US" sz="1100" b="0" strike="noStrike" spc="-1">
+                <a:solidFill>
+                  <a:srgbClr val="000000"/>
+                </a:solidFill>
+                <a:latin typeface="Arial" panose="020B0604020202020204"/>
+              </a:rPr>
+              <a:t>Acceleration gear.</a:t>
+            </a:r>
+            <a:endParaRPr lang="en-US" sz="1100" b="0" strike="noStrike" spc="-1">
+              <a:solidFill>
+                <a:srgbClr val="000000"/>
+              </a:solidFill>
+              <a:latin typeface="Arial" panose="020B0604020202020204"/>
+            </a:endParaRPr>
+          </a:p>
+          <a:p>
+            <a:pPr>
+              <a:lnSpc>
+                <a:spcPct val="100000"/>
+              </a:lnSpc>
+            </a:pPr>
+            <a:r>
+              <a:rPr lang="en-US" sz="1100" b="0" strike="noStrike" spc="-1">
+                <a:latin typeface="Arial" panose="020B0604020202020204"/>
+              </a:rPr>
+              <a:t>crankshaft speed </a:t>
+            </a:r>
+            <a:endParaRPr lang="en-US" sz="1100" b="0" strike="noStrike" spc="-1">
+              <a:latin typeface="Arial" panose="020B0604020202020204"/>
+            </a:endParaRPr>
+          </a:p>
+          <a:p>
+            <a:pPr>
+              <a:lnSpc>
+                <a:spcPct val="100000"/>
+              </a:lnSpc>
+            </a:pPr>
+            <a:r>
+              <a:rPr lang="en-US" sz="1100" b="0" strike="noStrike" spc="-1">
+                <a:latin typeface="Arial" panose="020B0604020202020204"/>
+              </a:rPr>
+              <a:t>&lt;&lt; compressor speed</a:t>
+            </a:r>
+            <a:endParaRPr lang="en-US" sz="1100" b="0" strike="noStrike" spc="-1">
+              <a:latin typeface="Arial" panose="020B0604020202020204"/>
+            </a:endParaRPr>
+          </a:p>
+        </p:txBody>
+      </p:sp>
+      <p:sp>
+        <p:nvSpPr>
+          <p:cNvPr id="8" name="直線コネクタ 4_0"/>
+          <p:cNvSpPr/>
+          <p:nvPr/>
+        </p:nvSpPr>
+        <p:spPr>
+          <a:xfrm flipV="1">
+            <a:off x="2297430" y="4714240"/>
+            <a:ext cx="1237615" cy="391160"/>
+          </a:xfrm>
+          <a:prstGeom prst="line">
+            <a:avLst/>
+          </a:prstGeom>
+          <a:ln w="28575">
+            <a:solidFill>
+              <a:srgbClr val="000000"/>
+            </a:solidFill>
+            <a:tailEnd type="oval" w="med" len="med"/>
+          </a:ln>
+        </p:spPr>
+        <p:style>
+          <a:lnRef idx="1">
+            <a:schemeClr val="accent1"/>
+          </a:lnRef>
+          <a:fillRef idx="0">
+            <a:schemeClr val="accent1"/>
+          </a:fillRef>
+          <a:effectRef idx="0">
+            <a:schemeClr val="accent1"/>
+          </a:effectRef>
+          <a:fontRef idx="minor"/>
+        </p:style>
+      </p:sp>
+    </p:spTree>
   </p:cSld>
   <p:clrMapOvr>
     <a:masterClrMapping/>
@@ -3833,7 +6936,7 @@
     </a:clrScheme>
     <a:fontScheme name="Office">
       <a:majorFont>
-        <a:latin typeface="游ゴシック Light" panose="020F0302020204030204"/>
+        <a:latin typeface="游ゴシック Light"/>
         <a:ea typeface=""/>
         <a:cs typeface=""/>
         <a:font script="Jpan" typeface="游ゴシック Light"/>
@@ -3866,26 +6969,9 @@
         <a:font script="Viet" typeface="Times New Roman"/>
         <a:font script="Uigh" typeface="Microsoft Uighur"/>
         <a:font script="Geor" typeface="Sylfaen"/>
-        <a:font script="Armn" typeface="Arial"/>
-        <a:font script="Bugi" typeface="Leelawadee UI"/>
-        <a:font script="Bopo" typeface="Microsoft JhengHei"/>
-        <a:font script="Java" typeface="Javanese Text"/>
-        <a:font script="Lisu" typeface="Segoe UI"/>
-        <a:font script="Mymr" typeface="Myanmar Text"/>
-        <a:font script="Nkoo" typeface="Ebrima"/>
-        <a:font script="Olck" typeface="Nirmala UI"/>
-        <a:font script="Osma" typeface="Ebrima"/>
-        <a:font script="Phag" typeface="Phagspa"/>
-        <a:font script="Syrn" typeface="Estrangelo Edessa"/>
-        <a:font script="Syrj" typeface="Estrangelo Edessa"/>
-        <a:font script="Syre" typeface="Estrangelo Edessa"/>
-        <a:font script="Sora" typeface="Nirmala UI"/>
-        <a:font script="Tale" typeface="Microsoft Tai Le"/>
-        <a:font script="Talu" typeface="Microsoft New Tai Lue"/>
-        <a:font script="Tfng" typeface="Ebrima"/>
       </a:majorFont>
       <a:minorFont>
-        <a:latin typeface="游ゴシック" panose="020F0502020204030204"/>
+        <a:latin typeface="游ゴシック"/>
         <a:ea typeface=""/>
         <a:cs typeface=""/>
         <a:font script="Jpan" typeface="游ゴシック"/>
@@ -3918,23 +7004,6 @@
         <a:font script="Viet" typeface="Arial"/>
         <a:font script="Uigh" typeface="Microsoft Uighur"/>
         <a:font script="Geor" typeface="Sylfaen"/>
-        <a:font script="Armn" typeface="Arial"/>
-        <a:font script="Bugi" typeface="Leelawadee UI"/>
-        <a:font script="Bopo" typeface="Microsoft JhengHei"/>
-        <a:font script="Java" typeface="Javanese Text"/>
-        <a:font script="Lisu" typeface="Segoe UI"/>
-        <a:font script="Mymr" typeface="Myanmar Text"/>
-        <a:font script="Nkoo" typeface="Ebrima"/>
-        <a:font script="Olck" typeface="Nirmala UI"/>
-        <a:font script="Osma" typeface="Ebrima"/>
-        <a:font script="Phag" typeface="Phagspa"/>
-        <a:font script="Syrn" typeface="Estrangelo Edessa"/>
-        <a:font script="Syrj" typeface="Estrangelo Edessa"/>
-        <a:font script="Syre" typeface="Estrangelo Edessa"/>
-        <a:font script="Sora" typeface="Nirmala UI"/>
-        <a:font script="Tale" typeface="Microsoft Tai Le"/>
-        <a:font script="Talu" typeface="Microsoft New Tai Lue"/>
-        <a:font script="Tfng" typeface="Ebrima"/>
       </a:minorFont>
     </a:fontScheme>
     <a:fmtScheme name="Office">
@@ -4075,8 +7144,265 @@
       </a:bgFillStyleLst>
     </a:fmtScheme>
   </a:themeElements>
-  <a:objectDefaults/>
-  <a:extraClrSchemeLst/>
+  <a:extLst>
+    <a:ext uri="{05A4C25C-085E-4340-85A3-A5531E510DB2}">
+      <thm15:themeFamily xmlns:thm15="http://schemas.microsoft.com/office/thememl/2012/main" name="Office Theme" id="{62F939B6-93AF-4DB8-9C6B-D6C7DFDC589F}" vid="{4A3C46E8-61CC-4603-A589-7422A47A8E4A}"/>
+    </a:ext>
+  </a:extLst>
+</a:theme>
+</file>
+
+<file path=ppt/theme/theme2.xml><?xml version="1.0" encoding="utf-8"?>
+<a:theme xmlns:a="http://schemas.openxmlformats.org/drawingml/2006/main" name="1_Office テーマ">
+  <a:themeElements>
+    <a:clrScheme name="Office">
+      <a:dk1>
+        <a:sysClr val="windowText" lastClr="000000"/>
+      </a:dk1>
+      <a:lt1>
+        <a:sysClr val="window" lastClr="FFFFFF"/>
+      </a:lt1>
+      <a:dk2>
+        <a:srgbClr val="44546A"/>
+      </a:dk2>
+      <a:lt2>
+        <a:srgbClr val="E7E6E6"/>
+      </a:lt2>
+      <a:accent1>
+        <a:srgbClr val="4472C4"/>
+      </a:accent1>
+      <a:accent2>
+        <a:srgbClr val="ED7D31"/>
+      </a:accent2>
+      <a:accent3>
+        <a:srgbClr val="A5A5A5"/>
+      </a:accent3>
+      <a:accent4>
+        <a:srgbClr val="FFC000"/>
+      </a:accent4>
+      <a:accent5>
+        <a:srgbClr val="5B9BD5"/>
+      </a:accent5>
+      <a:accent6>
+        <a:srgbClr val="70AD47"/>
+      </a:accent6>
+      <a:hlink>
+        <a:srgbClr val="0563C1"/>
+      </a:hlink>
+      <a:folHlink>
+        <a:srgbClr val="954F72"/>
+      </a:folHlink>
+    </a:clrScheme>
+    <a:fontScheme name="Office">
+      <a:majorFont>
+        <a:latin typeface="游ゴシック Light"/>
+        <a:ea typeface=""/>
+        <a:cs typeface=""/>
+        <a:font script="Jpan" typeface="游ゴシック Light"/>
+        <a:font script="Hang" typeface="맑은 고딕"/>
+        <a:font script="Hans" typeface="等线 Light"/>
+        <a:font script="Hant" typeface="新細明體"/>
+        <a:font script="Arab" typeface="Times New Roman"/>
+        <a:font script="Hebr" typeface="Times New Roman"/>
+        <a:font script="Thai" typeface="Angsana New"/>
+        <a:font script="Ethi" typeface="Nyala"/>
+        <a:font script="Beng" typeface="Vrinda"/>
+        <a:font script="Gujr" typeface="Shruti"/>
+        <a:font script="Khmr" typeface="MoolBoran"/>
+        <a:font script="Knda" typeface="Tunga"/>
+        <a:font script="Guru" typeface="Raavi"/>
+        <a:font script="Cans" typeface="Euphemia"/>
+        <a:font script="Cher" typeface="Plantagenet Cherokee"/>
+        <a:font script="Yiii" typeface="Microsoft Yi Baiti"/>
+        <a:font script="Tibt" typeface="Microsoft Himalaya"/>
+        <a:font script="Thaa" typeface="MV Boli"/>
+        <a:font script="Deva" typeface="Mangal"/>
+        <a:font script="Telu" typeface="Gautami"/>
+        <a:font script="Taml" typeface="Latha"/>
+        <a:font script="Syrc" typeface="Estrangelo Edessa"/>
+        <a:font script="Orya" typeface="Kalinga"/>
+        <a:font script="Mlym" typeface="Kartika"/>
+        <a:font script="Laoo" typeface="DokChampa"/>
+        <a:font script="Sinh" typeface="Iskoola Pota"/>
+        <a:font script="Mong" typeface="Mongolian Baiti"/>
+        <a:font script="Viet" typeface="Times New Roman"/>
+        <a:font script="Uigh" typeface="Microsoft Uighur"/>
+        <a:font script="Geor" typeface="Sylfaen"/>
+      </a:majorFont>
+      <a:minorFont>
+        <a:latin typeface="游ゴシック"/>
+        <a:ea typeface=""/>
+        <a:cs typeface=""/>
+        <a:font script="Jpan" typeface="游ゴシック"/>
+        <a:font script="Hang" typeface="맑은 고딕"/>
+        <a:font script="Hans" typeface="等线"/>
+        <a:font script="Hant" typeface="新細明體"/>
+        <a:font script="Arab" typeface="Arial"/>
+        <a:font script="Hebr" typeface="Arial"/>
+        <a:font script="Thai" typeface="Cordia New"/>
+        <a:font script="Ethi" typeface="Nyala"/>
+        <a:font script="Beng" typeface="Vrinda"/>
+        <a:font script="Gujr" typeface="Shruti"/>
+        <a:font script="Khmr" typeface="DaunPenh"/>
+        <a:font script="Knda" typeface="Tunga"/>
+        <a:font script="Guru" typeface="Raavi"/>
+        <a:font script="Cans" typeface="Euphemia"/>
+        <a:font script="Cher" typeface="Plantagenet Cherokee"/>
+        <a:font script="Yiii" typeface="Microsoft Yi Baiti"/>
+        <a:font script="Tibt" typeface="Microsoft Himalaya"/>
+        <a:font script="Thaa" typeface="MV Boli"/>
+        <a:font script="Deva" typeface="Mangal"/>
+        <a:font script="Telu" typeface="Gautami"/>
+        <a:font script="Taml" typeface="Latha"/>
+        <a:font script="Syrc" typeface="Estrangelo Edessa"/>
+        <a:font script="Orya" typeface="Kalinga"/>
+        <a:font script="Mlym" typeface="Kartika"/>
+        <a:font script="Laoo" typeface="DokChampa"/>
+        <a:font script="Sinh" typeface="Iskoola Pota"/>
+        <a:font script="Mong" typeface="Mongolian Baiti"/>
+        <a:font script="Viet" typeface="Arial"/>
+        <a:font script="Uigh" typeface="Microsoft Uighur"/>
+        <a:font script="Geor" typeface="Sylfaen"/>
+      </a:minorFont>
+    </a:fontScheme>
+    <a:fmtScheme name="Office">
+      <a:fillStyleLst>
+        <a:solidFill>
+          <a:schemeClr val="phClr"/>
+        </a:solidFill>
+        <a:gradFill rotWithShape="1">
+          <a:gsLst>
+            <a:gs pos="0">
+              <a:schemeClr val="phClr">
+                <a:lumMod val="110000"/>
+                <a:satMod val="105000"/>
+                <a:tint val="67000"/>
+              </a:schemeClr>
+            </a:gs>
+            <a:gs pos="50000">
+              <a:schemeClr val="phClr">
+                <a:lumMod val="105000"/>
+                <a:satMod val="103000"/>
+                <a:tint val="73000"/>
+              </a:schemeClr>
+            </a:gs>
+            <a:gs pos="100000">
+              <a:schemeClr val="phClr">
+                <a:lumMod val="105000"/>
+                <a:satMod val="109000"/>
+                <a:tint val="81000"/>
+              </a:schemeClr>
+            </a:gs>
+          </a:gsLst>
+          <a:lin ang="5400000" scaled="0"/>
+        </a:gradFill>
+        <a:gradFill rotWithShape="1">
+          <a:gsLst>
+            <a:gs pos="0">
+              <a:schemeClr val="phClr">
+                <a:satMod val="103000"/>
+                <a:lumMod val="102000"/>
+                <a:tint val="94000"/>
+              </a:schemeClr>
+            </a:gs>
+            <a:gs pos="50000">
+              <a:schemeClr val="phClr">
+                <a:satMod val="110000"/>
+                <a:lumMod val="100000"/>
+                <a:shade val="100000"/>
+              </a:schemeClr>
+            </a:gs>
+            <a:gs pos="100000">
+              <a:schemeClr val="phClr">
+                <a:lumMod val="99000"/>
+                <a:satMod val="120000"/>
+                <a:shade val="78000"/>
+              </a:schemeClr>
+            </a:gs>
+          </a:gsLst>
+          <a:lin ang="5400000" scaled="0"/>
+        </a:gradFill>
+      </a:fillStyleLst>
+      <a:lnStyleLst>
+        <a:ln w="6350" cap="flat" cmpd="sng" algn="ctr">
+          <a:solidFill>
+            <a:schemeClr val="phClr"/>
+          </a:solidFill>
+          <a:prstDash val="solid"/>
+          <a:miter lim="800000"/>
+        </a:ln>
+        <a:ln w="12700" cap="flat" cmpd="sng" algn="ctr">
+          <a:solidFill>
+            <a:schemeClr val="phClr"/>
+          </a:solidFill>
+          <a:prstDash val="solid"/>
+          <a:miter lim="800000"/>
+        </a:ln>
+        <a:ln w="19050" cap="flat" cmpd="sng" algn="ctr">
+          <a:solidFill>
+            <a:schemeClr val="phClr"/>
+          </a:solidFill>
+          <a:prstDash val="solid"/>
+          <a:miter lim="800000"/>
+        </a:ln>
+      </a:lnStyleLst>
+      <a:effectStyleLst>
+        <a:effectStyle>
+          <a:effectLst/>
+        </a:effectStyle>
+        <a:effectStyle>
+          <a:effectLst/>
+        </a:effectStyle>
+        <a:effectStyle>
+          <a:effectLst>
+            <a:outerShdw blurRad="57150" dist="19050" dir="5400000" algn="ctr" rotWithShape="0">
+              <a:srgbClr val="000000">
+                <a:alpha val="63000"/>
+              </a:srgbClr>
+            </a:outerShdw>
+          </a:effectLst>
+        </a:effectStyle>
+      </a:effectStyleLst>
+      <a:bgFillStyleLst>
+        <a:solidFill>
+          <a:schemeClr val="phClr"/>
+        </a:solidFill>
+        <a:solidFill>
+          <a:schemeClr val="phClr">
+            <a:tint val="95000"/>
+            <a:satMod val="170000"/>
+          </a:schemeClr>
+        </a:solidFill>
+        <a:gradFill rotWithShape="1">
+          <a:gsLst>
+            <a:gs pos="0">
+              <a:schemeClr val="phClr">
+                <a:tint val="93000"/>
+                <a:satMod val="150000"/>
+                <a:shade val="98000"/>
+                <a:lumMod val="102000"/>
+              </a:schemeClr>
+            </a:gs>
+            <a:gs pos="50000">
+              <a:schemeClr val="phClr">
+                <a:tint val="98000"/>
+                <a:satMod val="130000"/>
+                <a:shade val="90000"/>
+                <a:lumMod val="103000"/>
+              </a:schemeClr>
+            </a:gs>
+            <a:gs pos="100000">
+              <a:schemeClr val="phClr">
+                <a:shade val="63000"/>
+                <a:satMod val="120000"/>
+              </a:schemeClr>
+            </a:gs>
+          </a:gsLst>
+          <a:lin ang="5400000" scaled="0"/>
+        </a:gradFill>
+      </a:bgFillStyleLst>
+    </a:fmtScheme>
+  </a:themeElements>
   <a:extLst>
     <a:ext uri="{05A4C25C-085E-4340-85A3-A5531E510DB2}">
       <thm15:themeFamily xmlns:thm15="http://schemas.microsoft.com/office/thememl/2012/main" name="Office Theme" id="{62F939B6-93AF-4DB8-9C6B-D6C7DFDC589F}" vid="{4A3C46E8-61CC-4603-A589-7422A47A8E4A}"/>

--- a/docs/Examples/Engines/Transient/O360-turbocharged-vs-mech.supercharged-vs-none/makeFig_O360-turbocharged-vs-mech.supercharged-vs-none.pptx
+++ b/docs/Examples/Engines/Transient/O360-turbocharged-vs-mech.supercharged-vs-none/makeFig_O360-turbocharged-vs-mech.supercharged-vs-none.pptx
@@ -3,13 +3,13 @@
 <p:presentation xmlns:a="http://schemas.openxmlformats.org/drawingml/2006/main" xmlns:r="http://schemas.openxmlformats.org/officeDocument/2006/relationships" xmlns:p="http://schemas.openxmlformats.org/presentationml/2006/main">
   <p:sldMasterIdLst>
     <p:sldMasterId id="2147483648" r:id="rId1"/>
-    <p:sldMasterId id="2147483660" r:id="rId3"/>
+    <p:sldMasterId id="2147483660" r:id="rId2"/>
   </p:sldMasterIdLst>
   <p:sldIdLst>
-    <p:sldId id="347" r:id="rId4"/>
-    <p:sldId id="345" r:id="rId5"/>
-    <p:sldId id="346" r:id="rId6"/>
-    <p:sldId id="350" r:id="rId7"/>
+    <p:sldId id="347" r:id="rId3"/>
+    <p:sldId id="345" r:id="rId4"/>
+    <p:sldId id="346" r:id="rId5"/>
+    <p:sldId id="350" r:id="rId6"/>
   </p:sldIdLst>
   <p:sldSz cx="12192000" cy="6858000"/>
   <p:notesSz cx="6858000" cy="9144000"/>
@@ -121,6 +121,9 @@
         </p14:section>
       </p14:sectionLst>
     </p:ext>
+    <p:ext uri="{EFAFB233-063F-42B5-8137-9DF3F51BA10A}">
+      <p15:sldGuideLst xmlns:p15="http://schemas.microsoft.com/office/powerpoint/2012/main"/>
+    </p:ext>
   </p:extLst>
 </p:presentation>
 </file>
@@ -170,7 +173,6 @@
               <a:rPr kumimoji="1" lang="ja-JP" altLang="en-US"/>
               <a:t>マスター タイトルの書式設定</a:t>
             </a:r>
-            <a:endParaRPr kumimoji="1" lang="ja-JP" altLang="en-US"/>
           </a:p>
         </p:txBody>
       </p:sp>
@@ -235,7 +237,6 @@
               <a:rPr kumimoji="1" lang="ja-JP" altLang="en-US"/>
               <a:t>マスター サブタイトルの書式設定</a:t>
             </a:r>
-            <a:endParaRPr kumimoji="1" lang="ja-JP" altLang="en-US"/>
           </a:p>
         </p:txBody>
       </p:sp>
@@ -256,6 +257,7 @@
           <a:p>
             <a:fld id="{EF01AC3F-5B2B-4265-BEF4-31326588BC24}" type="datetimeFigureOut">
               <a:rPr kumimoji="1" lang="ja-JP" altLang="en-US" smtClean="0"/>
+              <a:t>2021/10/30</a:t>
             </a:fld>
             <a:endParaRPr kumimoji="1" lang="ja-JP" altLang="en-US"/>
           </a:p>
@@ -297,6 +299,7 @@
           <a:p>
             <a:fld id="{55416541-5EAB-4E31-BA93-A38D44E03098}" type="slidenum">
               <a:rPr kumimoji="1" lang="ja-JP" altLang="en-US" smtClean="0"/>
+              <a:t>‹#›</a:t>
             </a:fld>
             <a:endParaRPr kumimoji="1" lang="ja-JP" altLang="en-US"/>
           </a:p>
@@ -346,7 +349,6 @@
               <a:rPr kumimoji="1" lang="ja-JP" altLang="en-US"/>
               <a:t>マスター タイトルの書式設定</a:t>
             </a:r>
-            <a:endParaRPr kumimoji="1" lang="ja-JP" altLang="en-US"/>
           </a:p>
         </p:txBody>
       </p:sp>
@@ -370,7 +372,6 @@
               <a:rPr kumimoji="1" lang="ja-JP" altLang="en-US"/>
               <a:t>マスター テキストの書式設定</a:t>
             </a:r>
-            <a:endParaRPr kumimoji="1" lang="ja-JP" altLang="en-US"/>
           </a:p>
           <a:p>
             <a:pPr lvl="1"/>
@@ -386,7 +387,6 @@
               <a:rPr kumimoji="1" lang="ja-JP" altLang="en-US"/>
               <a:t>レベル</a:t>
             </a:r>
-            <a:endParaRPr kumimoji="1" lang="ja-JP" altLang="en-US"/>
           </a:p>
           <a:p>
             <a:pPr lvl="2"/>
@@ -402,7 +402,6 @@
               <a:rPr kumimoji="1" lang="ja-JP" altLang="en-US"/>
               <a:t>レベル</a:t>
             </a:r>
-            <a:endParaRPr kumimoji="1" lang="ja-JP" altLang="en-US"/>
           </a:p>
           <a:p>
             <a:pPr lvl="3"/>
@@ -418,7 +417,6 @@
               <a:rPr kumimoji="1" lang="ja-JP" altLang="en-US"/>
               <a:t>レベル</a:t>
             </a:r>
-            <a:endParaRPr kumimoji="1" lang="ja-JP" altLang="en-US"/>
           </a:p>
           <a:p>
             <a:pPr lvl="4"/>
@@ -434,7 +432,6 @@
               <a:rPr kumimoji="1" lang="ja-JP" altLang="en-US"/>
               <a:t>レベル</a:t>
             </a:r>
-            <a:endParaRPr kumimoji="1" lang="ja-JP" altLang="en-US"/>
           </a:p>
         </p:txBody>
       </p:sp>
@@ -455,6 +452,7 @@
           <a:p>
             <a:fld id="{EF01AC3F-5B2B-4265-BEF4-31326588BC24}" type="datetimeFigureOut">
               <a:rPr kumimoji="1" lang="ja-JP" altLang="en-US" smtClean="0"/>
+              <a:t>2021/10/30</a:t>
             </a:fld>
             <a:endParaRPr kumimoji="1" lang="ja-JP" altLang="en-US"/>
           </a:p>
@@ -496,6 +494,7 @@
           <a:p>
             <a:fld id="{55416541-5EAB-4E31-BA93-A38D44E03098}" type="slidenum">
               <a:rPr kumimoji="1" lang="ja-JP" altLang="en-US" smtClean="0"/>
+              <a:t>‹#›</a:t>
             </a:fld>
             <a:endParaRPr kumimoji="1" lang="ja-JP" altLang="en-US"/>
           </a:p>
@@ -550,7 +549,6 @@
               <a:rPr kumimoji="1" lang="ja-JP" altLang="en-US"/>
               <a:t>マスター タイトルの書式設定</a:t>
             </a:r>
-            <a:endParaRPr kumimoji="1" lang="ja-JP" altLang="en-US"/>
           </a:p>
         </p:txBody>
       </p:sp>
@@ -579,7 +577,6 @@
               <a:rPr kumimoji="1" lang="ja-JP" altLang="en-US"/>
               <a:t>マスター テキストの書式設定</a:t>
             </a:r>
-            <a:endParaRPr kumimoji="1" lang="ja-JP" altLang="en-US"/>
           </a:p>
           <a:p>
             <a:pPr lvl="1"/>
@@ -595,7 +592,6 @@
               <a:rPr kumimoji="1" lang="ja-JP" altLang="en-US"/>
               <a:t>レベル</a:t>
             </a:r>
-            <a:endParaRPr kumimoji="1" lang="ja-JP" altLang="en-US"/>
           </a:p>
           <a:p>
             <a:pPr lvl="2"/>
@@ -611,7 +607,6 @@
               <a:rPr kumimoji="1" lang="ja-JP" altLang="en-US"/>
               <a:t>レベル</a:t>
             </a:r>
-            <a:endParaRPr kumimoji="1" lang="ja-JP" altLang="en-US"/>
           </a:p>
           <a:p>
             <a:pPr lvl="3"/>
@@ -627,7 +622,6 @@
               <a:rPr kumimoji="1" lang="ja-JP" altLang="en-US"/>
               <a:t>レベル</a:t>
             </a:r>
-            <a:endParaRPr kumimoji="1" lang="ja-JP" altLang="en-US"/>
           </a:p>
           <a:p>
             <a:pPr lvl="4"/>
@@ -643,7 +637,6 @@
               <a:rPr kumimoji="1" lang="ja-JP" altLang="en-US"/>
               <a:t>レベル</a:t>
             </a:r>
-            <a:endParaRPr kumimoji="1" lang="ja-JP" altLang="en-US"/>
           </a:p>
         </p:txBody>
       </p:sp>
@@ -664,6 +657,7 @@
           <a:p>
             <a:fld id="{EF01AC3F-5B2B-4265-BEF4-31326588BC24}" type="datetimeFigureOut">
               <a:rPr kumimoji="1" lang="ja-JP" altLang="en-US" smtClean="0"/>
+              <a:t>2021/10/30</a:t>
             </a:fld>
             <a:endParaRPr kumimoji="1" lang="ja-JP" altLang="en-US"/>
           </a:p>
@@ -705,6 +699,7 @@
           <a:p>
             <a:fld id="{55416541-5EAB-4E31-BA93-A38D44E03098}" type="slidenum">
               <a:rPr kumimoji="1" lang="ja-JP" altLang="en-US" smtClean="0"/>
+              <a:t>‹#›</a:t>
             </a:fld>
             <a:endParaRPr kumimoji="1" lang="ja-JP" altLang="en-US"/>
           </a:p>
@@ -763,7 +758,6 @@
               <a:rPr kumimoji="1" lang="ja-JP" altLang="en-US"/>
               <a:t>マスター タイトルの書式設定</a:t>
             </a:r>
-            <a:endParaRPr kumimoji="1" lang="ja-JP" altLang="en-US"/>
           </a:p>
         </p:txBody>
       </p:sp>
@@ -828,7 +822,6 @@
               <a:rPr kumimoji="1" lang="ja-JP" altLang="en-US"/>
               <a:t>マスター サブタイトルの書式設定</a:t>
             </a:r>
-            <a:endParaRPr kumimoji="1" lang="ja-JP" altLang="en-US"/>
           </a:p>
         </p:txBody>
       </p:sp>
@@ -849,6 +842,7 @@
           <a:p>
             <a:fld id="{EF01AC3F-5B2B-4265-BEF4-31326588BC24}" type="datetimeFigureOut">
               <a:rPr kumimoji="1" lang="ja-JP" altLang="en-US" smtClean="0"/>
+              <a:t>2021/10/30</a:t>
             </a:fld>
             <a:endParaRPr kumimoji="1" lang="ja-JP" altLang="en-US"/>
           </a:p>
@@ -890,6 +884,7 @@
           <a:p>
             <a:fld id="{55416541-5EAB-4E31-BA93-A38D44E03098}" type="slidenum">
               <a:rPr kumimoji="1" lang="ja-JP" altLang="en-US" smtClean="0"/>
+              <a:t>‹#›</a:t>
             </a:fld>
             <a:endParaRPr kumimoji="1" lang="ja-JP" altLang="en-US"/>
           </a:p>
@@ -939,7 +934,6 @@
               <a:rPr kumimoji="1" lang="ja-JP" altLang="en-US"/>
               <a:t>マスター タイトルの書式設定</a:t>
             </a:r>
-            <a:endParaRPr kumimoji="1" lang="ja-JP" altLang="en-US"/>
           </a:p>
         </p:txBody>
       </p:sp>
@@ -963,7 +957,6 @@
               <a:rPr kumimoji="1" lang="ja-JP" altLang="en-US"/>
               <a:t>マスター テキストの書式設定</a:t>
             </a:r>
-            <a:endParaRPr kumimoji="1" lang="ja-JP" altLang="en-US"/>
           </a:p>
           <a:p>
             <a:pPr lvl="1"/>
@@ -979,7 +972,6 @@
               <a:rPr kumimoji="1" lang="ja-JP" altLang="en-US"/>
               <a:t>レベル</a:t>
             </a:r>
-            <a:endParaRPr kumimoji="1" lang="ja-JP" altLang="en-US"/>
           </a:p>
           <a:p>
             <a:pPr lvl="2"/>
@@ -995,7 +987,6 @@
               <a:rPr kumimoji="1" lang="ja-JP" altLang="en-US"/>
               <a:t>レベル</a:t>
             </a:r>
-            <a:endParaRPr kumimoji="1" lang="ja-JP" altLang="en-US"/>
           </a:p>
           <a:p>
             <a:pPr lvl="3"/>
@@ -1011,7 +1002,6 @@
               <a:rPr kumimoji="1" lang="ja-JP" altLang="en-US"/>
               <a:t>レベル</a:t>
             </a:r>
-            <a:endParaRPr kumimoji="1" lang="ja-JP" altLang="en-US"/>
           </a:p>
           <a:p>
             <a:pPr lvl="4"/>
@@ -1027,7 +1017,6 @@
               <a:rPr kumimoji="1" lang="ja-JP" altLang="en-US"/>
               <a:t>レベル</a:t>
             </a:r>
-            <a:endParaRPr kumimoji="1" lang="ja-JP" altLang="en-US"/>
           </a:p>
         </p:txBody>
       </p:sp>
@@ -1048,6 +1037,7 @@
           <a:p>
             <a:fld id="{EF01AC3F-5B2B-4265-BEF4-31326588BC24}" type="datetimeFigureOut">
               <a:rPr kumimoji="1" lang="ja-JP" altLang="en-US" smtClean="0"/>
+              <a:t>2021/10/30</a:t>
             </a:fld>
             <a:endParaRPr kumimoji="1" lang="ja-JP" altLang="en-US"/>
           </a:p>
@@ -1089,6 +1079,7 @@
           <a:p>
             <a:fld id="{55416541-5EAB-4E31-BA93-A38D44E03098}" type="slidenum">
               <a:rPr kumimoji="1" lang="ja-JP" altLang="en-US" smtClean="0"/>
+              <a:t>‹#›</a:t>
             </a:fld>
             <a:endParaRPr kumimoji="1" lang="ja-JP" altLang="en-US"/>
           </a:p>
@@ -1147,7 +1138,6 @@
               <a:rPr kumimoji="1" lang="ja-JP" altLang="en-US"/>
               <a:t>マスター タイトルの書式設定</a:t>
             </a:r>
-            <a:endParaRPr kumimoji="1" lang="ja-JP" altLang="en-US"/>
           </a:p>
         </p:txBody>
       </p:sp>
@@ -1267,7 +1257,6 @@
               <a:rPr kumimoji="1" lang="ja-JP" altLang="en-US"/>
               <a:t>マスター テキストの書式設定</a:t>
             </a:r>
-            <a:endParaRPr kumimoji="1" lang="ja-JP" altLang="en-US"/>
           </a:p>
         </p:txBody>
       </p:sp>
@@ -1288,6 +1277,7 @@
           <a:p>
             <a:fld id="{EF01AC3F-5B2B-4265-BEF4-31326588BC24}" type="datetimeFigureOut">
               <a:rPr kumimoji="1" lang="ja-JP" altLang="en-US" smtClean="0"/>
+              <a:t>2021/10/30</a:t>
             </a:fld>
             <a:endParaRPr kumimoji="1" lang="ja-JP" altLang="en-US"/>
           </a:p>
@@ -1329,6 +1319,7 @@
           <a:p>
             <a:fld id="{55416541-5EAB-4E31-BA93-A38D44E03098}" type="slidenum">
               <a:rPr kumimoji="1" lang="ja-JP" altLang="en-US" smtClean="0"/>
+              <a:t>‹#›</a:t>
             </a:fld>
             <a:endParaRPr kumimoji="1" lang="ja-JP" altLang="en-US"/>
           </a:p>
@@ -1378,7 +1369,6 @@
               <a:rPr kumimoji="1" lang="ja-JP" altLang="en-US"/>
               <a:t>マスター タイトルの書式設定</a:t>
             </a:r>
-            <a:endParaRPr kumimoji="1" lang="ja-JP" altLang="en-US"/>
           </a:p>
         </p:txBody>
       </p:sp>
@@ -1407,7 +1397,6 @@
               <a:rPr kumimoji="1" lang="ja-JP" altLang="en-US"/>
               <a:t>マスター テキストの書式設定</a:t>
             </a:r>
-            <a:endParaRPr kumimoji="1" lang="ja-JP" altLang="en-US"/>
           </a:p>
           <a:p>
             <a:pPr lvl="1"/>
@@ -1423,7 +1412,6 @@
               <a:rPr kumimoji="1" lang="ja-JP" altLang="en-US"/>
               <a:t>レベル</a:t>
             </a:r>
-            <a:endParaRPr kumimoji="1" lang="ja-JP" altLang="en-US"/>
           </a:p>
           <a:p>
             <a:pPr lvl="2"/>
@@ -1439,7 +1427,6 @@
               <a:rPr kumimoji="1" lang="ja-JP" altLang="en-US"/>
               <a:t>レベル</a:t>
             </a:r>
-            <a:endParaRPr kumimoji="1" lang="ja-JP" altLang="en-US"/>
           </a:p>
           <a:p>
             <a:pPr lvl="3"/>
@@ -1455,7 +1442,6 @@
               <a:rPr kumimoji="1" lang="ja-JP" altLang="en-US"/>
               <a:t>レベル</a:t>
             </a:r>
-            <a:endParaRPr kumimoji="1" lang="ja-JP" altLang="en-US"/>
           </a:p>
           <a:p>
             <a:pPr lvl="4"/>
@@ -1471,7 +1457,6 @@
               <a:rPr kumimoji="1" lang="ja-JP" altLang="en-US"/>
               <a:t>レベル</a:t>
             </a:r>
-            <a:endParaRPr kumimoji="1" lang="ja-JP" altLang="en-US"/>
           </a:p>
         </p:txBody>
       </p:sp>
@@ -1500,7 +1485,6 @@
               <a:rPr kumimoji="1" lang="ja-JP" altLang="en-US"/>
               <a:t>マスター テキストの書式設定</a:t>
             </a:r>
-            <a:endParaRPr kumimoji="1" lang="ja-JP" altLang="en-US"/>
           </a:p>
           <a:p>
             <a:pPr lvl="1"/>
@@ -1516,7 +1500,6 @@
               <a:rPr kumimoji="1" lang="ja-JP" altLang="en-US"/>
               <a:t>レベル</a:t>
             </a:r>
-            <a:endParaRPr kumimoji="1" lang="ja-JP" altLang="en-US"/>
           </a:p>
           <a:p>
             <a:pPr lvl="2"/>
@@ -1532,7 +1515,6 @@
               <a:rPr kumimoji="1" lang="ja-JP" altLang="en-US"/>
               <a:t>レベル</a:t>
             </a:r>
-            <a:endParaRPr kumimoji="1" lang="ja-JP" altLang="en-US"/>
           </a:p>
           <a:p>
             <a:pPr lvl="3"/>
@@ -1548,7 +1530,6 @@
               <a:rPr kumimoji="1" lang="ja-JP" altLang="en-US"/>
               <a:t>レベル</a:t>
             </a:r>
-            <a:endParaRPr kumimoji="1" lang="ja-JP" altLang="en-US"/>
           </a:p>
           <a:p>
             <a:pPr lvl="4"/>
@@ -1564,7 +1545,6 @@
               <a:rPr kumimoji="1" lang="ja-JP" altLang="en-US"/>
               <a:t>レベル</a:t>
             </a:r>
-            <a:endParaRPr kumimoji="1" lang="ja-JP" altLang="en-US"/>
           </a:p>
         </p:txBody>
       </p:sp>
@@ -1585,6 +1565,7 @@
           <a:p>
             <a:fld id="{EF01AC3F-5B2B-4265-BEF4-31326588BC24}" type="datetimeFigureOut">
               <a:rPr kumimoji="1" lang="ja-JP" altLang="en-US" smtClean="0"/>
+              <a:t>2021/10/30</a:t>
             </a:fld>
             <a:endParaRPr kumimoji="1" lang="ja-JP" altLang="en-US"/>
           </a:p>
@@ -1626,6 +1607,7 @@
           <a:p>
             <a:fld id="{55416541-5EAB-4E31-BA93-A38D44E03098}" type="slidenum">
               <a:rPr kumimoji="1" lang="ja-JP" altLang="en-US" smtClean="0"/>
+              <a:t>‹#›</a:t>
             </a:fld>
             <a:endParaRPr kumimoji="1" lang="ja-JP" altLang="en-US"/>
           </a:p>
@@ -1680,7 +1662,6 @@
               <a:rPr kumimoji="1" lang="ja-JP" altLang="en-US"/>
               <a:t>マスター タイトルの書式設定</a:t>
             </a:r>
-            <a:endParaRPr kumimoji="1" lang="ja-JP" altLang="en-US"/>
           </a:p>
         </p:txBody>
       </p:sp>
@@ -1746,7 +1727,6 @@
               <a:rPr kumimoji="1" lang="ja-JP" altLang="en-US"/>
               <a:t>マスター テキストの書式設定</a:t>
             </a:r>
-            <a:endParaRPr kumimoji="1" lang="ja-JP" altLang="en-US"/>
           </a:p>
         </p:txBody>
       </p:sp>
@@ -1775,7 +1755,6 @@
               <a:rPr kumimoji="1" lang="ja-JP" altLang="en-US"/>
               <a:t>マスター テキストの書式設定</a:t>
             </a:r>
-            <a:endParaRPr kumimoji="1" lang="ja-JP" altLang="en-US"/>
           </a:p>
           <a:p>
             <a:pPr lvl="1"/>
@@ -1791,7 +1770,6 @@
               <a:rPr kumimoji="1" lang="ja-JP" altLang="en-US"/>
               <a:t>レベル</a:t>
             </a:r>
-            <a:endParaRPr kumimoji="1" lang="ja-JP" altLang="en-US"/>
           </a:p>
           <a:p>
             <a:pPr lvl="2"/>
@@ -1807,7 +1785,6 @@
               <a:rPr kumimoji="1" lang="ja-JP" altLang="en-US"/>
               <a:t>レベル</a:t>
             </a:r>
-            <a:endParaRPr kumimoji="1" lang="ja-JP" altLang="en-US"/>
           </a:p>
           <a:p>
             <a:pPr lvl="3"/>
@@ -1823,7 +1800,6 @@
               <a:rPr kumimoji="1" lang="ja-JP" altLang="en-US"/>
               <a:t>レベル</a:t>
             </a:r>
-            <a:endParaRPr kumimoji="1" lang="ja-JP" altLang="en-US"/>
           </a:p>
           <a:p>
             <a:pPr lvl="4"/>
@@ -1839,7 +1815,6 @@
               <a:rPr kumimoji="1" lang="ja-JP" altLang="en-US"/>
               <a:t>レベル</a:t>
             </a:r>
-            <a:endParaRPr kumimoji="1" lang="ja-JP" altLang="en-US"/>
           </a:p>
         </p:txBody>
       </p:sp>
@@ -1905,7 +1880,6 @@
               <a:rPr kumimoji="1" lang="ja-JP" altLang="en-US"/>
               <a:t>マスター テキストの書式設定</a:t>
             </a:r>
-            <a:endParaRPr kumimoji="1" lang="ja-JP" altLang="en-US"/>
           </a:p>
         </p:txBody>
       </p:sp>
@@ -1934,7 +1908,6 @@
               <a:rPr kumimoji="1" lang="ja-JP" altLang="en-US"/>
               <a:t>マスター テキストの書式設定</a:t>
             </a:r>
-            <a:endParaRPr kumimoji="1" lang="ja-JP" altLang="en-US"/>
           </a:p>
           <a:p>
             <a:pPr lvl="1"/>
@@ -1950,7 +1923,6 @@
               <a:rPr kumimoji="1" lang="ja-JP" altLang="en-US"/>
               <a:t>レベル</a:t>
             </a:r>
-            <a:endParaRPr kumimoji="1" lang="ja-JP" altLang="en-US"/>
           </a:p>
           <a:p>
             <a:pPr lvl="2"/>
@@ -1966,7 +1938,6 @@
               <a:rPr kumimoji="1" lang="ja-JP" altLang="en-US"/>
               <a:t>レベル</a:t>
             </a:r>
-            <a:endParaRPr kumimoji="1" lang="ja-JP" altLang="en-US"/>
           </a:p>
           <a:p>
             <a:pPr lvl="3"/>
@@ -1982,7 +1953,6 @@
               <a:rPr kumimoji="1" lang="ja-JP" altLang="en-US"/>
               <a:t>レベル</a:t>
             </a:r>
-            <a:endParaRPr kumimoji="1" lang="ja-JP" altLang="en-US"/>
           </a:p>
           <a:p>
             <a:pPr lvl="4"/>
@@ -1998,7 +1968,6 @@
               <a:rPr kumimoji="1" lang="ja-JP" altLang="en-US"/>
               <a:t>レベル</a:t>
             </a:r>
-            <a:endParaRPr kumimoji="1" lang="ja-JP" altLang="en-US"/>
           </a:p>
         </p:txBody>
       </p:sp>
@@ -2019,6 +1988,7 @@
           <a:p>
             <a:fld id="{EF01AC3F-5B2B-4265-BEF4-31326588BC24}" type="datetimeFigureOut">
               <a:rPr kumimoji="1" lang="ja-JP" altLang="en-US" smtClean="0"/>
+              <a:t>2021/10/30</a:t>
             </a:fld>
             <a:endParaRPr kumimoji="1" lang="ja-JP" altLang="en-US"/>
           </a:p>
@@ -2060,6 +2030,7 @@
           <a:p>
             <a:fld id="{55416541-5EAB-4E31-BA93-A38D44E03098}" type="slidenum">
               <a:rPr kumimoji="1" lang="ja-JP" altLang="en-US" smtClean="0"/>
+              <a:t>‹#›</a:t>
             </a:fld>
             <a:endParaRPr kumimoji="1" lang="ja-JP" altLang="en-US"/>
           </a:p>
@@ -2109,7 +2080,6 @@
               <a:rPr kumimoji="1" lang="ja-JP" altLang="en-US"/>
               <a:t>マスター タイトルの書式設定</a:t>
             </a:r>
-            <a:endParaRPr kumimoji="1" lang="ja-JP" altLang="en-US"/>
           </a:p>
         </p:txBody>
       </p:sp>
@@ -2130,6 +2100,7 @@
           <a:p>
             <a:fld id="{EF01AC3F-5B2B-4265-BEF4-31326588BC24}" type="datetimeFigureOut">
               <a:rPr kumimoji="1" lang="ja-JP" altLang="en-US" smtClean="0"/>
+              <a:t>2021/10/30</a:t>
             </a:fld>
             <a:endParaRPr kumimoji="1" lang="ja-JP" altLang="en-US"/>
           </a:p>
@@ -2171,6 +2142,7 @@
           <a:p>
             <a:fld id="{55416541-5EAB-4E31-BA93-A38D44E03098}" type="slidenum">
               <a:rPr kumimoji="1" lang="ja-JP" altLang="en-US" smtClean="0"/>
+              <a:t>‹#›</a:t>
             </a:fld>
             <a:endParaRPr kumimoji="1" lang="ja-JP" altLang="en-US"/>
           </a:p>
@@ -2218,6 +2190,7 @@
           <a:p>
             <a:fld id="{EF01AC3F-5B2B-4265-BEF4-31326588BC24}" type="datetimeFigureOut">
               <a:rPr kumimoji="1" lang="ja-JP" altLang="en-US" smtClean="0"/>
+              <a:t>2021/10/30</a:t>
             </a:fld>
             <a:endParaRPr kumimoji="1" lang="ja-JP" altLang="en-US"/>
           </a:p>
@@ -2259,6 +2232,7 @@
           <a:p>
             <a:fld id="{55416541-5EAB-4E31-BA93-A38D44E03098}" type="slidenum">
               <a:rPr kumimoji="1" lang="ja-JP" altLang="en-US" smtClean="0"/>
+              <a:t>‹#›</a:t>
             </a:fld>
             <a:endParaRPr kumimoji="1" lang="ja-JP" altLang="en-US"/>
           </a:p>
@@ -2317,7 +2291,6 @@
               <a:rPr kumimoji="1" lang="ja-JP" altLang="en-US"/>
               <a:t>マスター タイトルの書式設定</a:t>
             </a:r>
-            <a:endParaRPr kumimoji="1" lang="ja-JP" altLang="en-US"/>
           </a:p>
         </p:txBody>
       </p:sp>
@@ -2374,7 +2347,6 @@
               <a:rPr kumimoji="1" lang="ja-JP" altLang="en-US"/>
               <a:t>マスター テキストの書式設定</a:t>
             </a:r>
-            <a:endParaRPr kumimoji="1" lang="ja-JP" altLang="en-US"/>
           </a:p>
           <a:p>
             <a:pPr lvl="1"/>
@@ -2390,7 +2362,6 @@
               <a:rPr kumimoji="1" lang="ja-JP" altLang="en-US"/>
               <a:t>レベル</a:t>
             </a:r>
-            <a:endParaRPr kumimoji="1" lang="ja-JP" altLang="en-US"/>
           </a:p>
           <a:p>
             <a:pPr lvl="2"/>
@@ -2406,7 +2377,6 @@
               <a:rPr kumimoji="1" lang="ja-JP" altLang="en-US"/>
               <a:t>レベル</a:t>
             </a:r>
-            <a:endParaRPr kumimoji="1" lang="ja-JP" altLang="en-US"/>
           </a:p>
           <a:p>
             <a:pPr lvl="3"/>
@@ -2422,7 +2392,6 @@
               <a:rPr kumimoji="1" lang="ja-JP" altLang="en-US"/>
               <a:t>レベル</a:t>
             </a:r>
-            <a:endParaRPr kumimoji="1" lang="ja-JP" altLang="en-US"/>
           </a:p>
           <a:p>
             <a:pPr lvl="4"/>
@@ -2438,7 +2407,6 @@
               <a:rPr kumimoji="1" lang="ja-JP" altLang="en-US"/>
               <a:t>レベル</a:t>
             </a:r>
-            <a:endParaRPr kumimoji="1" lang="ja-JP" altLang="en-US"/>
           </a:p>
         </p:txBody>
       </p:sp>
@@ -2504,7 +2472,6 @@
               <a:rPr kumimoji="1" lang="ja-JP" altLang="en-US"/>
               <a:t>マスター テキストの書式設定</a:t>
             </a:r>
-            <a:endParaRPr kumimoji="1" lang="ja-JP" altLang="en-US"/>
           </a:p>
         </p:txBody>
       </p:sp>
@@ -2525,6 +2492,7 @@
           <a:p>
             <a:fld id="{EF01AC3F-5B2B-4265-BEF4-31326588BC24}" type="datetimeFigureOut">
               <a:rPr kumimoji="1" lang="ja-JP" altLang="en-US" smtClean="0"/>
+              <a:t>2021/10/30</a:t>
             </a:fld>
             <a:endParaRPr kumimoji="1" lang="ja-JP" altLang="en-US"/>
           </a:p>
@@ -2566,6 +2534,7 @@
           <a:p>
             <a:fld id="{55416541-5EAB-4E31-BA93-A38D44E03098}" type="slidenum">
               <a:rPr kumimoji="1" lang="ja-JP" altLang="en-US" smtClean="0"/>
+              <a:t>‹#›</a:t>
             </a:fld>
             <a:endParaRPr kumimoji="1" lang="ja-JP" altLang="en-US"/>
           </a:p>
@@ -2615,7 +2584,6 @@
               <a:rPr kumimoji="1" lang="ja-JP" altLang="en-US"/>
               <a:t>マスター タイトルの書式設定</a:t>
             </a:r>
-            <a:endParaRPr kumimoji="1" lang="ja-JP" altLang="en-US"/>
           </a:p>
         </p:txBody>
       </p:sp>
@@ -2639,7 +2607,6 @@
               <a:rPr kumimoji="1" lang="ja-JP" altLang="en-US"/>
               <a:t>マスター テキストの書式設定</a:t>
             </a:r>
-            <a:endParaRPr kumimoji="1" lang="ja-JP" altLang="en-US"/>
           </a:p>
           <a:p>
             <a:pPr lvl="1"/>
@@ -2655,7 +2622,6 @@
               <a:rPr kumimoji="1" lang="ja-JP" altLang="en-US"/>
               <a:t>レベル</a:t>
             </a:r>
-            <a:endParaRPr kumimoji="1" lang="ja-JP" altLang="en-US"/>
           </a:p>
           <a:p>
             <a:pPr lvl="2"/>
@@ -2671,7 +2637,6 @@
               <a:rPr kumimoji="1" lang="ja-JP" altLang="en-US"/>
               <a:t>レベル</a:t>
             </a:r>
-            <a:endParaRPr kumimoji="1" lang="ja-JP" altLang="en-US"/>
           </a:p>
           <a:p>
             <a:pPr lvl="3"/>
@@ -2687,7 +2652,6 @@
               <a:rPr kumimoji="1" lang="ja-JP" altLang="en-US"/>
               <a:t>レベル</a:t>
             </a:r>
-            <a:endParaRPr kumimoji="1" lang="ja-JP" altLang="en-US"/>
           </a:p>
           <a:p>
             <a:pPr lvl="4"/>
@@ -2703,7 +2667,6 @@
               <a:rPr kumimoji="1" lang="ja-JP" altLang="en-US"/>
               <a:t>レベル</a:t>
             </a:r>
-            <a:endParaRPr kumimoji="1" lang="ja-JP" altLang="en-US"/>
           </a:p>
         </p:txBody>
       </p:sp>
@@ -2724,6 +2687,7 @@
           <a:p>
             <a:fld id="{EF01AC3F-5B2B-4265-BEF4-31326588BC24}" type="datetimeFigureOut">
               <a:rPr kumimoji="1" lang="ja-JP" altLang="en-US" smtClean="0"/>
+              <a:t>2021/10/30</a:t>
             </a:fld>
             <a:endParaRPr kumimoji="1" lang="ja-JP" altLang="en-US"/>
           </a:p>
@@ -2765,6 +2729,7 @@
           <a:p>
             <a:fld id="{55416541-5EAB-4E31-BA93-A38D44E03098}" type="slidenum">
               <a:rPr kumimoji="1" lang="ja-JP" altLang="en-US" smtClean="0"/>
+              <a:t>‹#›</a:t>
             </a:fld>
             <a:endParaRPr kumimoji="1" lang="ja-JP" altLang="en-US"/>
           </a:p>
@@ -2823,7 +2788,6 @@
               <a:rPr kumimoji="1" lang="ja-JP" altLang="en-US"/>
               <a:t>マスター タイトルの書式設定</a:t>
             </a:r>
-            <a:endParaRPr kumimoji="1" lang="ja-JP" altLang="en-US"/>
           </a:p>
         </p:txBody>
       </p:sp>
@@ -2950,7 +2914,6 @@
               <a:rPr kumimoji="1" lang="ja-JP" altLang="en-US"/>
               <a:t>マスター テキストの書式設定</a:t>
             </a:r>
-            <a:endParaRPr kumimoji="1" lang="ja-JP" altLang="en-US"/>
           </a:p>
         </p:txBody>
       </p:sp>
@@ -2971,6 +2934,7 @@
           <a:p>
             <a:fld id="{EF01AC3F-5B2B-4265-BEF4-31326588BC24}" type="datetimeFigureOut">
               <a:rPr kumimoji="1" lang="ja-JP" altLang="en-US" smtClean="0"/>
+              <a:t>2021/10/30</a:t>
             </a:fld>
             <a:endParaRPr kumimoji="1" lang="ja-JP" altLang="en-US"/>
           </a:p>
@@ -3012,6 +2976,7 @@
           <a:p>
             <a:fld id="{55416541-5EAB-4E31-BA93-A38D44E03098}" type="slidenum">
               <a:rPr kumimoji="1" lang="ja-JP" altLang="en-US" smtClean="0"/>
+              <a:t>‹#›</a:t>
             </a:fld>
             <a:endParaRPr kumimoji="1" lang="ja-JP" altLang="en-US"/>
           </a:p>
@@ -3061,7 +3026,6 @@
               <a:rPr kumimoji="1" lang="ja-JP" altLang="en-US"/>
               <a:t>マスター タイトルの書式設定</a:t>
             </a:r>
-            <a:endParaRPr kumimoji="1" lang="ja-JP" altLang="en-US"/>
           </a:p>
         </p:txBody>
       </p:sp>
@@ -3085,7 +3049,6 @@
               <a:rPr kumimoji="1" lang="ja-JP" altLang="en-US"/>
               <a:t>マスター テキストの書式設定</a:t>
             </a:r>
-            <a:endParaRPr kumimoji="1" lang="ja-JP" altLang="en-US"/>
           </a:p>
           <a:p>
             <a:pPr lvl="1"/>
@@ -3101,7 +3064,6 @@
               <a:rPr kumimoji="1" lang="ja-JP" altLang="en-US"/>
               <a:t>レベル</a:t>
             </a:r>
-            <a:endParaRPr kumimoji="1" lang="ja-JP" altLang="en-US"/>
           </a:p>
           <a:p>
             <a:pPr lvl="2"/>
@@ -3117,7 +3079,6 @@
               <a:rPr kumimoji="1" lang="ja-JP" altLang="en-US"/>
               <a:t>レベル</a:t>
             </a:r>
-            <a:endParaRPr kumimoji="1" lang="ja-JP" altLang="en-US"/>
           </a:p>
           <a:p>
             <a:pPr lvl="3"/>
@@ -3133,7 +3094,6 @@
               <a:rPr kumimoji="1" lang="ja-JP" altLang="en-US"/>
               <a:t>レベル</a:t>
             </a:r>
-            <a:endParaRPr kumimoji="1" lang="ja-JP" altLang="en-US"/>
           </a:p>
           <a:p>
             <a:pPr lvl="4"/>
@@ -3149,7 +3109,6 @@
               <a:rPr kumimoji="1" lang="ja-JP" altLang="en-US"/>
               <a:t>レベル</a:t>
             </a:r>
-            <a:endParaRPr kumimoji="1" lang="ja-JP" altLang="en-US"/>
           </a:p>
         </p:txBody>
       </p:sp>
@@ -3170,6 +3129,7 @@
           <a:p>
             <a:fld id="{EF01AC3F-5B2B-4265-BEF4-31326588BC24}" type="datetimeFigureOut">
               <a:rPr kumimoji="1" lang="ja-JP" altLang="en-US" smtClean="0"/>
+              <a:t>2021/10/30</a:t>
             </a:fld>
             <a:endParaRPr kumimoji="1" lang="ja-JP" altLang="en-US"/>
           </a:p>
@@ -3211,6 +3171,7 @@
           <a:p>
             <a:fld id="{55416541-5EAB-4E31-BA93-A38D44E03098}" type="slidenum">
               <a:rPr kumimoji="1" lang="ja-JP" altLang="en-US" smtClean="0"/>
+              <a:t>‹#›</a:t>
             </a:fld>
             <a:endParaRPr kumimoji="1" lang="ja-JP" altLang="en-US"/>
           </a:p>
@@ -3265,7 +3226,6 @@
               <a:rPr kumimoji="1" lang="ja-JP" altLang="en-US"/>
               <a:t>マスター タイトルの書式設定</a:t>
             </a:r>
-            <a:endParaRPr kumimoji="1" lang="ja-JP" altLang="en-US"/>
           </a:p>
         </p:txBody>
       </p:sp>
@@ -3294,7 +3254,6 @@
               <a:rPr kumimoji="1" lang="ja-JP" altLang="en-US"/>
               <a:t>マスター テキストの書式設定</a:t>
             </a:r>
-            <a:endParaRPr kumimoji="1" lang="ja-JP" altLang="en-US"/>
           </a:p>
           <a:p>
             <a:pPr lvl="1"/>
@@ -3310,7 +3269,6 @@
               <a:rPr kumimoji="1" lang="ja-JP" altLang="en-US"/>
               <a:t>レベル</a:t>
             </a:r>
-            <a:endParaRPr kumimoji="1" lang="ja-JP" altLang="en-US"/>
           </a:p>
           <a:p>
             <a:pPr lvl="2"/>
@@ -3326,7 +3284,6 @@
               <a:rPr kumimoji="1" lang="ja-JP" altLang="en-US"/>
               <a:t>レベル</a:t>
             </a:r>
-            <a:endParaRPr kumimoji="1" lang="ja-JP" altLang="en-US"/>
           </a:p>
           <a:p>
             <a:pPr lvl="3"/>
@@ -3342,7 +3299,6 @@
               <a:rPr kumimoji="1" lang="ja-JP" altLang="en-US"/>
               <a:t>レベル</a:t>
             </a:r>
-            <a:endParaRPr kumimoji="1" lang="ja-JP" altLang="en-US"/>
           </a:p>
           <a:p>
             <a:pPr lvl="4"/>
@@ -3358,7 +3314,6 @@
               <a:rPr kumimoji="1" lang="ja-JP" altLang="en-US"/>
               <a:t>レベル</a:t>
             </a:r>
-            <a:endParaRPr kumimoji="1" lang="ja-JP" altLang="en-US"/>
           </a:p>
         </p:txBody>
       </p:sp>
@@ -3379,6 +3334,7 @@
           <a:p>
             <a:fld id="{EF01AC3F-5B2B-4265-BEF4-31326588BC24}" type="datetimeFigureOut">
               <a:rPr kumimoji="1" lang="ja-JP" altLang="en-US" smtClean="0"/>
+              <a:t>2021/10/30</a:t>
             </a:fld>
             <a:endParaRPr kumimoji="1" lang="ja-JP" altLang="en-US"/>
           </a:p>
@@ -3420,6 +3376,7 @@
           <a:p>
             <a:fld id="{55416541-5EAB-4E31-BA93-A38D44E03098}" type="slidenum">
               <a:rPr kumimoji="1" lang="ja-JP" altLang="en-US" smtClean="0"/>
+              <a:t>‹#›</a:t>
             </a:fld>
             <a:endParaRPr kumimoji="1" lang="ja-JP" altLang="en-US"/>
           </a:p>
@@ -3478,7 +3435,6 @@
               <a:rPr kumimoji="1" lang="ja-JP" altLang="en-US"/>
               <a:t>マスター タイトルの書式設定</a:t>
             </a:r>
-            <a:endParaRPr kumimoji="1" lang="ja-JP" altLang="en-US"/>
           </a:p>
         </p:txBody>
       </p:sp>
@@ -3598,7 +3554,6 @@
               <a:rPr kumimoji="1" lang="ja-JP" altLang="en-US"/>
               <a:t>マスター テキストの書式設定</a:t>
             </a:r>
-            <a:endParaRPr kumimoji="1" lang="ja-JP" altLang="en-US"/>
           </a:p>
         </p:txBody>
       </p:sp>
@@ -3619,6 +3574,7 @@
           <a:p>
             <a:fld id="{EF01AC3F-5B2B-4265-BEF4-31326588BC24}" type="datetimeFigureOut">
               <a:rPr kumimoji="1" lang="ja-JP" altLang="en-US" smtClean="0"/>
+              <a:t>2021/10/30</a:t>
             </a:fld>
             <a:endParaRPr kumimoji="1" lang="ja-JP" altLang="en-US"/>
           </a:p>
@@ -3660,6 +3616,7 @@
           <a:p>
             <a:fld id="{55416541-5EAB-4E31-BA93-A38D44E03098}" type="slidenum">
               <a:rPr kumimoji="1" lang="ja-JP" altLang="en-US" smtClean="0"/>
+              <a:t>‹#›</a:t>
             </a:fld>
             <a:endParaRPr kumimoji="1" lang="ja-JP" altLang="en-US"/>
           </a:p>
@@ -3709,7 +3666,6 @@
               <a:rPr kumimoji="1" lang="ja-JP" altLang="en-US"/>
               <a:t>マスター タイトルの書式設定</a:t>
             </a:r>
-            <a:endParaRPr kumimoji="1" lang="ja-JP" altLang="en-US"/>
           </a:p>
         </p:txBody>
       </p:sp>
@@ -3738,7 +3694,6 @@
               <a:rPr kumimoji="1" lang="ja-JP" altLang="en-US"/>
               <a:t>マスター テキストの書式設定</a:t>
             </a:r>
-            <a:endParaRPr kumimoji="1" lang="ja-JP" altLang="en-US"/>
           </a:p>
           <a:p>
             <a:pPr lvl="1"/>
@@ -3754,7 +3709,6 @@
               <a:rPr kumimoji="1" lang="ja-JP" altLang="en-US"/>
               <a:t>レベル</a:t>
             </a:r>
-            <a:endParaRPr kumimoji="1" lang="ja-JP" altLang="en-US"/>
           </a:p>
           <a:p>
             <a:pPr lvl="2"/>
@@ -3770,7 +3724,6 @@
               <a:rPr kumimoji="1" lang="ja-JP" altLang="en-US"/>
               <a:t>レベル</a:t>
             </a:r>
-            <a:endParaRPr kumimoji="1" lang="ja-JP" altLang="en-US"/>
           </a:p>
           <a:p>
             <a:pPr lvl="3"/>
@@ -3786,7 +3739,6 @@
               <a:rPr kumimoji="1" lang="ja-JP" altLang="en-US"/>
               <a:t>レベル</a:t>
             </a:r>
-            <a:endParaRPr kumimoji="1" lang="ja-JP" altLang="en-US"/>
           </a:p>
           <a:p>
             <a:pPr lvl="4"/>
@@ -3802,7 +3754,6 @@
               <a:rPr kumimoji="1" lang="ja-JP" altLang="en-US"/>
               <a:t>レベル</a:t>
             </a:r>
-            <a:endParaRPr kumimoji="1" lang="ja-JP" altLang="en-US"/>
           </a:p>
         </p:txBody>
       </p:sp>
@@ -3831,7 +3782,6 @@
               <a:rPr kumimoji="1" lang="ja-JP" altLang="en-US"/>
               <a:t>マスター テキストの書式設定</a:t>
             </a:r>
-            <a:endParaRPr kumimoji="1" lang="ja-JP" altLang="en-US"/>
           </a:p>
           <a:p>
             <a:pPr lvl="1"/>
@@ -3847,7 +3797,6 @@
               <a:rPr kumimoji="1" lang="ja-JP" altLang="en-US"/>
               <a:t>レベル</a:t>
             </a:r>
-            <a:endParaRPr kumimoji="1" lang="ja-JP" altLang="en-US"/>
           </a:p>
           <a:p>
             <a:pPr lvl="2"/>
@@ -3863,7 +3812,6 @@
               <a:rPr kumimoji="1" lang="ja-JP" altLang="en-US"/>
               <a:t>レベル</a:t>
             </a:r>
-            <a:endParaRPr kumimoji="1" lang="ja-JP" altLang="en-US"/>
           </a:p>
           <a:p>
             <a:pPr lvl="3"/>
@@ -3879,7 +3827,6 @@
               <a:rPr kumimoji="1" lang="ja-JP" altLang="en-US"/>
               <a:t>レベル</a:t>
             </a:r>
-            <a:endParaRPr kumimoji="1" lang="ja-JP" altLang="en-US"/>
           </a:p>
           <a:p>
             <a:pPr lvl="4"/>
@@ -3895,7 +3842,6 @@
               <a:rPr kumimoji="1" lang="ja-JP" altLang="en-US"/>
               <a:t>レベル</a:t>
             </a:r>
-            <a:endParaRPr kumimoji="1" lang="ja-JP" altLang="en-US"/>
           </a:p>
         </p:txBody>
       </p:sp>
@@ -3916,6 +3862,7 @@
           <a:p>
             <a:fld id="{EF01AC3F-5B2B-4265-BEF4-31326588BC24}" type="datetimeFigureOut">
               <a:rPr kumimoji="1" lang="ja-JP" altLang="en-US" smtClean="0"/>
+              <a:t>2021/10/30</a:t>
             </a:fld>
             <a:endParaRPr kumimoji="1" lang="ja-JP" altLang="en-US"/>
           </a:p>
@@ -3957,6 +3904,7 @@
           <a:p>
             <a:fld id="{55416541-5EAB-4E31-BA93-A38D44E03098}" type="slidenum">
               <a:rPr kumimoji="1" lang="ja-JP" altLang="en-US" smtClean="0"/>
+              <a:t>‹#›</a:t>
             </a:fld>
             <a:endParaRPr kumimoji="1" lang="ja-JP" altLang="en-US"/>
           </a:p>
@@ -4011,7 +3959,6 @@
               <a:rPr kumimoji="1" lang="ja-JP" altLang="en-US"/>
               <a:t>マスター タイトルの書式設定</a:t>
             </a:r>
-            <a:endParaRPr kumimoji="1" lang="ja-JP" altLang="en-US"/>
           </a:p>
         </p:txBody>
       </p:sp>
@@ -4077,7 +4024,6 @@
               <a:rPr kumimoji="1" lang="ja-JP" altLang="en-US"/>
               <a:t>マスター テキストの書式設定</a:t>
             </a:r>
-            <a:endParaRPr kumimoji="1" lang="ja-JP" altLang="en-US"/>
           </a:p>
         </p:txBody>
       </p:sp>
@@ -4106,7 +4052,6 @@
               <a:rPr kumimoji="1" lang="ja-JP" altLang="en-US"/>
               <a:t>マスター テキストの書式設定</a:t>
             </a:r>
-            <a:endParaRPr kumimoji="1" lang="ja-JP" altLang="en-US"/>
           </a:p>
           <a:p>
             <a:pPr lvl="1"/>
@@ -4122,7 +4067,6 @@
               <a:rPr kumimoji="1" lang="ja-JP" altLang="en-US"/>
               <a:t>レベル</a:t>
             </a:r>
-            <a:endParaRPr kumimoji="1" lang="ja-JP" altLang="en-US"/>
           </a:p>
           <a:p>
             <a:pPr lvl="2"/>
@@ -4138,7 +4082,6 @@
               <a:rPr kumimoji="1" lang="ja-JP" altLang="en-US"/>
               <a:t>レベル</a:t>
             </a:r>
-            <a:endParaRPr kumimoji="1" lang="ja-JP" altLang="en-US"/>
           </a:p>
           <a:p>
             <a:pPr lvl="3"/>
@@ -4154,7 +4097,6 @@
               <a:rPr kumimoji="1" lang="ja-JP" altLang="en-US"/>
               <a:t>レベル</a:t>
             </a:r>
-            <a:endParaRPr kumimoji="1" lang="ja-JP" altLang="en-US"/>
           </a:p>
           <a:p>
             <a:pPr lvl="4"/>
@@ -4170,7 +4112,6 @@
               <a:rPr kumimoji="1" lang="ja-JP" altLang="en-US"/>
               <a:t>レベル</a:t>
             </a:r>
-            <a:endParaRPr kumimoji="1" lang="ja-JP" altLang="en-US"/>
           </a:p>
         </p:txBody>
       </p:sp>
@@ -4236,7 +4177,6 @@
               <a:rPr kumimoji="1" lang="ja-JP" altLang="en-US"/>
               <a:t>マスター テキストの書式設定</a:t>
             </a:r>
-            <a:endParaRPr kumimoji="1" lang="ja-JP" altLang="en-US"/>
           </a:p>
         </p:txBody>
       </p:sp>
@@ -4265,7 +4205,6 @@
               <a:rPr kumimoji="1" lang="ja-JP" altLang="en-US"/>
               <a:t>マスター テキストの書式設定</a:t>
             </a:r>
-            <a:endParaRPr kumimoji="1" lang="ja-JP" altLang="en-US"/>
           </a:p>
           <a:p>
             <a:pPr lvl="1"/>
@@ -4281,7 +4220,6 @@
               <a:rPr kumimoji="1" lang="ja-JP" altLang="en-US"/>
               <a:t>レベル</a:t>
             </a:r>
-            <a:endParaRPr kumimoji="1" lang="ja-JP" altLang="en-US"/>
           </a:p>
           <a:p>
             <a:pPr lvl="2"/>
@@ -4297,7 +4235,6 @@
               <a:rPr kumimoji="1" lang="ja-JP" altLang="en-US"/>
               <a:t>レベル</a:t>
             </a:r>
-            <a:endParaRPr kumimoji="1" lang="ja-JP" altLang="en-US"/>
           </a:p>
           <a:p>
             <a:pPr lvl="3"/>
@@ -4313,7 +4250,6 @@
               <a:rPr kumimoji="1" lang="ja-JP" altLang="en-US"/>
               <a:t>レベル</a:t>
             </a:r>
-            <a:endParaRPr kumimoji="1" lang="ja-JP" altLang="en-US"/>
           </a:p>
           <a:p>
             <a:pPr lvl="4"/>
@@ -4329,7 +4265,6 @@
               <a:rPr kumimoji="1" lang="ja-JP" altLang="en-US"/>
               <a:t>レベル</a:t>
             </a:r>
-            <a:endParaRPr kumimoji="1" lang="ja-JP" altLang="en-US"/>
           </a:p>
         </p:txBody>
       </p:sp>
@@ -4350,6 +4285,7 @@
           <a:p>
             <a:fld id="{EF01AC3F-5B2B-4265-BEF4-31326588BC24}" type="datetimeFigureOut">
               <a:rPr kumimoji="1" lang="ja-JP" altLang="en-US" smtClean="0"/>
+              <a:t>2021/10/30</a:t>
             </a:fld>
             <a:endParaRPr kumimoji="1" lang="ja-JP" altLang="en-US"/>
           </a:p>
@@ -4391,6 +4327,7 @@
           <a:p>
             <a:fld id="{55416541-5EAB-4E31-BA93-A38D44E03098}" type="slidenum">
               <a:rPr kumimoji="1" lang="ja-JP" altLang="en-US" smtClean="0"/>
+              <a:t>‹#›</a:t>
             </a:fld>
             <a:endParaRPr kumimoji="1" lang="ja-JP" altLang="en-US"/>
           </a:p>
@@ -4440,7 +4377,6 @@
               <a:rPr kumimoji="1" lang="ja-JP" altLang="en-US"/>
               <a:t>マスター タイトルの書式設定</a:t>
             </a:r>
-            <a:endParaRPr kumimoji="1" lang="ja-JP" altLang="en-US"/>
           </a:p>
         </p:txBody>
       </p:sp>
@@ -4461,6 +4397,7 @@
           <a:p>
             <a:fld id="{EF01AC3F-5B2B-4265-BEF4-31326588BC24}" type="datetimeFigureOut">
               <a:rPr kumimoji="1" lang="ja-JP" altLang="en-US" smtClean="0"/>
+              <a:t>2021/10/30</a:t>
             </a:fld>
             <a:endParaRPr kumimoji="1" lang="ja-JP" altLang="en-US"/>
           </a:p>
@@ -4502,6 +4439,7 @@
           <a:p>
             <a:fld id="{55416541-5EAB-4E31-BA93-A38D44E03098}" type="slidenum">
               <a:rPr kumimoji="1" lang="ja-JP" altLang="en-US" smtClean="0"/>
+              <a:t>‹#›</a:t>
             </a:fld>
             <a:endParaRPr kumimoji="1" lang="ja-JP" altLang="en-US"/>
           </a:p>
@@ -4549,6 +4487,7 @@
           <a:p>
             <a:fld id="{EF01AC3F-5B2B-4265-BEF4-31326588BC24}" type="datetimeFigureOut">
               <a:rPr kumimoji="1" lang="ja-JP" altLang="en-US" smtClean="0"/>
+              <a:t>2021/10/30</a:t>
             </a:fld>
             <a:endParaRPr kumimoji="1" lang="ja-JP" altLang="en-US"/>
           </a:p>
@@ -4590,6 +4529,7 @@
           <a:p>
             <a:fld id="{55416541-5EAB-4E31-BA93-A38D44E03098}" type="slidenum">
               <a:rPr kumimoji="1" lang="ja-JP" altLang="en-US" smtClean="0"/>
+              <a:t>‹#›</a:t>
             </a:fld>
             <a:endParaRPr kumimoji="1" lang="ja-JP" altLang="en-US"/>
           </a:p>
@@ -4648,7 +4588,6 @@
               <a:rPr kumimoji="1" lang="ja-JP" altLang="en-US"/>
               <a:t>マスター タイトルの書式設定</a:t>
             </a:r>
-            <a:endParaRPr kumimoji="1" lang="ja-JP" altLang="en-US"/>
           </a:p>
         </p:txBody>
       </p:sp>
@@ -4705,7 +4644,6 @@
               <a:rPr kumimoji="1" lang="ja-JP" altLang="en-US"/>
               <a:t>マスター テキストの書式設定</a:t>
             </a:r>
-            <a:endParaRPr kumimoji="1" lang="ja-JP" altLang="en-US"/>
           </a:p>
           <a:p>
             <a:pPr lvl="1"/>
@@ -4721,7 +4659,6 @@
               <a:rPr kumimoji="1" lang="ja-JP" altLang="en-US"/>
               <a:t>レベル</a:t>
             </a:r>
-            <a:endParaRPr kumimoji="1" lang="ja-JP" altLang="en-US"/>
           </a:p>
           <a:p>
             <a:pPr lvl="2"/>
@@ -4737,7 +4674,6 @@
               <a:rPr kumimoji="1" lang="ja-JP" altLang="en-US"/>
               <a:t>レベル</a:t>
             </a:r>
-            <a:endParaRPr kumimoji="1" lang="ja-JP" altLang="en-US"/>
           </a:p>
           <a:p>
             <a:pPr lvl="3"/>
@@ -4753,7 +4689,6 @@
               <a:rPr kumimoji="1" lang="ja-JP" altLang="en-US"/>
               <a:t>レベル</a:t>
             </a:r>
-            <a:endParaRPr kumimoji="1" lang="ja-JP" altLang="en-US"/>
           </a:p>
           <a:p>
             <a:pPr lvl="4"/>
@@ -4769,7 +4704,6 @@
               <a:rPr kumimoji="1" lang="ja-JP" altLang="en-US"/>
               <a:t>レベル</a:t>
             </a:r>
-            <a:endParaRPr kumimoji="1" lang="ja-JP" altLang="en-US"/>
           </a:p>
         </p:txBody>
       </p:sp>
@@ -4835,7 +4769,6 @@
               <a:rPr kumimoji="1" lang="ja-JP" altLang="en-US"/>
               <a:t>マスター テキストの書式設定</a:t>
             </a:r>
-            <a:endParaRPr kumimoji="1" lang="ja-JP" altLang="en-US"/>
           </a:p>
         </p:txBody>
       </p:sp>
@@ -4856,6 +4789,7 @@
           <a:p>
             <a:fld id="{EF01AC3F-5B2B-4265-BEF4-31326588BC24}" type="datetimeFigureOut">
               <a:rPr kumimoji="1" lang="ja-JP" altLang="en-US" smtClean="0"/>
+              <a:t>2021/10/30</a:t>
             </a:fld>
             <a:endParaRPr kumimoji="1" lang="ja-JP" altLang="en-US"/>
           </a:p>
@@ -4897,6 +4831,7 @@
           <a:p>
             <a:fld id="{55416541-5EAB-4E31-BA93-A38D44E03098}" type="slidenum">
               <a:rPr kumimoji="1" lang="ja-JP" altLang="en-US" smtClean="0"/>
+              <a:t>‹#›</a:t>
             </a:fld>
             <a:endParaRPr kumimoji="1" lang="ja-JP" altLang="en-US"/>
           </a:p>
@@ -4955,7 +4890,6 @@
               <a:rPr kumimoji="1" lang="ja-JP" altLang="en-US"/>
               <a:t>マスター タイトルの書式設定</a:t>
             </a:r>
-            <a:endParaRPr kumimoji="1" lang="ja-JP" altLang="en-US"/>
           </a:p>
         </p:txBody>
       </p:sp>
@@ -5082,7 +5016,6 @@
               <a:rPr kumimoji="1" lang="ja-JP" altLang="en-US"/>
               <a:t>マスター テキストの書式設定</a:t>
             </a:r>
-            <a:endParaRPr kumimoji="1" lang="ja-JP" altLang="en-US"/>
           </a:p>
         </p:txBody>
       </p:sp>
@@ -5103,6 +5036,7 @@
           <a:p>
             <a:fld id="{EF01AC3F-5B2B-4265-BEF4-31326588BC24}" type="datetimeFigureOut">
               <a:rPr kumimoji="1" lang="ja-JP" altLang="en-US" smtClean="0"/>
+              <a:t>2021/10/30</a:t>
             </a:fld>
             <a:endParaRPr kumimoji="1" lang="ja-JP" altLang="en-US"/>
           </a:p>
@@ -5144,6 +5078,7 @@
           <a:p>
             <a:fld id="{55416541-5EAB-4E31-BA93-A38D44E03098}" type="slidenum">
               <a:rPr kumimoji="1" lang="ja-JP" altLang="en-US" smtClean="0"/>
+              <a:t>‹#›</a:t>
             </a:fld>
             <a:endParaRPr kumimoji="1" lang="ja-JP" altLang="en-US"/>
           </a:p>
@@ -5208,7 +5143,6 @@
               <a:rPr kumimoji="1" lang="ja-JP" altLang="en-US"/>
               <a:t>マスター タイトルの書式設定</a:t>
             </a:r>
-            <a:endParaRPr kumimoji="1" lang="ja-JP" altLang="en-US"/>
           </a:p>
         </p:txBody>
       </p:sp>
@@ -5242,7 +5176,6 @@
               <a:rPr kumimoji="1" lang="ja-JP" altLang="en-US"/>
               <a:t>マスター テキストの書式設定</a:t>
             </a:r>
-            <a:endParaRPr kumimoji="1" lang="ja-JP" altLang="en-US"/>
           </a:p>
           <a:p>
             <a:pPr lvl="1"/>
@@ -5258,7 +5191,6 @@
               <a:rPr kumimoji="1" lang="ja-JP" altLang="en-US"/>
               <a:t>レベル</a:t>
             </a:r>
-            <a:endParaRPr kumimoji="1" lang="ja-JP" altLang="en-US"/>
           </a:p>
           <a:p>
             <a:pPr lvl="2"/>
@@ -5274,7 +5206,6 @@
               <a:rPr kumimoji="1" lang="ja-JP" altLang="en-US"/>
               <a:t>レベル</a:t>
             </a:r>
-            <a:endParaRPr kumimoji="1" lang="ja-JP" altLang="en-US"/>
           </a:p>
           <a:p>
             <a:pPr lvl="3"/>
@@ -5290,7 +5221,6 @@
               <a:rPr kumimoji="1" lang="ja-JP" altLang="en-US"/>
               <a:t>レベル</a:t>
             </a:r>
-            <a:endParaRPr kumimoji="1" lang="ja-JP" altLang="en-US"/>
           </a:p>
           <a:p>
             <a:pPr lvl="4"/>
@@ -5306,7 +5236,6 @@
               <a:rPr kumimoji="1" lang="ja-JP" altLang="en-US"/>
               <a:t>レベル</a:t>
             </a:r>
-            <a:endParaRPr kumimoji="1" lang="ja-JP" altLang="en-US"/>
           </a:p>
         </p:txBody>
       </p:sp>
@@ -5345,6 +5274,7 @@
           <a:p>
             <a:fld id="{EF01AC3F-5B2B-4265-BEF4-31326588BC24}" type="datetimeFigureOut">
               <a:rPr kumimoji="1" lang="ja-JP" altLang="en-US" smtClean="0"/>
+              <a:t>2021/10/30</a:t>
             </a:fld>
             <a:endParaRPr kumimoji="1" lang="ja-JP" altLang="en-US"/>
           </a:p>
@@ -5422,6 +5352,7 @@
           <a:p>
             <a:fld id="{55416541-5EAB-4E31-BA93-A38D44E03098}" type="slidenum">
               <a:rPr kumimoji="1" lang="ja-JP" altLang="en-US" smtClean="0"/>
+              <a:t>‹#›</a:t>
             </a:fld>
             <a:endParaRPr kumimoji="1" lang="ja-JP" altLang="en-US"/>
           </a:p>
@@ -5777,7 +5708,6 @@
               <a:rPr kumimoji="1" lang="ja-JP" altLang="en-US"/>
               <a:t>マスター タイトルの書式設定</a:t>
             </a:r>
-            <a:endParaRPr kumimoji="1" lang="ja-JP" altLang="en-US"/>
           </a:p>
         </p:txBody>
       </p:sp>
@@ -5811,7 +5741,6 @@
               <a:rPr kumimoji="1" lang="ja-JP" altLang="en-US"/>
               <a:t>マスター テキストの書式設定</a:t>
             </a:r>
-            <a:endParaRPr kumimoji="1" lang="ja-JP" altLang="en-US"/>
           </a:p>
           <a:p>
             <a:pPr lvl="1"/>
@@ -5827,7 +5756,6 @@
               <a:rPr kumimoji="1" lang="ja-JP" altLang="en-US"/>
               <a:t>レベル</a:t>
             </a:r>
-            <a:endParaRPr kumimoji="1" lang="ja-JP" altLang="en-US"/>
           </a:p>
           <a:p>
             <a:pPr lvl="2"/>
@@ -5843,7 +5771,6 @@
               <a:rPr kumimoji="1" lang="ja-JP" altLang="en-US"/>
               <a:t>レベル</a:t>
             </a:r>
-            <a:endParaRPr kumimoji="1" lang="ja-JP" altLang="en-US"/>
           </a:p>
           <a:p>
             <a:pPr lvl="3"/>
@@ -5859,7 +5786,6 @@
               <a:rPr kumimoji="1" lang="ja-JP" altLang="en-US"/>
               <a:t>レベル</a:t>
             </a:r>
-            <a:endParaRPr kumimoji="1" lang="ja-JP" altLang="en-US"/>
           </a:p>
           <a:p>
             <a:pPr lvl="4"/>
@@ -5875,7 +5801,6 @@
               <a:rPr kumimoji="1" lang="ja-JP" altLang="en-US"/>
               <a:t>レベル</a:t>
             </a:r>
-            <a:endParaRPr kumimoji="1" lang="ja-JP" altLang="en-US"/>
           </a:p>
         </p:txBody>
       </p:sp>
@@ -5914,6 +5839,7 @@
           <a:p>
             <a:fld id="{EF01AC3F-5B2B-4265-BEF4-31326588BC24}" type="datetimeFigureOut">
               <a:rPr kumimoji="1" lang="ja-JP" altLang="en-US" smtClean="0"/>
+              <a:t>2021/10/30</a:t>
             </a:fld>
             <a:endParaRPr kumimoji="1" lang="ja-JP" altLang="en-US"/>
           </a:p>
@@ -5991,6 +5917,7 @@
           <a:p>
             <a:fld id="{55416541-5EAB-4E31-BA93-A38D44E03098}" type="slidenum">
               <a:rPr kumimoji="1" lang="ja-JP" altLang="en-US" smtClean="0"/>
+              <a:t>‹#›</a:t>
             </a:fld>
             <a:endParaRPr kumimoji="1" lang="ja-JP" altLang="en-US"/>
           </a:p>
@@ -6321,7 +6248,7 @@
           <p:nvPr/>
         </p:nvPicPr>
         <p:blipFill>
-          <a:blip r:embed="rId1"/>
+          <a:blip r:embed="rId2"/>
           <a:stretch>
             <a:fillRect/>
           </a:stretch>
@@ -6370,7 +6297,7 @@
           <p:nvPr/>
         </p:nvPicPr>
         <p:blipFill>
-          <a:blip r:embed="rId1"/>
+          <a:blip r:embed="rId2"/>
           <a:stretch>
             <a:fillRect/>
           </a:stretch>
@@ -6419,7 +6346,7 @@
           <p:nvPr/>
         </p:nvPicPr>
         <p:blipFill>
-          <a:blip r:embed="rId1"/>
+          <a:blip r:embed="rId2"/>
           <a:stretch>
             <a:fillRect/>
           </a:stretch>
@@ -6468,7 +6395,7 @@
           <p:nvPr/>
         </p:nvPicPr>
         <p:blipFill>
-          <a:blip r:embed="rId1"/>
+          <a:blip r:embed="rId2"/>
           <a:stretch>
             <a:fillRect/>
           </a:stretch>
@@ -6519,6 +6446,7 @@
         </p:style>
         <p:txBody>
           <a:bodyPr rtlCol="0" anchor="ctr"/>
+          <a:lstStyle/>
           <a:p>
             <a:pPr algn="ctr"/>
             <a:endParaRPr lang="ja-JP" altLang="en-US"/>
@@ -6545,12 +6473,12 @@
           <a:bodyPr wrap="square" rtlCol="0">
             <a:spAutoFit/>
           </a:bodyPr>
+          <a:lstStyle/>
           <a:p>
             <a:r>
               <a:rPr lang="en-US" altLang="ja-JP" sz="1400"/>
               <a:t>engine power output</a:t>
             </a:r>
-            <a:endParaRPr lang="en-US" altLang="ja-JP" sz="1400"/>
           </a:p>
         </p:txBody>
       </p:sp>
@@ -6574,12 +6502,12 @@
           <a:bodyPr wrap="square" rtlCol="0">
             <a:spAutoFit/>
           </a:bodyPr>
+          <a:lstStyle/>
           <a:p>
             <a:r>
               <a:rPr lang="en-US" altLang="ja-JP" sz="1400"/>
               <a:t>load</a:t>
             </a:r>
-            <a:endParaRPr lang="en-US" altLang="ja-JP" sz="1400"/>
           </a:p>
         </p:txBody>
       </p:sp>
@@ -6619,6 +6547,7 @@
         </p:style>
         <p:txBody>
           <a:bodyPr rtlCol="0" anchor="ctr"/>
+          <a:lstStyle/>
           <a:p>
             <a:pPr algn="ctr"/>
             <a:endParaRPr lang="ja-JP" altLang="en-US"/>
@@ -6664,6 +6593,7 @@
           <a:bodyPr lIns="90000" tIns="45000" rIns="90000" bIns="45000">
             <a:noAutofit/>
           </a:bodyPr>
+          <a:lstStyle/>
           <a:p>
             <a:pPr>
               <a:lnSpc>
@@ -6795,6 +6725,7 @@
           <a:bodyPr lIns="90000" tIns="45000" rIns="90000" bIns="45000">
             <a:noAutofit/>
           </a:bodyPr>
+          <a:lstStyle/>
           <a:p>
             <a:pPr>
               <a:lnSpc>
@@ -6810,12 +6741,6 @@
               </a:rPr>
               <a:t>Acceleration gear.</a:t>
             </a:r>
-            <a:endParaRPr lang="en-US" sz="1100" b="0" strike="noStrike" spc="-1">
-              <a:solidFill>
-                <a:srgbClr val="000000"/>
-              </a:solidFill>
-              <a:latin typeface="Arial" panose="020B0604020202020204"/>
-            </a:endParaRPr>
           </a:p>
           <a:p>
             <a:pPr>
@@ -6829,9 +6754,6 @@
               </a:rPr>
               <a:t>crankshaft speed </a:t>
             </a:r>
-            <a:endParaRPr lang="en-US" sz="1100" b="0" strike="noStrike" spc="-1">
-              <a:latin typeface="Arial" panose="020B0604020202020204"/>
-            </a:endParaRPr>
           </a:p>
           <a:p>
             <a:pPr>
@@ -6845,9 +6767,6 @@
               </a:rPr>
               <a:t>&lt;&lt; compressor speed</a:t>
             </a:r>
-            <a:endParaRPr lang="en-US" sz="1100" b="0" strike="noStrike" spc="-1">
-              <a:latin typeface="Arial" panose="020B0604020202020204"/>
-            </a:endParaRPr>
           </a:p>
         </p:txBody>
       </p:sp>
@@ -7144,6 +7063,8 @@
       </a:bgFillStyleLst>
     </a:fmtScheme>
   </a:themeElements>
+  <a:objectDefaults/>
+  <a:extraClrSchemeLst/>
   <a:extLst>
     <a:ext uri="{05A4C25C-085E-4340-85A3-A5531E510DB2}">
       <thm15:themeFamily xmlns:thm15="http://schemas.microsoft.com/office/thememl/2012/main" name="Office Theme" id="{62F939B6-93AF-4DB8-9C6B-D6C7DFDC589F}" vid="{4A3C46E8-61CC-4603-A589-7422A47A8E4A}"/>
@@ -7403,6 +7324,8 @@
       </a:bgFillStyleLst>
     </a:fmtScheme>
   </a:themeElements>
+  <a:objectDefaults/>
+  <a:extraClrSchemeLst/>
   <a:extLst>
     <a:ext uri="{05A4C25C-085E-4340-85A3-A5531E510DB2}">
       <thm15:themeFamily xmlns:thm15="http://schemas.microsoft.com/office/thememl/2012/main" name="Office Theme" id="{62F939B6-93AF-4DB8-9C6B-D6C7DFDC589F}" vid="{4A3C46E8-61CC-4603-A589-7422A47A8E4A}"/>
